--- a/FinalFile/DACN_ThuyetTrinh.pptx
+++ b/FinalFile/DACN_ThuyetTrinh.pptx
@@ -6001,8 +6001,8 @@
         </p:nvSpPr>
         <p:spPr>
           <a:xfrm>
-            <a:off x="904455" y="2531067"/>
-            <a:ext cx="6224478" cy="1795866"/>
+            <a:off x="904455" y="2624201"/>
+            <a:ext cx="8171812" cy="3531066"/>
           </a:xfrm>
         </p:spPr>
         <p:txBody>
@@ -6011,7 +6011,100 @@
           </a:bodyPr>
           <a:lstStyle/>
           <a:p>
-            <a:pPr lvl="1" algn="just"/>
+            <a:pPr marL="800100" lvl="1" indent="-342900" algn="just">
+              <a:buFont typeface="Wingdings" panose="05000000000000000000" pitchFamily="2" charset="2"/>
+              <a:buChar char="v"/>
+            </a:pPr>
+            <a:r>
+              <a:rPr lang="vi-VN" sz="2000">
+                <a:latin typeface="Calibri" panose="020F0502020204030204" pitchFamily="34" charset="0"/>
+                <a:ea typeface="Calibri" panose="020F0502020204030204" pitchFamily="34" charset="0"/>
+                <a:cs typeface="Calibri" panose="020F0502020204030204" pitchFamily="34" charset="0"/>
+              </a:rPr>
+              <a:t>Thuật toán PMF là một phương pháp trong hệ thống gợi ý dựa trên kỹ thuật phân rã ma trận</a:t>
+            </a:r>
+            <a:endParaRPr lang="en-US" sz="2000">
+              <a:latin typeface="Calibri" panose="020F0502020204030204" pitchFamily="34" charset="0"/>
+              <a:ea typeface="Calibri" panose="020F0502020204030204" pitchFamily="34" charset="0"/>
+              <a:cs typeface="Calibri" panose="020F0502020204030204" pitchFamily="34" charset="0"/>
+            </a:endParaRPr>
+          </a:p>
+          <a:p>
+            <a:pPr marL="800100" lvl="1" indent="-342900" algn="just">
+              <a:buFont typeface="Wingdings" panose="05000000000000000000" pitchFamily="2" charset="2"/>
+              <a:buChar char="v"/>
+            </a:pPr>
+            <a:r>
+              <a:rPr lang="en-US" sz="2000">
+                <a:latin typeface="Calibri" panose="020F0502020204030204" pitchFamily="34" charset="0"/>
+                <a:ea typeface="Calibri" panose="020F0502020204030204" pitchFamily="34" charset="0"/>
+                <a:cs typeface="Calibri" panose="020F0502020204030204" pitchFamily="34" charset="0"/>
+              </a:rPr>
+              <a:t>Thuật toán PMF dựa trên hướng tiếp cận lọc cộng tác</a:t>
+            </a:r>
+          </a:p>
+          <a:p>
+            <a:pPr marL="800100" lvl="1" indent="-342900" algn="just">
+              <a:buFont typeface="Wingdings" panose="05000000000000000000" pitchFamily="2" charset="2"/>
+              <a:buChar char="v"/>
+            </a:pPr>
+            <a:r>
+              <a:rPr lang="en-US" sz="2000">
+                <a:latin typeface="Calibri" panose="020F0502020204030204" pitchFamily="34" charset="0"/>
+                <a:ea typeface="Calibri" panose="020F0502020204030204" pitchFamily="34" charset="0"/>
+                <a:cs typeface="Calibri" panose="020F0502020204030204" pitchFamily="34" charset="0"/>
+              </a:rPr>
+              <a:t>Thuật toán PMF được sử dụng rộng rãi trong các hệ thống gợi ý</a:t>
+            </a:r>
+          </a:p>
+          <a:p>
+            <a:pPr marL="800100" lvl="1" indent="-342900" algn="just">
+              <a:buFont typeface="Wingdings" panose="05000000000000000000" pitchFamily="2" charset="2"/>
+              <a:buChar char="v"/>
+            </a:pPr>
+            <a:r>
+              <a:rPr lang="en-US" sz="2000">
+                <a:latin typeface="Calibri" panose="020F0502020204030204" pitchFamily="34" charset="0"/>
+                <a:ea typeface="Calibri" panose="020F0502020204030204" pitchFamily="34" charset="0"/>
+                <a:cs typeface="Calibri" panose="020F0502020204030204" pitchFamily="34" charset="0"/>
+              </a:rPr>
+              <a:t>Hoạt động bằng cách </a:t>
+            </a:r>
+            <a:r>
+              <a:rPr lang="vi-VN" sz="2000">
+                <a:latin typeface="Calibri" panose="020F0502020204030204" pitchFamily="34" charset="0"/>
+                <a:ea typeface="Calibri" panose="020F0502020204030204" pitchFamily="34" charset="0"/>
+                <a:cs typeface="Calibri" panose="020F0502020204030204" pitchFamily="34" charset="0"/>
+              </a:rPr>
+              <a:t>tìm cách phân rã ma trận người dùng-sản phẩm thành hai ma trận nhỏ hơn, mỗi ma trận biểu diễn cho người dùng và sản phẩm</a:t>
+            </a:r>
+            <a:endParaRPr lang="en-US" sz="2000">
+              <a:latin typeface="Calibri" panose="020F0502020204030204" pitchFamily="34" charset="0"/>
+              <a:ea typeface="Calibri" panose="020F0502020204030204" pitchFamily="34" charset="0"/>
+              <a:cs typeface="Calibri" panose="020F0502020204030204" pitchFamily="34" charset="0"/>
+            </a:endParaRPr>
+          </a:p>
+          <a:p>
+            <a:pPr marL="800100" lvl="1" indent="-342900" algn="just">
+              <a:buFont typeface="Wingdings" panose="05000000000000000000" pitchFamily="2" charset="2"/>
+              <a:buChar char="v"/>
+            </a:pPr>
+            <a:r>
+              <a:rPr lang="en-US" sz="2000">
+                <a:latin typeface="Calibri" panose="020F0502020204030204" pitchFamily="34" charset="0"/>
+                <a:ea typeface="Calibri" panose="020F0502020204030204" pitchFamily="34" charset="0"/>
+                <a:cs typeface="Calibri" panose="020F0502020204030204" pitchFamily="34" charset="0"/>
+              </a:rPr>
+              <a:t>PMF có hạn chế </a:t>
+            </a:r>
+            <a:r>
+              <a:rPr lang="vi-VN" sz="2000">
+                <a:latin typeface="Calibri" panose="020F0502020204030204" pitchFamily="34" charset="0"/>
+                <a:ea typeface="Calibri" panose="020F0502020204030204" pitchFamily="34" charset="0"/>
+                <a:cs typeface="Calibri" panose="020F0502020204030204" pitchFamily="34" charset="0"/>
+              </a:rPr>
+              <a:t>như việc không thể xử lý dữ liệu bị thiếu và không thể tự động điều chỉnh các tham số mô hình.</a:t>
+            </a:r>
             <a:endParaRPr lang="en-US" sz="2000">
               <a:latin typeface="Calibri" panose="020F0502020204030204" pitchFamily="34" charset="0"/>
               <a:ea typeface="Calibri" panose="020F0502020204030204" pitchFamily="34" charset="0"/>
@@ -6068,8 +6161,8 @@
         </p:nvSpPr>
         <p:spPr>
           <a:xfrm>
-            <a:off x="904455" y="1427098"/>
-            <a:ext cx="6393812" cy="808101"/>
+            <a:off x="912921" y="1782698"/>
+            <a:ext cx="8358078" cy="808101"/>
           </a:xfrm>
         </p:spPr>
         <p:txBody>
@@ -6106,8 +6199,8 @@
         </p:nvSpPr>
         <p:spPr>
           <a:xfrm>
-            <a:off x="904455" y="2531067"/>
-            <a:ext cx="6224478" cy="1795866"/>
+            <a:off x="912920" y="2895132"/>
+            <a:ext cx="8358079" cy="3302467"/>
           </a:xfrm>
         </p:spPr>
         <p:txBody>
@@ -6116,7 +6209,100 @@
           </a:bodyPr>
           <a:lstStyle/>
           <a:p>
-            <a:pPr lvl="1" algn="just"/>
+            <a:pPr marL="800100" lvl="1" indent="-342900" algn="just">
+              <a:buFont typeface="Wingdings" panose="05000000000000000000" pitchFamily="2" charset="2"/>
+              <a:buChar char="v"/>
+            </a:pPr>
+            <a:r>
+              <a:rPr lang="vi-VN" sz="2000">
+                <a:latin typeface="Calibri" panose="020F0502020204030204" pitchFamily="34" charset="0"/>
+                <a:ea typeface="Calibri" panose="020F0502020204030204" pitchFamily="34" charset="0"/>
+                <a:cs typeface="Calibri" panose="020F0502020204030204" pitchFamily="34" charset="0"/>
+              </a:rPr>
+              <a:t>Thuật toán BPMF là một phương pháp tiếp cận Bayesian đầy đủ của mô hình </a:t>
+            </a:r>
+            <a:r>
+              <a:rPr lang="en-US" sz="2000">
+                <a:latin typeface="Calibri" panose="020F0502020204030204" pitchFamily="34" charset="0"/>
+                <a:ea typeface="Calibri" panose="020F0502020204030204" pitchFamily="34" charset="0"/>
+                <a:cs typeface="Calibri" panose="020F0502020204030204" pitchFamily="34" charset="0"/>
+              </a:rPr>
+              <a:t>PMF.</a:t>
+            </a:r>
+          </a:p>
+          <a:p>
+            <a:pPr marL="800100" lvl="1" indent="-342900" algn="just">
+              <a:buFont typeface="Wingdings" panose="05000000000000000000" pitchFamily="2" charset="2"/>
+              <a:buChar char="v"/>
+            </a:pPr>
+            <a:r>
+              <a:rPr lang="vi-VN" sz="2000">
+                <a:latin typeface="Calibri" panose="020F0502020204030204" pitchFamily="34" charset="0"/>
+                <a:ea typeface="Calibri" panose="020F0502020204030204" pitchFamily="34" charset="0"/>
+                <a:cs typeface="Calibri" panose="020F0502020204030204" pitchFamily="34" charset="0"/>
+              </a:rPr>
+              <a:t>BPMF có thể được huấn luyện hiệu quả bằng cách sử dụng các phương pháp Markov chain Monte Carlo</a:t>
+            </a:r>
+            <a:r>
+              <a:rPr lang="en-US" sz="2000">
+                <a:latin typeface="Calibri" panose="020F0502020204030204" pitchFamily="34" charset="0"/>
+                <a:ea typeface="Calibri" panose="020F0502020204030204" pitchFamily="34" charset="0"/>
+                <a:cs typeface="Calibri" panose="020F0502020204030204" pitchFamily="34" charset="0"/>
+              </a:rPr>
+              <a:t>.</a:t>
+            </a:r>
+          </a:p>
+          <a:p>
+            <a:pPr marL="800100" lvl="1" indent="-342900" algn="just">
+              <a:buFont typeface="Wingdings" panose="05000000000000000000" pitchFamily="2" charset="2"/>
+              <a:buChar char="v"/>
+            </a:pPr>
+            <a:r>
+              <a:rPr lang="vi-VN" sz="2000">
+                <a:latin typeface="Calibri" panose="020F0502020204030204" pitchFamily="34" charset="0"/>
+                <a:ea typeface="Calibri" panose="020F0502020204030204" pitchFamily="34" charset="0"/>
+                <a:cs typeface="Calibri" panose="020F0502020204030204" pitchFamily="34" charset="0"/>
+              </a:rPr>
+              <a:t>Kết quả thu được từ các mô hình BPMF đạt độ chính xác dự đoán cao hơn đáng kể so với các mô hình PMF được huấn luyện bằng cách sử dụng ước lượng MAP</a:t>
+            </a:r>
+            <a:endParaRPr lang="en-US" sz="2000">
+              <a:latin typeface="Calibri" panose="020F0502020204030204" pitchFamily="34" charset="0"/>
+              <a:ea typeface="Calibri" panose="020F0502020204030204" pitchFamily="34" charset="0"/>
+              <a:cs typeface="Calibri" panose="020F0502020204030204" pitchFamily="34" charset="0"/>
+            </a:endParaRPr>
+          </a:p>
+          <a:p>
+            <a:pPr marL="800100" lvl="1" indent="-342900" algn="just">
+              <a:buFont typeface="Wingdings" panose="05000000000000000000" pitchFamily="2" charset="2"/>
+              <a:buChar char="v"/>
+            </a:pPr>
+            <a:r>
+              <a:rPr lang="en-US" sz="2000">
+                <a:latin typeface="Calibri" panose="020F0502020204030204" pitchFamily="34" charset="0"/>
+                <a:ea typeface="Calibri" panose="020F0502020204030204" pitchFamily="34" charset="0"/>
+                <a:cs typeface="Calibri" panose="020F0502020204030204" pitchFamily="34" charset="0"/>
+              </a:rPr>
+              <a:t>Ư</a:t>
+            </a:r>
+            <a:r>
+              <a:rPr lang="vi-VN" sz="2000">
+                <a:latin typeface="Calibri" panose="020F0502020204030204" pitchFamily="34" charset="0"/>
+                <a:ea typeface="Calibri" panose="020F0502020204030204" pitchFamily="34" charset="0"/>
+                <a:cs typeface="Calibri" panose="020F0502020204030204" pitchFamily="34" charset="0"/>
+              </a:rPr>
+              <a:t>u điểm quan trọng của BPMF là tránh được việc điều chỉnh tham số và cung cấp phân phối dự đoán</a:t>
+            </a:r>
+            <a:endParaRPr lang="en-US" sz="2000">
+              <a:latin typeface="Calibri" panose="020F0502020204030204" pitchFamily="34" charset="0"/>
+              <a:ea typeface="Calibri" panose="020F0502020204030204" pitchFamily="34" charset="0"/>
+              <a:cs typeface="Calibri" panose="020F0502020204030204" pitchFamily="34" charset="0"/>
+            </a:endParaRPr>
+          </a:p>
+          <a:p>
+            <a:pPr marL="800100" lvl="1" indent="-342900" algn="just">
+              <a:buFont typeface="Wingdings" panose="05000000000000000000" pitchFamily="2" charset="2"/>
+              <a:buChar char="v"/>
+            </a:pPr>
             <a:endParaRPr lang="en-US" sz="2000">
               <a:latin typeface="Calibri" panose="020F0502020204030204" pitchFamily="34" charset="0"/>
               <a:ea typeface="Calibri" panose="020F0502020204030204" pitchFamily="34" charset="0"/>
@@ -6211,8 +6397,8 @@
         </p:nvSpPr>
         <p:spPr>
           <a:xfrm>
-            <a:off x="904455" y="2531067"/>
-            <a:ext cx="6224478" cy="1795866"/>
+            <a:off x="904454" y="2531066"/>
+            <a:ext cx="9026946" cy="3353267"/>
           </a:xfrm>
         </p:spPr>
         <p:txBody>
@@ -6221,7 +6407,102 @@
           </a:bodyPr>
           <a:lstStyle/>
           <a:p>
-            <a:pPr lvl="1" algn="just"/>
+            <a:pPr marL="800100" lvl="1" indent="-342900" algn="just">
+              <a:buFont typeface="Wingdings" panose="05000000000000000000" pitchFamily="2" charset="2"/>
+              <a:buChar char="v"/>
+            </a:pPr>
+            <a:r>
+              <a:rPr lang="vi-VN" sz="2000">
+                <a:latin typeface="Calibri" panose="020F0502020204030204" pitchFamily="34" charset="0"/>
+                <a:ea typeface="Calibri" panose="020F0502020204030204" pitchFamily="34" charset="0"/>
+                <a:cs typeface="Calibri" panose="020F0502020204030204" pitchFamily="34" charset="0"/>
+              </a:rPr>
+              <a:t>Thuật toán ALS là một phương pháp được sử dụng trong hệ thống gợi ý dựa trên kỹ thuật phân rã ma trận</a:t>
+            </a:r>
+            <a:endParaRPr lang="en-US" sz="2000">
+              <a:latin typeface="Calibri" panose="020F0502020204030204" pitchFamily="34" charset="0"/>
+              <a:ea typeface="Calibri" panose="020F0502020204030204" pitchFamily="34" charset="0"/>
+              <a:cs typeface="Calibri" panose="020F0502020204030204" pitchFamily="34" charset="0"/>
+            </a:endParaRPr>
+          </a:p>
+          <a:p>
+            <a:pPr marL="800100" lvl="1" indent="-342900" algn="just">
+              <a:buFont typeface="Wingdings" panose="05000000000000000000" pitchFamily="2" charset="2"/>
+              <a:buChar char="v"/>
+            </a:pPr>
+            <a:r>
+              <a:rPr lang="en-US" sz="2000">
+                <a:latin typeface="Calibri" panose="020F0502020204030204" pitchFamily="34" charset="0"/>
+                <a:ea typeface="Calibri" panose="020F0502020204030204" pitchFamily="34" charset="0"/>
+                <a:cs typeface="Calibri" panose="020F0502020204030204" pitchFamily="34" charset="0"/>
+              </a:rPr>
+              <a:t>Thuật toán ALS là một phương pháp phổ biến trong lọc cộng tác</a:t>
+            </a:r>
+          </a:p>
+          <a:p>
+            <a:pPr marL="800100" lvl="1" indent="-342900" algn="just">
+              <a:buFont typeface="Wingdings" panose="05000000000000000000" pitchFamily="2" charset="2"/>
+              <a:buChar char="v"/>
+            </a:pPr>
+            <a:r>
+              <a:rPr lang="en-US" sz="2000">
+                <a:latin typeface="Calibri" panose="020F0502020204030204" pitchFamily="34" charset="0"/>
+                <a:ea typeface="Calibri" panose="020F0502020204030204" pitchFamily="34" charset="0"/>
+                <a:cs typeface="Calibri" panose="020F0502020204030204" pitchFamily="34" charset="0"/>
+              </a:rPr>
+              <a:t>Thuật toán ALS được sử dụng để giải quyết </a:t>
+            </a:r>
+            <a:r>
+              <a:rPr lang="vi-VN" sz="2000">
+                <a:latin typeface="Calibri" panose="020F0502020204030204" pitchFamily="34" charset="0"/>
+                <a:ea typeface="Calibri" panose="020F0502020204030204" pitchFamily="34" charset="0"/>
+                <a:cs typeface="Calibri" panose="020F0502020204030204" pitchFamily="34" charset="0"/>
+              </a:rPr>
+              <a:t>vấn đề quá khớp (overfitting) trong dữ liệu thưa thớt và tăng độ chính xác của dự đoán trong hệ thống gợi ý</a:t>
+            </a:r>
+            <a:endParaRPr lang="en-US" sz="2000">
+              <a:latin typeface="Calibri" panose="020F0502020204030204" pitchFamily="34" charset="0"/>
+              <a:ea typeface="Calibri" panose="020F0502020204030204" pitchFamily="34" charset="0"/>
+              <a:cs typeface="Calibri" panose="020F0502020204030204" pitchFamily="34" charset="0"/>
+            </a:endParaRPr>
+          </a:p>
+          <a:p>
+            <a:pPr marL="800100" lvl="1" indent="-342900" algn="just">
+              <a:buFont typeface="Wingdings" panose="05000000000000000000" pitchFamily="2" charset="2"/>
+              <a:buChar char="v"/>
+            </a:pPr>
+            <a:r>
+              <a:rPr lang="en-US" sz="2000">
+                <a:latin typeface="Calibri" panose="020F0502020204030204" pitchFamily="34" charset="0"/>
+                <a:ea typeface="Calibri" panose="020F0502020204030204" pitchFamily="34" charset="0"/>
+                <a:cs typeface="Calibri" panose="020F0502020204030204" pitchFamily="34" charset="0"/>
+              </a:rPr>
+              <a:t>Ư</a:t>
+            </a:r>
+            <a:r>
+              <a:rPr lang="vi-VN" sz="2000">
+                <a:latin typeface="Calibri" panose="020F0502020204030204" pitchFamily="34" charset="0"/>
+                <a:ea typeface="Calibri" panose="020F0502020204030204" pitchFamily="34" charset="0"/>
+                <a:cs typeface="Calibri" panose="020F0502020204030204" pitchFamily="34" charset="0"/>
+              </a:rPr>
+              <a:t>u điểm của </a:t>
+            </a:r>
+            <a:r>
+              <a:rPr lang="en-US" sz="2000">
+                <a:latin typeface="Calibri" panose="020F0502020204030204" pitchFamily="34" charset="0"/>
+                <a:ea typeface="Calibri" panose="020F0502020204030204" pitchFamily="34" charset="0"/>
+                <a:cs typeface="Calibri" panose="020F0502020204030204" pitchFamily="34" charset="0"/>
+              </a:rPr>
+              <a:t>thuật toán </a:t>
+            </a:r>
+            <a:r>
+              <a:rPr lang="vi-VN" sz="2000">
+                <a:latin typeface="Calibri" panose="020F0502020204030204" pitchFamily="34" charset="0"/>
+                <a:ea typeface="Calibri" panose="020F0502020204030204" pitchFamily="34" charset="0"/>
+                <a:cs typeface="Calibri" panose="020F0502020204030204" pitchFamily="34" charset="0"/>
+              </a:rPr>
+              <a:t>ALS là nó có thể xử lý dữ liệu bị thiếu và có thể mở rộng để xử lý dữ liệu lớn.</a:t>
+            </a:r>
             <a:endParaRPr lang="en-US" sz="2000">
               <a:latin typeface="Calibri" panose="020F0502020204030204" pitchFamily="34" charset="0"/>
               <a:ea typeface="Calibri" panose="020F0502020204030204" pitchFamily="34" charset="0"/>
@@ -6278,8 +6559,8 @@
         </p:nvSpPr>
         <p:spPr>
           <a:xfrm>
-            <a:off x="904455" y="1427098"/>
-            <a:ext cx="8346296" cy="808101"/>
+            <a:off x="904455" y="834432"/>
+            <a:ext cx="9365612" cy="1795866"/>
           </a:xfrm>
         </p:spPr>
         <p:txBody>
@@ -6288,27 +6569,12 @@
           <a:p>
             <a:pPr algn="l"/>
             <a:r>
-              <a:rPr lang="en-US" sz="4000">
-                <a:latin typeface="Calibri" panose="020F0502020204030204" pitchFamily="34" charset="0"/>
-                <a:ea typeface="Calibri" panose="020F0502020204030204" pitchFamily="34" charset="0"/>
-                <a:cs typeface="Calibri" panose="020F0502020204030204" pitchFamily="34" charset="0"/>
-              </a:rPr>
-              <a:t>Kết luận đối với 3 phương pháp giải</a:t>
-            </a:r>
-            <a:br>
-              <a:rPr lang="en-US" sz="4000">
-                <a:latin typeface="Calibri" panose="020F0502020204030204" pitchFamily="34" charset="0"/>
-                <a:ea typeface="Calibri" panose="020F0502020204030204" pitchFamily="34" charset="0"/>
-                <a:cs typeface="Calibri" panose="020F0502020204030204" pitchFamily="34" charset="0"/>
-              </a:rPr>
-            </a:br>
-            <a:r>
-              <a:rPr lang="en-US" sz="4000">
-                <a:latin typeface="Calibri" panose="020F0502020204030204" pitchFamily="34" charset="0"/>
-                <a:ea typeface="Calibri" panose="020F0502020204030204" pitchFamily="34" charset="0"/>
-                <a:cs typeface="Calibri" panose="020F0502020204030204" pitchFamily="34" charset="0"/>
-              </a:rPr>
-              <a:t>quyết bài toán khuyến nghị phim</a:t>
+              <a:rPr lang="en-US">
+                <a:latin typeface="Calibri" panose="020F0502020204030204" pitchFamily="34" charset="0"/>
+                <a:ea typeface="Calibri" panose="020F0502020204030204" pitchFamily="34" charset="0"/>
+                <a:cs typeface="Calibri" panose="020F0502020204030204" pitchFamily="34" charset="0"/>
+              </a:rPr>
+              <a:t>Khảo sát hệ thống khuyến nghị trên một số trang web xem phim</a:t>
             </a:r>
           </a:p>
         </p:txBody>
@@ -6331,8 +6597,8 @@
         </p:nvSpPr>
         <p:spPr>
           <a:xfrm>
-            <a:off x="904455" y="2531067"/>
-            <a:ext cx="6224478" cy="1795866"/>
+            <a:off x="904455" y="2936534"/>
+            <a:ext cx="7763933" cy="1795866"/>
           </a:xfrm>
         </p:spPr>
         <p:txBody>
@@ -6353,13 +6619,16 @@
     </p:spTree>
     <p:extLst>
       <p:ext uri="{BB962C8B-B14F-4D97-AF65-F5344CB8AC3E}">
-        <p14:creationId xmlns:p14="http://schemas.microsoft.com/office/powerpoint/2010/main" val="213511597"/>
+        <p14:creationId xmlns:p14="http://schemas.microsoft.com/office/powerpoint/2010/main" val="2796347916"/>
       </p:ext>
     </p:extLst>
   </p:cSld>
   <p:clrMapOvr>
     <a:masterClrMapping/>
   </p:clrMapOvr>
+  <p:transition spd="slow">
+    <p:push/>
+  </p:transition>
 </p:sld>
 </file>
 

--- a/FinalFile/DACN_ThuyetTrinh.pptx
+++ b/FinalFile/DACN_ThuyetTrinh.pptx
@@ -4,20 +4,29 @@
   <p:sldMasterIdLst>
     <p:sldMasterId id="2147483690" r:id="rId1"/>
   </p:sldMasterIdLst>
+  <p:notesMasterIdLst>
+    <p:notesMasterId r:id="rId21"/>
+  </p:notesMasterIdLst>
   <p:sldIdLst>
     <p:sldId id="256" r:id="rId2"/>
-    <p:sldId id="257" r:id="rId3"/>
-    <p:sldId id="258" r:id="rId4"/>
-    <p:sldId id="259" r:id="rId5"/>
-    <p:sldId id="260" r:id="rId6"/>
-    <p:sldId id="261" r:id="rId7"/>
-    <p:sldId id="262" r:id="rId8"/>
-    <p:sldId id="263" r:id="rId9"/>
-    <p:sldId id="264" r:id="rId10"/>
-    <p:sldId id="265" r:id="rId11"/>
-    <p:sldId id="266" r:id="rId12"/>
-    <p:sldId id="267" r:id="rId13"/>
-    <p:sldId id="268" r:id="rId14"/>
+    <p:sldId id="269" r:id="rId3"/>
+    <p:sldId id="271" r:id="rId4"/>
+    <p:sldId id="257" r:id="rId5"/>
+    <p:sldId id="258" r:id="rId6"/>
+    <p:sldId id="259" r:id="rId7"/>
+    <p:sldId id="260" r:id="rId8"/>
+    <p:sldId id="261" r:id="rId9"/>
+    <p:sldId id="262" r:id="rId10"/>
+    <p:sldId id="263" r:id="rId11"/>
+    <p:sldId id="272" r:id="rId12"/>
+    <p:sldId id="265" r:id="rId13"/>
+    <p:sldId id="266" r:id="rId14"/>
+    <p:sldId id="267" r:id="rId15"/>
+    <p:sldId id="273" r:id="rId16"/>
+    <p:sldId id="268" r:id="rId17"/>
+    <p:sldId id="274" r:id="rId18"/>
+    <p:sldId id="275" r:id="rId19"/>
+    <p:sldId id="276" r:id="rId20"/>
   </p:sldIdLst>
   <p:sldSz cx="12192000" cy="6858000"/>
   <p:notesSz cx="6858000" cy="9144000"/>
@@ -122,6 +131,355 @@
     </p:ext>
   </p:extLst>
 </p:presentation>
+</file>
+
+<file path=ppt/notesMasters/notesMaster1.xml><?xml version="1.0" encoding="utf-8"?>
+<p:notesMaster xmlns:a="http://schemas.openxmlformats.org/drawingml/2006/main" xmlns:r="http://schemas.openxmlformats.org/officeDocument/2006/relationships" xmlns:p="http://schemas.openxmlformats.org/presentationml/2006/main">
+  <p:cSld>
+    <p:bg>
+      <p:bgRef idx="1001">
+        <a:schemeClr val="bg1"/>
+      </p:bgRef>
+    </p:bg>
+    <p:spTree>
+      <p:nvGrpSpPr>
+        <p:cNvPr id="1" name=""/>
+        <p:cNvGrpSpPr/>
+        <p:nvPr/>
+      </p:nvGrpSpPr>
+      <p:grpSpPr>
+        <a:xfrm>
+          <a:off x="0" y="0"/>
+          <a:ext cx="0" cy="0"/>
+          <a:chOff x="0" y="0"/>
+          <a:chExt cx="0" cy="0"/>
+        </a:xfrm>
+      </p:grpSpPr>
+      <p:sp>
+        <p:nvSpPr>
+          <p:cNvPr id="2" name="Header Placeholder 1"/>
+          <p:cNvSpPr>
+            <a:spLocks noGrp="1"/>
+          </p:cNvSpPr>
+          <p:nvPr>
+            <p:ph type="hdr" sz="quarter"/>
+          </p:nvPr>
+        </p:nvSpPr>
+        <p:spPr>
+          <a:xfrm>
+            <a:off x="0" y="0"/>
+            <a:ext cx="2971800" cy="458788"/>
+          </a:xfrm>
+          <a:prstGeom prst="rect">
+            <a:avLst/>
+          </a:prstGeom>
+        </p:spPr>
+        <p:txBody>
+          <a:bodyPr vert="horz" lIns="91440" tIns="45720" rIns="91440" bIns="45720" rtlCol="0"/>
+          <a:lstStyle>
+            <a:lvl1pPr algn="l">
+              <a:defRPr sz="1200"/>
+            </a:lvl1pPr>
+          </a:lstStyle>
+          <a:p>
+            <a:endParaRPr lang="en-US"/>
+          </a:p>
+        </p:txBody>
+      </p:sp>
+      <p:sp>
+        <p:nvSpPr>
+          <p:cNvPr id="3" name="Date Placeholder 2"/>
+          <p:cNvSpPr>
+            <a:spLocks noGrp="1"/>
+          </p:cNvSpPr>
+          <p:nvPr>
+            <p:ph type="dt" idx="1"/>
+          </p:nvPr>
+        </p:nvSpPr>
+        <p:spPr>
+          <a:xfrm>
+            <a:off x="3884613" y="0"/>
+            <a:ext cx="2971800" cy="458788"/>
+          </a:xfrm>
+          <a:prstGeom prst="rect">
+            <a:avLst/>
+          </a:prstGeom>
+        </p:spPr>
+        <p:txBody>
+          <a:bodyPr vert="horz" lIns="91440" tIns="45720" rIns="91440" bIns="45720" rtlCol="0"/>
+          <a:lstStyle>
+            <a:lvl1pPr algn="r">
+              <a:defRPr sz="1200"/>
+            </a:lvl1pPr>
+          </a:lstStyle>
+          <a:p>
+            <a:fld id="{FD67E8BE-BB13-4823-ACDA-2DADDF5CD422}" type="datetimeFigureOut">
+              <a:rPr lang="en-US" smtClean="0"/>
+              <a:t>12/9/2023</a:t>
+            </a:fld>
+            <a:endParaRPr lang="en-US"/>
+          </a:p>
+        </p:txBody>
+      </p:sp>
+      <p:sp>
+        <p:nvSpPr>
+          <p:cNvPr id="4" name="Slide Image Placeholder 3"/>
+          <p:cNvSpPr>
+            <a:spLocks noGrp="1" noRot="1" noChangeAspect="1"/>
+          </p:cNvSpPr>
+          <p:nvPr>
+            <p:ph type="sldImg" idx="2"/>
+          </p:nvPr>
+        </p:nvSpPr>
+        <p:spPr>
+          <a:xfrm>
+            <a:off x="685800" y="1143000"/>
+            <a:ext cx="5486400" cy="3086100"/>
+          </a:xfrm>
+          <a:prstGeom prst="rect">
+            <a:avLst/>
+          </a:prstGeom>
+          <a:noFill/>
+          <a:ln w="12700">
+            <a:solidFill>
+              <a:prstClr val="black"/>
+            </a:solidFill>
+          </a:ln>
+        </p:spPr>
+        <p:txBody>
+          <a:bodyPr vert="horz" lIns="91440" tIns="45720" rIns="91440" bIns="45720" rtlCol="0" anchor="ctr"/>
+          <a:lstStyle/>
+          <a:p>
+            <a:endParaRPr lang="en-US"/>
+          </a:p>
+        </p:txBody>
+      </p:sp>
+      <p:sp>
+        <p:nvSpPr>
+          <p:cNvPr id="5" name="Notes Placeholder 4"/>
+          <p:cNvSpPr>
+            <a:spLocks noGrp="1"/>
+          </p:cNvSpPr>
+          <p:nvPr>
+            <p:ph type="body" sz="quarter" idx="3"/>
+          </p:nvPr>
+        </p:nvSpPr>
+        <p:spPr>
+          <a:xfrm>
+            <a:off x="685800" y="4400550"/>
+            <a:ext cx="5486400" cy="3600450"/>
+          </a:xfrm>
+          <a:prstGeom prst="rect">
+            <a:avLst/>
+          </a:prstGeom>
+        </p:spPr>
+        <p:txBody>
+          <a:bodyPr vert="horz" lIns="91440" tIns="45720" rIns="91440" bIns="45720" rtlCol="0"/>
+          <a:lstStyle/>
+          <a:p>
+            <a:pPr lvl="0"/>
+            <a:r>
+              <a:rPr lang="en-US"/>
+              <a:t>Click to edit Master text styles</a:t>
+            </a:r>
+          </a:p>
+          <a:p>
+            <a:pPr lvl="1"/>
+            <a:r>
+              <a:rPr lang="en-US"/>
+              <a:t>Second level</a:t>
+            </a:r>
+          </a:p>
+          <a:p>
+            <a:pPr lvl="2"/>
+            <a:r>
+              <a:rPr lang="en-US"/>
+              <a:t>Third level</a:t>
+            </a:r>
+          </a:p>
+          <a:p>
+            <a:pPr lvl="3"/>
+            <a:r>
+              <a:rPr lang="en-US"/>
+              <a:t>Fourth level</a:t>
+            </a:r>
+          </a:p>
+          <a:p>
+            <a:pPr lvl="4"/>
+            <a:r>
+              <a:rPr lang="en-US"/>
+              <a:t>Fifth level</a:t>
+            </a:r>
+          </a:p>
+        </p:txBody>
+      </p:sp>
+      <p:sp>
+        <p:nvSpPr>
+          <p:cNvPr id="6" name="Footer Placeholder 5"/>
+          <p:cNvSpPr>
+            <a:spLocks noGrp="1"/>
+          </p:cNvSpPr>
+          <p:nvPr>
+            <p:ph type="ftr" sz="quarter" idx="4"/>
+          </p:nvPr>
+        </p:nvSpPr>
+        <p:spPr>
+          <a:xfrm>
+            <a:off x="0" y="8685213"/>
+            <a:ext cx="2971800" cy="458787"/>
+          </a:xfrm>
+          <a:prstGeom prst="rect">
+            <a:avLst/>
+          </a:prstGeom>
+        </p:spPr>
+        <p:txBody>
+          <a:bodyPr vert="horz" lIns="91440" tIns="45720" rIns="91440" bIns="45720" rtlCol="0" anchor="b"/>
+          <a:lstStyle>
+            <a:lvl1pPr algn="l">
+              <a:defRPr sz="1200"/>
+            </a:lvl1pPr>
+          </a:lstStyle>
+          <a:p>
+            <a:endParaRPr lang="en-US"/>
+          </a:p>
+        </p:txBody>
+      </p:sp>
+      <p:sp>
+        <p:nvSpPr>
+          <p:cNvPr id="7" name="Slide Number Placeholder 6"/>
+          <p:cNvSpPr>
+            <a:spLocks noGrp="1"/>
+          </p:cNvSpPr>
+          <p:nvPr>
+            <p:ph type="sldNum" sz="quarter" idx="5"/>
+          </p:nvPr>
+        </p:nvSpPr>
+        <p:spPr>
+          <a:xfrm>
+            <a:off x="3884613" y="8685213"/>
+            <a:ext cx="2971800" cy="458787"/>
+          </a:xfrm>
+          <a:prstGeom prst="rect">
+            <a:avLst/>
+          </a:prstGeom>
+        </p:spPr>
+        <p:txBody>
+          <a:bodyPr vert="horz" lIns="91440" tIns="45720" rIns="91440" bIns="45720" rtlCol="0" anchor="b"/>
+          <a:lstStyle>
+            <a:lvl1pPr algn="r">
+              <a:defRPr sz="1200"/>
+            </a:lvl1pPr>
+          </a:lstStyle>
+          <a:p>
+            <a:fld id="{0E02D163-7BA4-4EDF-A8DF-20279F74A059}" type="slidenum">
+              <a:rPr lang="en-US" smtClean="0"/>
+              <a:t>‹#›</a:t>
+            </a:fld>
+            <a:endParaRPr lang="en-US"/>
+          </a:p>
+        </p:txBody>
+      </p:sp>
+    </p:spTree>
+    <p:extLst>
+      <p:ext uri="{BB962C8B-B14F-4D97-AF65-F5344CB8AC3E}">
+        <p14:creationId xmlns:p14="http://schemas.microsoft.com/office/powerpoint/2010/main" val="3113961811"/>
+      </p:ext>
+    </p:extLst>
+  </p:cSld>
+  <p:clrMap bg1="lt1" tx1="dk1" bg2="lt2" tx2="dk2" accent1="accent1" accent2="accent2" accent3="accent3" accent4="accent4" accent5="accent5" accent6="accent6" hlink="hlink" folHlink="folHlink"/>
+  <p:notesStyle>
+    <a:lvl1pPr marL="0" algn="l" defTabSz="914400" rtl="0" eaLnBrk="1" latinLnBrk="0" hangingPunct="1">
+      <a:defRPr sz="1200" kern="1200">
+        <a:solidFill>
+          <a:schemeClr val="tx1"/>
+        </a:solidFill>
+        <a:latin typeface="+mn-lt"/>
+        <a:ea typeface="+mn-ea"/>
+        <a:cs typeface="+mn-cs"/>
+      </a:defRPr>
+    </a:lvl1pPr>
+    <a:lvl2pPr marL="457200" algn="l" defTabSz="914400" rtl="0" eaLnBrk="1" latinLnBrk="0" hangingPunct="1">
+      <a:defRPr sz="1200" kern="1200">
+        <a:solidFill>
+          <a:schemeClr val="tx1"/>
+        </a:solidFill>
+        <a:latin typeface="+mn-lt"/>
+        <a:ea typeface="+mn-ea"/>
+        <a:cs typeface="+mn-cs"/>
+      </a:defRPr>
+    </a:lvl2pPr>
+    <a:lvl3pPr marL="914400" algn="l" defTabSz="914400" rtl="0" eaLnBrk="1" latinLnBrk="0" hangingPunct="1">
+      <a:defRPr sz="1200" kern="1200">
+        <a:solidFill>
+          <a:schemeClr val="tx1"/>
+        </a:solidFill>
+        <a:latin typeface="+mn-lt"/>
+        <a:ea typeface="+mn-ea"/>
+        <a:cs typeface="+mn-cs"/>
+      </a:defRPr>
+    </a:lvl3pPr>
+    <a:lvl4pPr marL="1371600" algn="l" defTabSz="914400" rtl="0" eaLnBrk="1" latinLnBrk="0" hangingPunct="1">
+      <a:defRPr sz="1200" kern="1200">
+        <a:solidFill>
+          <a:schemeClr val="tx1"/>
+        </a:solidFill>
+        <a:latin typeface="+mn-lt"/>
+        <a:ea typeface="+mn-ea"/>
+        <a:cs typeface="+mn-cs"/>
+      </a:defRPr>
+    </a:lvl4pPr>
+    <a:lvl5pPr marL="1828800" algn="l" defTabSz="914400" rtl="0" eaLnBrk="1" latinLnBrk="0" hangingPunct="1">
+      <a:defRPr sz="1200" kern="1200">
+        <a:solidFill>
+          <a:schemeClr val="tx1"/>
+        </a:solidFill>
+        <a:latin typeface="+mn-lt"/>
+        <a:ea typeface="+mn-ea"/>
+        <a:cs typeface="+mn-cs"/>
+      </a:defRPr>
+    </a:lvl5pPr>
+    <a:lvl6pPr marL="2286000" algn="l" defTabSz="914400" rtl="0" eaLnBrk="1" latinLnBrk="0" hangingPunct="1">
+      <a:defRPr sz="1200" kern="1200">
+        <a:solidFill>
+          <a:schemeClr val="tx1"/>
+        </a:solidFill>
+        <a:latin typeface="+mn-lt"/>
+        <a:ea typeface="+mn-ea"/>
+        <a:cs typeface="+mn-cs"/>
+      </a:defRPr>
+    </a:lvl6pPr>
+    <a:lvl7pPr marL="2743200" algn="l" defTabSz="914400" rtl="0" eaLnBrk="1" latinLnBrk="0" hangingPunct="1">
+      <a:defRPr sz="1200" kern="1200">
+        <a:solidFill>
+          <a:schemeClr val="tx1"/>
+        </a:solidFill>
+        <a:latin typeface="+mn-lt"/>
+        <a:ea typeface="+mn-ea"/>
+        <a:cs typeface="+mn-cs"/>
+      </a:defRPr>
+    </a:lvl7pPr>
+    <a:lvl8pPr marL="3200400" algn="l" defTabSz="914400" rtl="0" eaLnBrk="1" latinLnBrk="0" hangingPunct="1">
+      <a:defRPr sz="1200" kern="1200">
+        <a:solidFill>
+          <a:schemeClr val="tx1"/>
+        </a:solidFill>
+        <a:latin typeface="+mn-lt"/>
+        <a:ea typeface="+mn-ea"/>
+        <a:cs typeface="+mn-cs"/>
+      </a:defRPr>
+    </a:lvl8pPr>
+    <a:lvl9pPr marL="3657600" algn="l" defTabSz="914400" rtl="0" eaLnBrk="1" latinLnBrk="0" hangingPunct="1">
+      <a:defRPr sz="1200" kern="1200">
+        <a:solidFill>
+          <a:schemeClr val="tx1"/>
+        </a:solidFill>
+        <a:latin typeface="+mn-lt"/>
+        <a:ea typeface="+mn-ea"/>
+        <a:cs typeface="+mn-cs"/>
+      </a:defRPr>
+    </a:lvl9pPr>
+  </p:notesStyle>
+</p:notesMaster>
 </file>
 
 <file path=ppt/slideLayouts/slideLayout1.xml><?xml version="1.0" encoding="utf-8"?>
@@ -846,7 +1204,7 @@
           <a:p>
             <a:fld id="{1C4F4030-23E1-4E41-82B8-DE4CF45EDD50}" type="datetimeFigureOut">
               <a:rPr lang="en-US" smtClean="0"/>
-              <a:t>12/6/2023</a:t>
+              <a:t>12/9/2023</a:t>
             </a:fld>
             <a:endParaRPr lang="en-US"/>
           </a:p>
@@ -1097,7 +1455,7 @@
           <a:p>
             <a:fld id="{1C4F4030-23E1-4E41-82B8-DE4CF45EDD50}" type="datetimeFigureOut">
               <a:rPr lang="en-US" smtClean="0"/>
-              <a:t>12/6/2023</a:t>
+              <a:t>12/9/2023</a:t>
             </a:fld>
             <a:endParaRPr lang="en-US"/>
           </a:p>
@@ -1411,7 +1769,7 @@
           <a:p>
             <a:fld id="{1C4F4030-23E1-4E41-82B8-DE4CF45EDD50}" type="datetimeFigureOut">
               <a:rPr lang="en-US" smtClean="0"/>
-              <a:t>12/6/2023</a:t>
+              <a:t>12/9/2023</a:t>
             </a:fld>
             <a:endParaRPr lang="en-US"/>
           </a:p>
@@ -1752,7 +2110,7 @@
           <a:p>
             <a:fld id="{1C4F4030-23E1-4E41-82B8-DE4CF45EDD50}" type="datetimeFigureOut">
               <a:rPr lang="en-US" smtClean="0"/>
-              <a:t>12/6/2023</a:t>
+              <a:t>12/9/2023</a:t>
             </a:fld>
             <a:endParaRPr lang="en-US"/>
           </a:p>
@@ -2066,7 +2424,7 @@
           <a:p>
             <a:fld id="{1C4F4030-23E1-4E41-82B8-DE4CF45EDD50}" type="datetimeFigureOut">
               <a:rPr lang="en-US" smtClean="0"/>
-              <a:t>12/6/2023</a:t>
+              <a:t>12/9/2023</a:t>
             </a:fld>
             <a:endParaRPr lang="en-US"/>
           </a:p>
@@ -2459,7 +2817,7 @@
           <a:p>
             <a:fld id="{1C4F4030-23E1-4E41-82B8-DE4CF45EDD50}" type="datetimeFigureOut">
               <a:rPr lang="en-US" smtClean="0"/>
-              <a:t>12/6/2023</a:t>
+              <a:t>12/9/2023</a:t>
             </a:fld>
             <a:endParaRPr lang="en-US"/>
           </a:p>
@@ -2629,7 +2987,7 @@
           <a:p>
             <a:fld id="{1C4F4030-23E1-4E41-82B8-DE4CF45EDD50}" type="datetimeFigureOut">
               <a:rPr lang="en-US" smtClean="0"/>
-              <a:t>12/6/2023</a:t>
+              <a:t>12/9/2023</a:t>
             </a:fld>
             <a:endParaRPr lang="en-US"/>
           </a:p>
@@ -2809,7 +3167,7 @@
           <a:p>
             <a:fld id="{1C4F4030-23E1-4E41-82B8-DE4CF45EDD50}" type="datetimeFigureOut">
               <a:rPr lang="en-US" smtClean="0"/>
-              <a:t>12/6/2023</a:t>
+              <a:t>12/9/2023</a:t>
             </a:fld>
             <a:endParaRPr lang="en-US"/>
           </a:p>
@@ -2985,7 +3343,7 @@
           <a:p>
             <a:fld id="{1C4F4030-23E1-4E41-82B8-DE4CF45EDD50}" type="datetimeFigureOut">
               <a:rPr lang="en-US" smtClean="0"/>
-              <a:t>12/6/2023</a:t>
+              <a:t>12/9/2023</a:t>
             </a:fld>
             <a:endParaRPr lang="en-US"/>
           </a:p>
@@ -3232,7 +3590,7 @@
           <a:p>
             <a:fld id="{1C4F4030-23E1-4E41-82B8-DE4CF45EDD50}" type="datetimeFigureOut">
               <a:rPr lang="en-US" smtClean="0"/>
-              <a:t>12/6/2023</a:t>
+              <a:t>12/9/2023</a:t>
             </a:fld>
             <a:endParaRPr lang="en-US"/>
           </a:p>
@@ -3464,7 +3822,7 @@
           <a:p>
             <a:fld id="{1C4F4030-23E1-4E41-82B8-DE4CF45EDD50}" type="datetimeFigureOut">
               <a:rPr lang="en-US" smtClean="0"/>
-              <a:t>12/6/2023</a:t>
+              <a:t>12/9/2023</a:t>
             </a:fld>
             <a:endParaRPr lang="en-US"/>
           </a:p>
@@ -3838,7 +4196,7 @@
           <a:p>
             <a:fld id="{1C4F4030-23E1-4E41-82B8-DE4CF45EDD50}" type="datetimeFigureOut">
               <a:rPr lang="en-US" smtClean="0"/>
-              <a:t>12/6/2023</a:t>
+              <a:t>12/9/2023</a:t>
             </a:fld>
             <a:endParaRPr lang="en-US"/>
           </a:p>
@@ -3961,7 +4319,7 @@
           <a:p>
             <a:fld id="{1C4F4030-23E1-4E41-82B8-DE4CF45EDD50}" type="datetimeFigureOut">
               <a:rPr lang="en-US" smtClean="0"/>
-              <a:t>12/6/2023</a:t>
+              <a:t>12/9/2023</a:t>
             </a:fld>
             <a:endParaRPr lang="en-US"/>
           </a:p>
@@ -4056,7 +4414,7 @@
           <a:p>
             <a:fld id="{1C4F4030-23E1-4E41-82B8-DE4CF45EDD50}" type="datetimeFigureOut">
               <a:rPr lang="en-US" smtClean="0"/>
-              <a:t>12/6/2023</a:t>
+              <a:t>12/9/2023</a:t>
             </a:fld>
             <a:endParaRPr lang="en-US"/>
           </a:p>
@@ -4311,7 +4669,7 @@
           <a:p>
             <a:fld id="{1C4F4030-23E1-4E41-82B8-DE4CF45EDD50}" type="datetimeFigureOut">
               <a:rPr lang="en-US" smtClean="0"/>
-              <a:t>12/6/2023</a:t>
+              <a:t>12/9/2023</a:t>
             </a:fld>
             <a:endParaRPr lang="en-US"/>
           </a:p>
@@ -4574,7 +4932,7 @@
           <a:p>
             <a:fld id="{1C4F4030-23E1-4E41-82B8-DE4CF45EDD50}" type="datetimeFigureOut">
               <a:rPr lang="en-US" smtClean="0"/>
-              <a:t>12/6/2023</a:t>
+              <a:t>12/9/2023</a:t>
             </a:fld>
             <a:endParaRPr lang="en-US"/>
           </a:p>
@@ -5317,7 +5675,7 @@
           <a:p>
             <a:fld id="{1C4F4030-23E1-4E41-82B8-DE4CF45EDD50}" type="datetimeFigureOut">
               <a:rPr lang="en-US" smtClean="0"/>
-              <a:t>12/6/2023</a:t>
+              <a:t>12/9/2023</a:t>
             </a:fld>
             <a:endParaRPr lang="en-US"/>
           </a:p>
@@ -5963,8 +6321,8 @@
         </p:nvSpPr>
         <p:spPr>
           <a:xfrm>
-            <a:off x="904455" y="1427098"/>
-            <a:ext cx="8346296" cy="808101"/>
+            <a:off x="1119437" y="639699"/>
+            <a:ext cx="7011566" cy="1646302"/>
           </a:xfrm>
         </p:spPr>
         <p:txBody>
@@ -5973,12 +6331,27 @@
           <a:p>
             <a:pPr algn="l"/>
             <a:r>
-              <a:rPr lang="en-US" sz="4000">
-                <a:latin typeface="Calibri" panose="020F0502020204030204" pitchFamily="34" charset="0"/>
-                <a:ea typeface="Calibri" panose="020F0502020204030204" pitchFamily="34" charset="0"/>
-                <a:cs typeface="Calibri" panose="020F0502020204030204" pitchFamily="34" charset="0"/>
-              </a:rPr>
-              <a:t>PMF (Probabilistic Matrix Factorization)</a:t>
+              <a:rPr lang="en-US">
+                <a:latin typeface="Calibri" panose="020F0502020204030204" pitchFamily="34" charset="0"/>
+                <a:ea typeface="Calibri" panose="020F0502020204030204" pitchFamily="34" charset="0"/>
+                <a:cs typeface="Calibri" panose="020F0502020204030204" pitchFamily="34" charset="0"/>
+              </a:rPr>
+              <a:t>Các hướng tiếp cận của</a:t>
+            </a:r>
+            <a:br>
+              <a:rPr lang="en-US">
+                <a:latin typeface="Calibri" panose="020F0502020204030204" pitchFamily="34" charset="0"/>
+                <a:ea typeface="Calibri" panose="020F0502020204030204" pitchFamily="34" charset="0"/>
+                <a:cs typeface="Calibri" panose="020F0502020204030204" pitchFamily="34" charset="0"/>
+              </a:rPr>
+            </a:br>
+            <a:r>
+              <a:rPr lang="en-US">
+                <a:latin typeface="Calibri" panose="020F0502020204030204" pitchFamily="34" charset="0"/>
+                <a:ea typeface="Calibri" panose="020F0502020204030204" pitchFamily="34" charset="0"/>
+                <a:cs typeface="Calibri" panose="020F0502020204030204" pitchFamily="34" charset="0"/>
+              </a:rPr>
+              <a:t>bài toán khuyến nghị</a:t>
             </a:r>
           </a:p>
         </p:txBody>
@@ -6001,8 +6374,8 @@
         </p:nvSpPr>
         <p:spPr>
           <a:xfrm>
-            <a:off x="904455" y="2624201"/>
-            <a:ext cx="8171812" cy="3531066"/>
+            <a:off x="1119437" y="2569166"/>
+            <a:ext cx="7763933" cy="4410754"/>
           </a:xfrm>
         </p:spPr>
         <p:txBody>
@@ -6011,112 +6384,128 @@
           </a:bodyPr>
           <a:lstStyle/>
           <a:p>
+            <a:pPr algn="just"/>
+            <a:r>
+              <a:rPr lang="en-US" sz="2000">
+                <a:latin typeface="Calibri" panose="020F0502020204030204" pitchFamily="34" charset="0"/>
+                <a:ea typeface="Calibri" panose="020F0502020204030204" pitchFamily="34" charset="0"/>
+                <a:cs typeface="Calibri" panose="020F0502020204030204" pitchFamily="34" charset="0"/>
+              </a:rPr>
+              <a:t>	</a:t>
+            </a:r>
+            <a:r>
+              <a:rPr lang="en-US" sz="2000" b="1">
+                <a:latin typeface="Calibri" panose="020F0502020204030204" pitchFamily="34" charset="0"/>
+                <a:ea typeface="Calibri" panose="020F0502020204030204" pitchFamily="34" charset="0"/>
+                <a:cs typeface="Calibri" panose="020F0502020204030204" pitchFamily="34" charset="0"/>
+              </a:rPr>
+              <a:t>Phương pháp tiếp cận lai (Hybird Filtering) </a:t>
+            </a:r>
+            <a:r>
+              <a:rPr lang="en-US" sz="2000">
+                <a:latin typeface="Calibri" panose="020F0502020204030204" pitchFamily="34" charset="0"/>
+                <a:ea typeface="Calibri" panose="020F0502020204030204" pitchFamily="34" charset="0"/>
+                <a:cs typeface="Calibri" panose="020F0502020204030204" pitchFamily="34" charset="0"/>
+              </a:rPr>
+              <a:t>là</a:t>
+            </a:r>
+            <a:r>
+              <a:rPr lang="vi-VN" sz="2000">
+                <a:latin typeface="Calibri" panose="020F0502020204030204" pitchFamily="34" charset="0"/>
+                <a:ea typeface="Calibri" panose="020F0502020204030204" pitchFamily="34" charset="0"/>
+                <a:cs typeface="Calibri" panose="020F0502020204030204" pitchFamily="34" charset="0"/>
+              </a:rPr>
+              <a:t> phương pháp kết hợp các kỹ thuật khuyến nghị khác nhau</a:t>
+            </a:r>
+            <a:r>
+              <a:rPr lang="en-US" sz="2000">
+                <a:latin typeface="Calibri" panose="020F0502020204030204" pitchFamily="34" charset="0"/>
+                <a:ea typeface="Calibri" panose="020F0502020204030204" pitchFamily="34" charset="0"/>
+                <a:cs typeface="Calibri" panose="020F0502020204030204" pitchFamily="34" charset="0"/>
+              </a:rPr>
+              <a:t>. Ví dụ như lọc cộng tác kết hợp với lọc dựa trên nội dung và ngược lại.</a:t>
+            </a:r>
+            <a:endParaRPr lang="en-US" sz="2000" b="1">
+              <a:latin typeface="Calibri" panose="020F0502020204030204" pitchFamily="34" charset="0"/>
+              <a:ea typeface="Calibri" panose="020F0502020204030204" pitchFamily="34" charset="0"/>
+              <a:cs typeface="Calibri" panose="020F0502020204030204" pitchFamily="34" charset="0"/>
+            </a:endParaRPr>
+          </a:p>
+          <a:p>
+            <a:pPr marL="342900" indent="-342900" algn="just">
+              <a:buFont typeface="Wingdings" panose="05000000000000000000" pitchFamily="2" charset="2"/>
+              <a:buChar char="v"/>
+            </a:pPr>
+            <a:r>
+              <a:rPr lang="en-US" sz="2000">
+                <a:latin typeface="Calibri" panose="020F0502020204030204" pitchFamily="34" charset="0"/>
+                <a:ea typeface="Calibri" panose="020F0502020204030204" pitchFamily="34" charset="0"/>
+                <a:cs typeface="Calibri" panose="020F0502020204030204" pitchFamily="34" charset="0"/>
+              </a:rPr>
+              <a:t>Một số phương pháp tiếp cận lai:</a:t>
+            </a:r>
+          </a:p>
+          <a:p>
+            <a:pPr lvl="1" algn="just"/>
+            <a:r>
+              <a:rPr lang="en-US" sz="1800">
+                <a:latin typeface="Calibri" panose="020F0502020204030204" pitchFamily="34" charset="0"/>
+                <a:ea typeface="Calibri" panose="020F0502020204030204" pitchFamily="34" charset="0"/>
+                <a:cs typeface="Calibri" panose="020F0502020204030204" pitchFamily="34" charset="0"/>
+              </a:rPr>
+              <a:t>Lai có trọng số 				 Lai kết hợp đặc trưng</a:t>
+            </a:r>
+          </a:p>
+          <a:p>
+            <a:pPr lvl="1" algn="just"/>
+            <a:r>
+              <a:rPr lang="en-US" sz="1800">
+                <a:latin typeface="Calibri" panose="020F0502020204030204" pitchFamily="34" charset="0"/>
+                <a:ea typeface="Calibri" panose="020F0502020204030204" pitchFamily="34" charset="0"/>
+                <a:cs typeface="Calibri" panose="020F0502020204030204" pitchFamily="34" charset="0"/>
+              </a:rPr>
+              <a:t>Lai chuyển đổi					 Lai theo đợt</a:t>
+            </a:r>
+          </a:p>
+          <a:p>
+            <a:pPr lvl="1" algn="just"/>
+            <a:r>
+              <a:rPr lang="en-US" sz="1800">
+                <a:latin typeface="Calibri" panose="020F0502020204030204" pitchFamily="34" charset="0"/>
+                <a:ea typeface="Calibri" panose="020F0502020204030204" pitchFamily="34" charset="0"/>
+                <a:cs typeface="Calibri" panose="020F0502020204030204" pitchFamily="34" charset="0"/>
+              </a:rPr>
+              <a:t>Lai trộn						 Lai tăng cường đặc trưng</a:t>
+            </a:r>
+          </a:p>
+          <a:p>
+            <a:pPr lvl="1" algn="just"/>
+            <a:r>
+              <a:rPr lang="en-US" sz="1800">
+                <a:latin typeface="Calibri" panose="020F0502020204030204" pitchFamily="34" charset="0"/>
+                <a:ea typeface="Calibri" panose="020F0502020204030204" pitchFamily="34" charset="0"/>
+                <a:cs typeface="Calibri" panose="020F0502020204030204" pitchFamily="34" charset="0"/>
+              </a:rPr>
+              <a:t>Lai meta</a:t>
+            </a:r>
+          </a:p>
+          <a:p>
             <a:pPr marL="800100" lvl="1" indent="-342900" algn="just">
               <a:buFont typeface="Wingdings" panose="05000000000000000000" pitchFamily="2" charset="2"/>
               <a:buChar char="v"/>
             </a:pPr>
-            <a:r>
-              <a:rPr lang="vi-VN" sz="2000">
-                <a:latin typeface="Calibri" panose="020F0502020204030204" pitchFamily="34" charset="0"/>
-                <a:ea typeface="Calibri" panose="020F0502020204030204" pitchFamily="34" charset="0"/>
-                <a:cs typeface="Calibri" panose="020F0502020204030204" pitchFamily="34" charset="0"/>
-              </a:rPr>
-              <a:t>Thuật toán PMF là một phương pháp trong hệ thống gợi ý dựa trên kỹ thuật phân rã ma trận</a:t>
-            </a:r>
             <a:endParaRPr lang="en-US" sz="2000">
               <a:latin typeface="Calibri" panose="020F0502020204030204" pitchFamily="34" charset="0"/>
               <a:ea typeface="Calibri" panose="020F0502020204030204" pitchFamily="34" charset="0"/>
               <a:cs typeface="Calibri" panose="020F0502020204030204" pitchFamily="34" charset="0"/>
             </a:endParaRPr>
           </a:p>
-          <a:p>
-            <a:pPr marL="800100" lvl="1" indent="-342900" algn="just">
-              <a:buFont typeface="Wingdings" panose="05000000000000000000" pitchFamily="2" charset="2"/>
-              <a:buChar char="v"/>
-            </a:pPr>
-            <a:r>
-              <a:rPr lang="en-US" sz="2000">
-                <a:latin typeface="Calibri" panose="020F0502020204030204" pitchFamily="34" charset="0"/>
-                <a:ea typeface="Calibri" panose="020F0502020204030204" pitchFamily="34" charset="0"/>
-                <a:cs typeface="Calibri" panose="020F0502020204030204" pitchFamily="34" charset="0"/>
-              </a:rPr>
-              <a:t>Thuật toán PMF dựa trên hướng tiếp cận lọc cộng tác</a:t>
-            </a:r>
-          </a:p>
-          <a:p>
-            <a:pPr marL="800100" lvl="1" indent="-342900" algn="just">
-              <a:buFont typeface="Wingdings" panose="05000000000000000000" pitchFamily="2" charset="2"/>
-              <a:buChar char="v"/>
-            </a:pPr>
-            <a:r>
-              <a:rPr lang="en-US" sz="2000">
-                <a:latin typeface="Calibri" panose="020F0502020204030204" pitchFamily="34" charset="0"/>
-                <a:ea typeface="Calibri" panose="020F0502020204030204" pitchFamily="34" charset="0"/>
-                <a:cs typeface="Calibri" panose="020F0502020204030204" pitchFamily="34" charset="0"/>
-              </a:rPr>
-              <a:t>Thuật toán PMF được sử dụng rộng rãi trong các hệ thống gợi ý</a:t>
-            </a:r>
-          </a:p>
-          <a:p>
-            <a:pPr marL="800100" lvl="1" indent="-342900" algn="just">
-              <a:buFont typeface="Wingdings" panose="05000000000000000000" pitchFamily="2" charset="2"/>
-              <a:buChar char="v"/>
-            </a:pPr>
-            <a:r>
-              <a:rPr lang="en-US" sz="2000">
-                <a:latin typeface="Calibri" panose="020F0502020204030204" pitchFamily="34" charset="0"/>
-                <a:ea typeface="Calibri" panose="020F0502020204030204" pitchFamily="34" charset="0"/>
-                <a:cs typeface="Calibri" panose="020F0502020204030204" pitchFamily="34" charset="0"/>
-              </a:rPr>
-              <a:t>Hoạt động bằng cách </a:t>
-            </a:r>
-            <a:r>
-              <a:rPr lang="vi-VN" sz="2000">
-                <a:latin typeface="Calibri" panose="020F0502020204030204" pitchFamily="34" charset="0"/>
-                <a:ea typeface="Calibri" panose="020F0502020204030204" pitchFamily="34" charset="0"/>
-                <a:cs typeface="Calibri" panose="020F0502020204030204" pitchFamily="34" charset="0"/>
-              </a:rPr>
-              <a:t>tìm cách phân rã ma trận người dùng-sản phẩm thành hai ma trận nhỏ hơn, mỗi ma trận biểu diễn cho người dùng và sản phẩm</a:t>
-            </a:r>
-            <a:endParaRPr lang="en-US" sz="2000">
-              <a:latin typeface="Calibri" panose="020F0502020204030204" pitchFamily="34" charset="0"/>
-              <a:ea typeface="Calibri" panose="020F0502020204030204" pitchFamily="34" charset="0"/>
-              <a:cs typeface="Calibri" panose="020F0502020204030204" pitchFamily="34" charset="0"/>
-            </a:endParaRPr>
-          </a:p>
-          <a:p>
-            <a:pPr marL="800100" lvl="1" indent="-342900" algn="just">
-              <a:buFont typeface="Wingdings" panose="05000000000000000000" pitchFamily="2" charset="2"/>
-              <a:buChar char="v"/>
-            </a:pPr>
-            <a:r>
-              <a:rPr lang="en-US" sz="2000">
-                <a:latin typeface="Calibri" panose="020F0502020204030204" pitchFamily="34" charset="0"/>
-                <a:ea typeface="Calibri" panose="020F0502020204030204" pitchFamily="34" charset="0"/>
-                <a:cs typeface="Calibri" panose="020F0502020204030204" pitchFamily="34" charset="0"/>
-              </a:rPr>
-              <a:t>PMF có hạn chế </a:t>
-            </a:r>
-            <a:r>
-              <a:rPr lang="vi-VN" sz="2000">
-                <a:latin typeface="Calibri" panose="020F0502020204030204" pitchFamily="34" charset="0"/>
-                <a:ea typeface="Calibri" panose="020F0502020204030204" pitchFamily="34" charset="0"/>
-                <a:cs typeface="Calibri" panose="020F0502020204030204" pitchFamily="34" charset="0"/>
-              </a:rPr>
-              <a:t>như việc không thể xử lý dữ liệu bị thiếu và không thể tự động điều chỉnh các tham số mô hình.</a:t>
-            </a:r>
-            <a:endParaRPr lang="en-US" sz="2000">
-              <a:latin typeface="Calibri" panose="020F0502020204030204" pitchFamily="34" charset="0"/>
-              <a:ea typeface="Calibri" panose="020F0502020204030204" pitchFamily="34" charset="0"/>
-              <a:cs typeface="Calibri" panose="020F0502020204030204" pitchFamily="34" charset="0"/>
-            </a:endParaRPr>
-          </a:p>
         </p:txBody>
       </p:sp>
     </p:spTree>
     <p:extLst>
       <p:ext uri="{BB962C8B-B14F-4D97-AF65-F5344CB8AC3E}">
-        <p14:creationId xmlns:p14="http://schemas.microsoft.com/office/powerpoint/2010/main" val="2821019246"/>
+        <p14:creationId xmlns:p14="http://schemas.microsoft.com/office/powerpoint/2010/main" val="2752702966"/>
       </p:ext>
     </p:extLst>
   </p:cSld>
@@ -6145,176 +6534,216 @@
       </p:grpSpPr>
       <p:sp>
         <p:nvSpPr>
-          <p:cNvPr id="5" name="Title 4">
+          <p:cNvPr id="12" name="Google Shape;257;p26">
             <a:extLst>
               <a:ext uri="{FF2B5EF4-FFF2-40B4-BE49-F238E27FC236}">
-                <a16:creationId xmlns:a16="http://schemas.microsoft.com/office/drawing/2014/main" id="{4A39987D-1D3D-497E-BC78-9460D0A07B22}"/>
+                <a16:creationId xmlns:a16="http://schemas.microsoft.com/office/drawing/2014/main" id="{295370E5-090A-446F-B3BE-66ADEAB6EC8C}"/>
               </a:ext>
             </a:extLst>
           </p:cNvPr>
-          <p:cNvSpPr>
-            <a:spLocks noGrp="1"/>
-          </p:cNvSpPr>
-          <p:nvPr>
-            <p:ph type="ctrTitle"/>
+          <p:cNvSpPr txBox="1">
+            <a:spLocks noGrp="1"/>
+          </p:cNvSpPr>
+          <p:nvPr>
+            <p:ph type="subTitle" idx="1"/>
           </p:nvPr>
         </p:nvSpPr>
         <p:spPr>
           <a:xfrm>
-            <a:off x="912921" y="1782698"/>
-            <a:ext cx="8358078" cy="808101"/>
+            <a:off x="1591205" y="1697567"/>
+            <a:ext cx="7767637" cy="1096963"/>
           </a:xfrm>
+          <a:prstGeom prst="rect">
+            <a:avLst/>
+          </a:prstGeom>
+          <a:solidFill>
+            <a:schemeClr val="accent1">
+              <a:lumMod val="40000"/>
+              <a:lumOff val="60000"/>
+            </a:schemeClr>
+          </a:solidFill>
         </p:spPr>
         <p:txBody>
-          <a:bodyPr/>
-          <a:lstStyle/>
-          <a:p>
-            <a:pPr algn="l"/>
-            <a:r>
-              <a:rPr lang="en-US" sz="4000">
-                <a:latin typeface="Calibri" panose="020F0502020204030204" pitchFamily="34" charset="0"/>
-                <a:ea typeface="Calibri" panose="020F0502020204030204" pitchFamily="34" charset="0"/>
-                <a:cs typeface="Calibri" panose="020F0502020204030204" pitchFamily="34" charset="0"/>
-              </a:rPr>
-              <a:t>BPMF (Bayesian Probabilistic Matrix Factorization)</a:t>
-            </a:r>
-          </a:p>
-        </p:txBody>
-      </p:sp>
-      <p:sp>
-        <p:nvSpPr>
-          <p:cNvPr id="7" name="Subtitle 6">
-            <a:extLst>
-              <a:ext uri="{FF2B5EF4-FFF2-40B4-BE49-F238E27FC236}">
-                <a16:creationId xmlns:a16="http://schemas.microsoft.com/office/drawing/2014/main" id="{387756A3-BAFE-45B0-A123-3DCB9F8DBA22}"/>
-              </a:ext>
-            </a:extLst>
-          </p:cNvPr>
-          <p:cNvSpPr>
-            <a:spLocks noGrp="1"/>
-          </p:cNvSpPr>
-          <p:nvPr>
-            <p:ph type="subTitle" idx="1"/>
-          </p:nvPr>
-        </p:nvSpPr>
-        <p:spPr>
-          <a:xfrm>
-            <a:off x="912920" y="2895132"/>
-            <a:ext cx="8358079" cy="3302467"/>
-          </a:xfrm>
-        </p:spPr>
-        <p:txBody>
-          <a:bodyPr>
+          <a:bodyPr spcFirstLastPara="1" wrap="square" lIns="91425" tIns="91425" rIns="91425" bIns="91425" anchor="ctr" anchorCtr="0">
             <a:noAutofit/>
           </a:bodyPr>
           <a:lstStyle/>
           <a:p>
-            <a:pPr marL="800100" lvl="1" indent="-342900" algn="just">
-              <a:buFont typeface="Wingdings" panose="05000000000000000000" pitchFamily="2" charset="2"/>
-              <a:buChar char="v"/>
+            <a:pPr marL="0" lvl="0" indent="0" algn="ctr" rtl="0">
+              <a:spcBef>
+                <a:spcPts val="0"/>
+              </a:spcBef>
+              <a:spcAft>
+                <a:spcPts val="0"/>
+              </a:spcAft>
+              <a:buNone/>
             </a:pPr>
             <a:r>
-              <a:rPr lang="vi-VN" sz="2000">
-                <a:latin typeface="Calibri" panose="020F0502020204030204" pitchFamily="34" charset="0"/>
-                <a:ea typeface="Calibri" panose="020F0502020204030204" pitchFamily="34" charset="0"/>
-                <a:cs typeface="Calibri" panose="020F0502020204030204" pitchFamily="34" charset="0"/>
-              </a:rPr>
-              <a:t>Thuật toán BPMF là một phương pháp tiếp cận Bayesian đầy đủ của mô hình </a:t>
-            </a:r>
-            <a:r>
-              <a:rPr lang="en-US" sz="2000">
-                <a:latin typeface="Calibri" panose="020F0502020204030204" pitchFamily="34" charset="0"/>
-                <a:ea typeface="Calibri" panose="020F0502020204030204" pitchFamily="34" charset="0"/>
-                <a:cs typeface="Calibri" panose="020F0502020204030204" pitchFamily="34" charset="0"/>
-              </a:rPr>
-              <a:t>PMF.</a:t>
-            </a:r>
-          </a:p>
-          <a:p>
-            <a:pPr marL="800100" lvl="1" indent="-342900" algn="just">
-              <a:buFont typeface="Wingdings" panose="05000000000000000000" pitchFamily="2" charset="2"/>
-              <a:buChar char="v"/>
-            </a:pPr>
-            <a:r>
-              <a:rPr lang="vi-VN" sz="2000">
-                <a:latin typeface="Calibri" panose="020F0502020204030204" pitchFamily="34" charset="0"/>
-                <a:ea typeface="Calibri" panose="020F0502020204030204" pitchFamily="34" charset="0"/>
-                <a:cs typeface="Calibri" panose="020F0502020204030204" pitchFamily="34" charset="0"/>
-              </a:rPr>
-              <a:t>BPMF có thể được huấn luyện hiệu quả bằng cách sử dụng các phương pháp Markov chain Monte Carlo</a:t>
-            </a:r>
-            <a:r>
-              <a:rPr lang="en-US" sz="2000">
-                <a:latin typeface="Calibri" panose="020F0502020204030204" pitchFamily="34" charset="0"/>
-                <a:ea typeface="Calibri" panose="020F0502020204030204" pitchFamily="34" charset="0"/>
-                <a:cs typeface="Calibri" panose="020F0502020204030204" pitchFamily="34" charset="0"/>
-              </a:rPr>
-              <a:t>.</a:t>
-            </a:r>
-          </a:p>
-          <a:p>
-            <a:pPr marL="800100" lvl="1" indent="-342900" algn="just">
-              <a:buFont typeface="Wingdings" panose="05000000000000000000" pitchFamily="2" charset="2"/>
-              <a:buChar char="v"/>
-            </a:pPr>
-            <a:r>
-              <a:rPr lang="vi-VN" sz="2000">
-                <a:latin typeface="Calibri" panose="020F0502020204030204" pitchFamily="34" charset="0"/>
-                <a:ea typeface="Calibri" panose="020F0502020204030204" pitchFamily="34" charset="0"/>
-                <a:cs typeface="Calibri" panose="020F0502020204030204" pitchFamily="34" charset="0"/>
-              </a:rPr>
-              <a:t>Kết quả thu được từ các mô hình BPMF đạt độ chính xác dự đoán cao hơn đáng kể so với các mô hình PMF được huấn luyện bằng cách sử dụng ước lượng MAP</a:t>
-            </a:r>
-            <a:endParaRPr lang="en-US" sz="2000">
+              <a:rPr lang="en" sz="5900">
+                <a:latin typeface="Calibri" panose="020F0502020204030204" pitchFamily="34" charset="0"/>
+                <a:ea typeface="Calibri" panose="020F0502020204030204" pitchFamily="34" charset="0"/>
+                <a:cs typeface="Calibri" panose="020F0502020204030204" pitchFamily="34" charset="0"/>
+              </a:rPr>
+              <a:t>PHẦN 2</a:t>
+            </a:r>
+            <a:endParaRPr sz="5900">
               <a:latin typeface="Calibri" panose="020F0502020204030204" pitchFamily="34" charset="0"/>
               <a:ea typeface="Calibri" panose="020F0502020204030204" pitchFamily="34" charset="0"/>
               <a:cs typeface="Calibri" panose="020F0502020204030204" pitchFamily="34" charset="0"/>
             </a:endParaRPr>
           </a:p>
-          <a:p>
-            <a:pPr marL="800100" lvl="1" indent="-342900" algn="just">
-              <a:buFont typeface="Wingdings" panose="05000000000000000000" pitchFamily="2" charset="2"/>
-              <a:buChar char="v"/>
+        </p:txBody>
+      </p:sp>
+      <p:sp>
+        <p:nvSpPr>
+          <p:cNvPr id="13" name="Google Shape;258;p26">
+            <a:extLst>
+              <a:ext uri="{FF2B5EF4-FFF2-40B4-BE49-F238E27FC236}">
+                <a16:creationId xmlns:a16="http://schemas.microsoft.com/office/drawing/2014/main" id="{977CF09D-0818-41A9-B72A-A7319CC1AD31}"/>
+              </a:ext>
+            </a:extLst>
+          </p:cNvPr>
+          <p:cNvSpPr txBox="1">
+            <a:spLocks/>
+          </p:cNvSpPr>
+          <p:nvPr/>
+        </p:nvSpPr>
+        <p:spPr>
+          <a:xfrm>
+            <a:off x="1591204" y="3135849"/>
+            <a:ext cx="7767637" cy="2672283"/>
+          </a:xfrm>
+          <a:prstGeom prst="rect">
+            <a:avLst/>
+          </a:prstGeom>
+        </p:spPr>
+        <p:txBody>
+          <a:bodyPr spcFirstLastPara="1" vert="horz" wrap="square" lIns="91425" tIns="91425" rIns="91425" bIns="91425" rtlCol="0" anchor="ctr" anchorCtr="0">
+            <a:noAutofit/>
+          </a:bodyPr>
+          <a:lstStyle>
+            <a:lvl1pPr algn="r" defTabSz="457200" rtl="0" eaLnBrk="1" latinLnBrk="0" hangingPunct="1">
+              <a:spcBef>
+                <a:spcPct val="0"/>
+              </a:spcBef>
+              <a:buNone/>
+              <a:defRPr sz="5400" kern="1200">
+                <a:solidFill>
+                  <a:schemeClr val="accent1"/>
+                </a:solidFill>
+                <a:latin typeface="+mj-lt"/>
+                <a:ea typeface="+mj-ea"/>
+                <a:cs typeface="+mj-cs"/>
+              </a:defRPr>
+            </a:lvl1pPr>
+            <a:lvl2pPr eaLnBrk="1" hangingPunct="1">
+              <a:defRPr>
+                <a:solidFill>
+                  <a:schemeClr val="tx2"/>
+                </a:solidFill>
+              </a:defRPr>
+            </a:lvl2pPr>
+            <a:lvl3pPr eaLnBrk="1" hangingPunct="1">
+              <a:defRPr>
+                <a:solidFill>
+                  <a:schemeClr val="tx2"/>
+                </a:solidFill>
+              </a:defRPr>
+            </a:lvl3pPr>
+            <a:lvl4pPr eaLnBrk="1" hangingPunct="1">
+              <a:defRPr>
+                <a:solidFill>
+                  <a:schemeClr val="tx2"/>
+                </a:solidFill>
+              </a:defRPr>
+            </a:lvl4pPr>
+            <a:lvl5pPr eaLnBrk="1" hangingPunct="1">
+              <a:defRPr>
+                <a:solidFill>
+                  <a:schemeClr val="tx2"/>
+                </a:solidFill>
+              </a:defRPr>
+            </a:lvl5pPr>
+            <a:lvl6pPr eaLnBrk="1" hangingPunct="1">
+              <a:defRPr>
+                <a:solidFill>
+                  <a:schemeClr val="tx2"/>
+                </a:solidFill>
+              </a:defRPr>
+            </a:lvl6pPr>
+            <a:lvl7pPr eaLnBrk="1" hangingPunct="1">
+              <a:defRPr>
+                <a:solidFill>
+                  <a:schemeClr val="tx2"/>
+                </a:solidFill>
+              </a:defRPr>
+            </a:lvl7pPr>
+            <a:lvl8pPr eaLnBrk="1" hangingPunct="1">
+              <a:defRPr>
+                <a:solidFill>
+                  <a:schemeClr val="tx2"/>
+                </a:solidFill>
+              </a:defRPr>
+            </a:lvl8pPr>
+            <a:lvl9pPr eaLnBrk="1" hangingPunct="1">
+              <a:defRPr>
+                <a:solidFill>
+                  <a:schemeClr val="tx2"/>
+                </a:solidFill>
+              </a:defRPr>
+            </a:lvl9pPr>
+          </a:lstStyle>
+          <a:p>
+            <a:pPr algn="ctr">
+              <a:spcBef>
+                <a:spcPts val="0"/>
+              </a:spcBef>
             </a:pPr>
             <a:r>
-              <a:rPr lang="en-US" sz="2000">
-                <a:latin typeface="Calibri" panose="020F0502020204030204" pitchFamily="34" charset="0"/>
-                <a:ea typeface="Calibri" panose="020F0502020204030204" pitchFamily="34" charset="0"/>
-                <a:cs typeface="Calibri" panose="020F0502020204030204" pitchFamily="34" charset="0"/>
-              </a:rPr>
-              <a:t>Ư</a:t>
-            </a:r>
-            <a:r>
-              <a:rPr lang="vi-VN" sz="2000">
-                <a:latin typeface="Calibri" panose="020F0502020204030204" pitchFamily="34" charset="0"/>
-                <a:ea typeface="Calibri" panose="020F0502020204030204" pitchFamily="34" charset="0"/>
-                <a:cs typeface="Calibri" panose="020F0502020204030204" pitchFamily="34" charset="0"/>
-              </a:rPr>
-              <a:t>u điểm quan trọng của BPMF là tránh được việc điều chỉnh tham số và cung cấp phân phối dự đoán</a:t>
-            </a:r>
-            <a:endParaRPr lang="en-US" sz="2000">
-              <a:latin typeface="Calibri" panose="020F0502020204030204" pitchFamily="34" charset="0"/>
-              <a:ea typeface="Calibri" panose="020F0502020204030204" pitchFamily="34" charset="0"/>
-              <a:cs typeface="Calibri" panose="020F0502020204030204" pitchFamily="34" charset="0"/>
-            </a:endParaRPr>
-          </a:p>
-          <a:p>
-            <a:pPr marL="800100" lvl="1" indent="-342900" algn="just">
-              <a:buFont typeface="Wingdings" panose="05000000000000000000" pitchFamily="2" charset="2"/>
-              <a:buChar char="v"/>
+              <a:rPr lang="en-US" sz="5000">
+                <a:latin typeface="Calibri" panose="020F0502020204030204" pitchFamily="34" charset="0"/>
+                <a:ea typeface="Calibri" panose="020F0502020204030204" pitchFamily="34" charset="0"/>
+                <a:cs typeface="Calibri" panose="020F0502020204030204" pitchFamily="34" charset="0"/>
+              </a:rPr>
+              <a:t>Một số phương pháp </a:t>
+            </a:r>
+          </a:p>
+          <a:p>
+            <a:pPr algn="ctr">
+              <a:spcBef>
+                <a:spcPts val="0"/>
+              </a:spcBef>
             </a:pPr>
-            <a:endParaRPr lang="en-US" sz="2000">
-              <a:latin typeface="Calibri" panose="020F0502020204030204" pitchFamily="34" charset="0"/>
-              <a:ea typeface="Calibri" panose="020F0502020204030204" pitchFamily="34" charset="0"/>
-              <a:cs typeface="Calibri" panose="020F0502020204030204" pitchFamily="34" charset="0"/>
-            </a:endParaRPr>
+            <a:r>
+              <a:rPr lang="en-US" sz="5000">
+                <a:latin typeface="Calibri" panose="020F0502020204030204" pitchFamily="34" charset="0"/>
+                <a:ea typeface="Calibri" panose="020F0502020204030204" pitchFamily="34" charset="0"/>
+                <a:cs typeface="Calibri" panose="020F0502020204030204" pitchFamily="34" charset="0"/>
+              </a:rPr>
+              <a:t>trong việc giải quyết </a:t>
+            </a:r>
+          </a:p>
+          <a:p>
+            <a:pPr algn="ctr">
+              <a:spcBef>
+                <a:spcPts val="0"/>
+              </a:spcBef>
+            </a:pPr>
+            <a:r>
+              <a:rPr lang="en-US" sz="5000">
+                <a:latin typeface="Calibri" panose="020F0502020204030204" pitchFamily="34" charset="0"/>
+                <a:ea typeface="Calibri" panose="020F0502020204030204" pitchFamily="34" charset="0"/>
+                <a:cs typeface="Calibri" panose="020F0502020204030204" pitchFamily="34" charset="0"/>
+              </a:rPr>
+              <a:t>bài toán khuyến nghị phim</a:t>
+            </a:r>
           </a:p>
         </p:txBody>
       </p:sp>
     </p:spTree>
     <p:extLst>
       <p:ext uri="{BB962C8B-B14F-4D97-AF65-F5344CB8AC3E}">
-        <p14:creationId xmlns:p14="http://schemas.microsoft.com/office/powerpoint/2010/main" val="1648063678"/>
+        <p14:creationId xmlns:p14="http://schemas.microsoft.com/office/powerpoint/2010/main" val="2582797867"/>
       </p:ext>
     </p:extLst>
   </p:cSld>
@@ -6374,7 +6803,7 @@
                 <a:ea typeface="Calibri" panose="020F0502020204030204" pitchFamily="34" charset="0"/>
                 <a:cs typeface="Calibri" panose="020F0502020204030204" pitchFamily="34" charset="0"/>
               </a:rPr>
-              <a:t>ALS (Alternating Least Squares)</a:t>
+              <a:t>PMF (Probabilistic Matrix Factorization)</a:t>
             </a:r>
           </a:p>
         </p:txBody>
@@ -6397,8 +6826,8 @@
         </p:nvSpPr>
         <p:spPr>
           <a:xfrm>
-            <a:off x="904454" y="2531066"/>
-            <a:ext cx="9026946" cy="3353267"/>
+            <a:off x="904455" y="2624201"/>
+            <a:ext cx="8171812" cy="3531066"/>
           </a:xfrm>
         </p:spPr>
         <p:txBody>
@@ -6417,7 +6846,7 @@
                 <a:ea typeface="Calibri" panose="020F0502020204030204" pitchFamily="34" charset="0"/>
                 <a:cs typeface="Calibri" panose="020F0502020204030204" pitchFamily="34" charset="0"/>
               </a:rPr>
-              <a:t>Thuật toán ALS là một phương pháp được sử dụng trong hệ thống gợi ý dựa trên kỹ thuật phân rã ma trận</a:t>
+              <a:t>Thuật toán PMF là một phương pháp trong hệ thống gợi ý dựa trên kỹ thuật phân rã ma trận</a:t>
             </a:r>
             <a:endParaRPr lang="en-US" sz="2000">
               <a:latin typeface="Calibri" panose="020F0502020204030204" pitchFamily="34" charset="0"/>
@@ -6436,7 +6865,7 @@
                 <a:ea typeface="Calibri" panose="020F0502020204030204" pitchFamily="34" charset="0"/>
                 <a:cs typeface="Calibri" panose="020F0502020204030204" pitchFamily="34" charset="0"/>
               </a:rPr>
-              <a:t>Thuật toán ALS là một phương pháp phổ biến trong lọc cộng tác</a:t>
+              <a:t>Thuật toán PMF dựa trên hướng tiếp cận lọc cộng tác</a:t>
             </a:r>
           </a:p>
           <a:p>
@@ -6450,7 +6879,21 @@
                 <a:ea typeface="Calibri" panose="020F0502020204030204" pitchFamily="34" charset="0"/>
                 <a:cs typeface="Calibri" panose="020F0502020204030204" pitchFamily="34" charset="0"/>
               </a:rPr>
-              <a:t>Thuật toán ALS được sử dụng để giải quyết </a:t>
+              <a:t>Thuật toán PMF được sử dụng rộng rãi trong các hệ thống gợi ý</a:t>
+            </a:r>
+          </a:p>
+          <a:p>
+            <a:pPr marL="800100" lvl="1" indent="-342900" algn="just">
+              <a:buFont typeface="Wingdings" panose="05000000000000000000" pitchFamily="2" charset="2"/>
+              <a:buChar char="v"/>
+            </a:pPr>
+            <a:r>
+              <a:rPr lang="en-US" sz="2000">
+                <a:latin typeface="Calibri" panose="020F0502020204030204" pitchFamily="34" charset="0"/>
+                <a:ea typeface="Calibri" panose="020F0502020204030204" pitchFamily="34" charset="0"/>
+                <a:cs typeface="Calibri" panose="020F0502020204030204" pitchFamily="34" charset="0"/>
+              </a:rPr>
+              <a:t>Hoạt động bằng cách </a:t>
             </a:r>
             <a:r>
               <a:rPr lang="vi-VN" sz="2000">
@@ -6458,7 +6901,7 @@
                 <a:ea typeface="Calibri" panose="020F0502020204030204" pitchFamily="34" charset="0"/>
                 <a:cs typeface="Calibri" panose="020F0502020204030204" pitchFamily="34" charset="0"/>
               </a:rPr>
-              <a:t>vấn đề quá khớp (overfitting) trong dữ liệu thưa thớt và tăng độ chính xác của dự đoán trong hệ thống gợi ý</a:t>
+              <a:t>tìm cách phân rã ma trận người dùng-sản phẩm thành hai ma trận nhỏ hơn, mỗi ma trận biểu diễn cho người dùng và sản phẩm</a:t>
             </a:r>
             <a:endParaRPr lang="en-US" sz="2000">
               <a:latin typeface="Calibri" panose="020F0502020204030204" pitchFamily="34" charset="0"/>
@@ -6477,7 +6920,7 @@
                 <a:ea typeface="Calibri" panose="020F0502020204030204" pitchFamily="34" charset="0"/>
                 <a:cs typeface="Calibri" panose="020F0502020204030204" pitchFamily="34" charset="0"/>
               </a:rPr>
-              <a:t>Ư</a:t>
+              <a:t>PMF có hạn chế </a:t>
             </a:r>
             <a:r>
               <a:rPr lang="vi-VN" sz="2000">
@@ -6485,23 +6928,7 @@
                 <a:ea typeface="Calibri" panose="020F0502020204030204" pitchFamily="34" charset="0"/>
                 <a:cs typeface="Calibri" panose="020F0502020204030204" pitchFamily="34" charset="0"/>
               </a:rPr>
-              <a:t>u điểm của </a:t>
-            </a:r>
-            <a:r>
-              <a:rPr lang="en-US" sz="2000">
-                <a:latin typeface="Calibri" panose="020F0502020204030204" pitchFamily="34" charset="0"/>
-                <a:ea typeface="Calibri" panose="020F0502020204030204" pitchFamily="34" charset="0"/>
-                <a:cs typeface="Calibri" panose="020F0502020204030204" pitchFamily="34" charset="0"/>
-              </a:rPr>
-              <a:t>thuật toán </a:t>
-            </a:r>
-            <a:r>
-              <a:rPr lang="vi-VN" sz="2000">
-                <a:latin typeface="Calibri" panose="020F0502020204030204" pitchFamily="34" charset="0"/>
-                <a:ea typeface="Calibri" panose="020F0502020204030204" pitchFamily="34" charset="0"/>
-                <a:cs typeface="Calibri" panose="020F0502020204030204" pitchFamily="34" charset="0"/>
-              </a:rPr>
-              <a:t>ALS là nó có thể xử lý dữ liệu bị thiếu và có thể mở rộng để xử lý dữ liệu lớn.</a:t>
+              <a:t>như việc không thể xử lý dữ liệu bị thiếu và không thể tự động điều chỉnh các tham số mô hình.</a:t>
             </a:r>
             <a:endParaRPr lang="en-US" sz="2000">
               <a:latin typeface="Calibri" panose="020F0502020204030204" pitchFamily="34" charset="0"/>
@@ -6514,7 +6941,7 @@
     </p:spTree>
     <p:extLst>
       <p:ext uri="{BB962C8B-B14F-4D97-AF65-F5344CB8AC3E}">
-        <p14:creationId xmlns:p14="http://schemas.microsoft.com/office/powerpoint/2010/main" val="4065440875"/>
+        <p14:creationId xmlns:p14="http://schemas.microsoft.com/office/powerpoint/2010/main" val="2821019246"/>
       </p:ext>
     </p:extLst>
   </p:cSld>
@@ -6559,8 +6986,8 @@
         </p:nvSpPr>
         <p:spPr>
           <a:xfrm>
-            <a:off x="904455" y="834432"/>
-            <a:ext cx="9365612" cy="1795866"/>
+            <a:off x="912921" y="1782698"/>
+            <a:ext cx="8358078" cy="808101"/>
           </a:xfrm>
         </p:spPr>
         <p:txBody>
@@ -6569,12 +6996,12 @@
           <a:p>
             <a:pPr algn="l"/>
             <a:r>
-              <a:rPr lang="en-US">
-                <a:latin typeface="Calibri" panose="020F0502020204030204" pitchFamily="34" charset="0"/>
-                <a:ea typeface="Calibri" panose="020F0502020204030204" pitchFamily="34" charset="0"/>
-                <a:cs typeface="Calibri" panose="020F0502020204030204" pitchFamily="34" charset="0"/>
-              </a:rPr>
-              <a:t>Khảo sát hệ thống khuyến nghị trên một số trang web xem phim</a:t>
+              <a:rPr lang="en-US" sz="4000">
+                <a:latin typeface="Calibri" panose="020F0502020204030204" pitchFamily="34" charset="0"/>
+                <a:ea typeface="Calibri" panose="020F0502020204030204" pitchFamily="34" charset="0"/>
+                <a:cs typeface="Calibri" panose="020F0502020204030204" pitchFamily="34" charset="0"/>
+              </a:rPr>
+              <a:t>BPMF (Bayesian Probabilistic Matrix Factorization)</a:t>
             </a:r>
           </a:p>
         </p:txBody>
@@ -6597,8 +7024,644 @@
         </p:nvSpPr>
         <p:spPr>
           <a:xfrm>
-            <a:off x="904455" y="2936534"/>
-            <a:ext cx="7763933" cy="1795866"/>
+            <a:off x="912920" y="2895132"/>
+            <a:ext cx="8358079" cy="3302467"/>
+          </a:xfrm>
+        </p:spPr>
+        <p:txBody>
+          <a:bodyPr>
+            <a:noAutofit/>
+          </a:bodyPr>
+          <a:lstStyle/>
+          <a:p>
+            <a:pPr marL="800100" lvl="1" indent="-342900" algn="just">
+              <a:buFont typeface="Wingdings" panose="05000000000000000000" pitchFamily="2" charset="2"/>
+              <a:buChar char="v"/>
+            </a:pPr>
+            <a:r>
+              <a:rPr lang="vi-VN" sz="2000">
+                <a:latin typeface="Calibri" panose="020F0502020204030204" pitchFamily="34" charset="0"/>
+                <a:ea typeface="Calibri" panose="020F0502020204030204" pitchFamily="34" charset="0"/>
+                <a:cs typeface="Calibri" panose="020F0502020204030204" pitchFamily="34" charset="0"/>
+              </a:rPr>
+              <a:t>Thuật toán BPMF là một phương pháp tiếp cận Bayesian đầy đủ của mô hình </a:t>
+            </a:r>
+            <a:r>
+              <a:rPr lang="en-US" sz="2000">
+                <a:latin typeface="Calibri" panose="020F0502020204030204" pitchFamily="34" charset="0"/>
+                <a:ea typeface="Calibri" panose="020F0502020204030204" pitchFamily="34" charset="0"/>
+                <a:cs typeface="Calibri" panose="020F0502020204030204" pitchFamily="34" charset="0"/>
+              </a:rPr>
+              <a:t>PMF.</a:t>
+            </a:r>
+          </a:p>
+          <a:p>
+            <a:pPr marL="800100" lvl="1" indent="-342900" algn="just">
+              <a:buFont typeface="Wingdings" panose="05000000000000000000" pitchFamily="2" charset="2"/>
+              <a:buChar char="v"/>
+            </a:pPr>
+            <a:r>
+              <a:rPr lang="vi-VN" sz="2000">
+                <a:latin typeface="Calibri" panose="020F0502020204030204" pitchFamily="34" charset="0"/>
+                <a:ea typeface="Calibri" panose="020F0502020204030204" pitchFamily="34" charset="0"/>
+                <a:cs typeface="Calibri" panose="020F0502020204030204" pitchFamily="34" charset="0"/>
+              </a:rPr>
+              <a:t>BPMF có thể được huấn luyện hiệu quả bằng cách sử dụng các phương pháp Markov chain Monte Carlo</a:t>
+            </a:r>
+            <a:r>
+              <a:rPr lang="en-US" sz="2000">
+                <a:latin typeface="Calibri" panose="020F0502020204030204" pitchFamily="34" charset="0"/>
+                <a:ea typeface="Calibri" panose="020F0502020204030204" pitchFamily="34" charset="0"/>
+                <a:cs typeface="Calibri" panose="020F0502020204030204" pitchFamily="34" charset="0"/>
+              </a:rPr>
+              <a:t>.</a:t>
+            </a:r>
+          </a:p>
+          <a:p>
+            <a:pPr marL="800100" lvl="1" indent="-342900" algn="just">
+              <a:buFont typeface="Wingdings" panose="05000000000000000000" pitchFamily="2" charset="2"/>
+              <a:buChar char="v"/>
+            </a:pPr>
+            <a:r>
+              <a:rPr lang="vi-VN" sz="2000">
+                <a:latin typeface="Calibri" panose="020F0502020204030204" pitchFamily="34" charset="0"/>
+                <a:ea typeface="Calibri" panose="020F0502020204030204" pitchFamily="34" charset="0"/>
+                <a:cs typeface="Calibri" panose="020F0502020204030204" pitchFamily="34" charset="0"/>
+              </a:rPr>
+              <a:t>Kết quả thu được từ các mô hình BPMF đạt độ chính xác dự đoán cao hơn đáng kể so với các mô hình PMF được huấn luyện bằng cách sử dụng ước lượng MAP</a:t>
+            </a:r>
+            <a:endParaRPr lang="en-US" sz="2000">
+              <a:latin typeface="Calibri" panose="020F0502020204030204" pitchFamily="34" charset="0"/>
+              <a:ea typeface="Calibri" panose="020F0502020204030204" pitchFamily="34" charset="0"/>
+              <a:cs typeface="Calibri" panose="020F0502020204030204" pitchFamily="34" charset="0"/>
+            </a:endParaRPr>
+          </a:p>
+          <a:p>
+            <a:pPr marL="800100" lvl="1" indent="-342900" algn="just">
+              <a:buFont typeface="Wingdings" panose="05000000000000000000" pitchFamily="2" charset="2"/>
+              <a:buChar char="v"/>
+            </a:pPr>
+            <a:r>
+              <a:rPr lang="en-US" sz="2000">
+                <a:latin typeface="Calibri" panose="020F0502020204030204" pitchFamily="34" charset="0"/>
+                <a:ea typeface="Calibri" panose="020F0502020204030204" pitchFamily="34" charset="0"/>
+                <a:cs typeface="Calibri" panose="020F0502020204030204" pitchFamily="34" charset="0"/>
+              </a:rPr>
+              <a:t>Ư</a:t>
+            </a:r>
+            <a:r>
+              <a:rPr lang="vi-VN" sz="2000">
+                <a:latin typeface="Calibri" panose="020F0502020204030204" pitchFamily="34" charset="0"/>
+                <a:ea typeface="Calibri" panose="020F0502020204030204" pitchFamily="34" charset="0"/>
+                <a:cs typeface="Calibri" panose="020F0502020204030204" pitchFamily="34" charset="0"/>
+              </a:rPr>
+              <a:t>u điểm quan trọng của BPMF là tránh được việc điều chỉnh tham số và cung cấp phân phối dự đoán</a:t>
+            </a:r>
+            <a:endParaRPr lang="en-US" sz="2000">
+              <a:latin typeface="Calibri" panose="020F0502020204030204" pitchFamily="34" charset="0"/>
+              <a:ea typeface="Calibri" panose="020F0502020204030204" pitchFamily="34" charset="0"/>
+              <a:cs typeface="Calibri" panose="020F0502020204030204" pitchFamily="34" charset="0"/>
+            </a:endParaRPr>
+          </a:p>
+          <a:p>
+            <a:pPr marL="800100" lvl="1" indent="-342900" algn="just">
+              <a:buFont typeface="Wingdings" panose="05000000000000000000" pitchFamily="2" charset="2"/>
+              <a:buChar char="v"/>
+            </a:pPr>
+            <a:endParaRPr lang="en-US" sz="2000">
+              <a:latin typeface="Calibri" panose="020F0502020204030204" pitchFamily="34" charset="0"/>
+              <a:ea typeface="Calibri" panose="020F0502020204030204" pitchFamily="34" charset="0"/>
+              <a:cs typeface="Calibri" panose="020F0502020204030204" pitchFamily="34" charset="0"/>
+            </a:endParaRPr>
+          </a:p>
+        </p:txBody>
+      </p:sp>
+    </p:spTree>
+    <p:extLst>
+      <p:ext uri="{BB962C8B-B14F-4D97-AF65-F5344CB8AC3E}">
+        <p14:creationId xmlns:p14="http://schemas.microsoft.com/office/powerpoint/2010/main" val="1648063678"/>
+      </p:ext>
+    </p:extLst>
+  </p:cSld>
+  <p:clrMapOvr>
+    <a:masterClrMapping/>
+  </p:clrMapOvr>
+</p:sld>
+</file>
+
+<file path=ppt/slides/slide14.xml><?xml version="1.0" encoding="utf-8"?>
+<p:sld xmlns:a="http://schemas.openxmlformats.org/drawingml/2006/main" xmlns:r="http://schemas.openxmlformats.org/officeDocument/2006/relationships" xmlns:p="http://schemas.openxmlformats.org/presentationml/2006/main">
+  <p:cSld>
+    <p:spTree>
+      <p:nvGrpSpPr>
+        <p:cNvPr id="1" name=""/>
+        <p:cNvGrpSpPr/>
+        <p:nvPr/>
+      </p:nvGrpSpPr>
+      <p:grpSpPr>
+        <a:xfrm>
+          <a:off x="0" y="0"/>
+          <a:ext cx="0" cy="0"/>
+          <a:chOff x="0" y="0"/>
+          <a:chExt cx="0" cy="0"/>
+        </a:xfrm>
+      </p:grpSpPr>
+      <p:sp>
+        <p:nvSpPr>
+          <p:cNvPr id="5" name="Title 4">
+            <a:extLst>
+              <a:ext uri="{FF2B5EF4-FFF2-40B4-BE49-F238E27FC236}">
+                <a16:creationId xmlns:a16="http://schemas.microsoft.com/office/drawing/2014/main" id="{4A39987D-1D3D-497E-BC78-9460D0A07B22}"/>
+              </a:ext>
+            </a:extLst>
+          </p:cNvPr>
+          <p:cNvSpPr>
+            <a:spLocks noGrp="1"/>
+          </p:cNvSpPr>
+          <p:nvPr>
+            <p:ph type="ctrTitle"/>
+          </p:nvPr>
+        </p:nvSpPr>
+        <p:spPr>
+          <a:xfrm>
+            <a:off x="904455" y="1427098"/>
+            <a:ext cx="8346296" cy="808101"/>
+          </a:xfrm>
+        </p:spPr>
+        <p:txBody>
+          <a:bodyPr/>
+          <a:lstStyle/>
+          <a:p>
+            <a:pPr algn="l"/>
+            <a:r>
+              <a:rPr lang="en-US" sz="4000">
+                <a:latin typeface="Calibri" panose="020F0502020204030204" pitchFamily="34" charset="0"/>
+                <a:ea typeface="Calibri" panose="020F0502020204030204" pitchFamily="34" charset="0"/>
+                <a:cs typeface="Calibri" panose="020F0502020204030204" pitchFamily="34" charset="0"/>
+              </a:rPr>
+              <a:t>ALS (Alternating Least Squares)</a:t>
+            </a:r>
+          </a:p>
+        </p:txBody>
+      </p:sp>
+      <p:sp>
+        <p:nvSpPr>
+          <p:cNvPr id="7" name="Subtitle 6">
+            <a:extLst>
+              <a:ext uri="{FF2B5EF4-FFF2-40B4-BE49-F238E27FC236}">
+                <a16:creationId xmlns:a16="http://schemas.microsoft.com/office/drawing/2014/main" id="{387756A3-BAFE-45B0-A123-3DCB9F8DBA22}"/>
+              </a:ext>
+            </a:extLst>
+          </p:cNvPr>
+          <p:cNvSpPr>
+            <a:spLocks noGrp="1"/>
+          </p:cNvSpPr>
+          <p:nvPr>
+            <p:ph type="subTitle" idx="1"/>
+          </p:nvPr>
+        </p:nvSpPr>
+        <p:spPr>
+          <a:xfrm>
+            <a:off x="904454" y="2531066"/>
+            <a:ext cx="9026946" cy="3353267"/>
+          </a:xfrm>
+        </p:spPr>
+        <p:txBody>
+          <a:bodyPr>
+            <a:noAutofit/>
+          </a:bodyPr>
+          <a:lstStyle/>
+          <a:p>
+            <a:pPr marL="800100" lvl="1" indent="-342900" algn="just">
+              <a:buFont typeface="Wingdings" panose="05000000000000000000" pitchFamily="2" charset="2"/>
+              <a:buChar char="v"/>
+            </a:pPr>
+            <a:r>
+              <a:rPr lang="vi-VN" sz="2000">
+                <a:latin typeface="Calibri" panose="020F0502020204030204" pitchFamily="34" charset="0"/>
+                <a:ea typeface="Calibri" panose="020F0502020204030204" pitchFamily="34" charset="0"/>
+                <a:cs typeface="Calibri" panose="020F0502020204030204" pitchFamily="34" charset="0"/>
+              </a:rPr>
+              <a:t>Thuật toán ALS là một phương pháp được sử dụng trong hệ thống gợi ý dựa trên kỹ thuật phân rã ma trận</a:t>
+            </a:r>
+            <a:endParaRPr lang="en-US" sz="2000">
+              <a:latin typeface="Calibri" panose="020F0502020204030204" pitchFamily="34" charset="0"/>
+              <a:ea typeface="Calibri" panose="020F0502020204030204" pitchFamily="34" charset="0"/>
+              <a:cs typeface="Calibri" panose="020F0502020204030204" pitchFamily="34" charset="0"/>
+            </a:endParaRPr>
+          </a:p>
+          <a:p>
+            <a:pPr marL="800100" lvl="1" indent="-342900" algn="just">
+              <a:buFont typeface="Wingdings" panose="05000000000000000000" pitchFamily="2" charset="2"/>
+              <a:buChar char="v"/>
+            </a:pPr>
+            <a:r>
+              <a:rPr lang="en-US" sz="2000">
+                <a:latin typeface="Calibri" panose="020F0502020204030204" pitchFamily="34" charset="0"/>
+                <a:ea typeface="Calibri" panose="020F0502020204030204" pitchFamily="34" charset="0"/>
+                <a:cs typeface="Calibri" panose="020F0502020204030204" pitchFamily="34" charset="0"/>
+              </a:rPr>
+              <a:t>Thuật toán ALS là một phương pháp phổ biến trong lọc cộng tác</a:t>
+            </a:r>
+          </a:p>
+          <a:p>
+            <a:pPr marL="800100" lvl="1" indent="-342900" algn="just">
+              <a:buFont typeface="Wingdings" panose="05000000000000000000" pitchFamily="2" charset="2"/>
+              <a:buChar char="v"/>
+            </a:pPr>
+            <a:r>
+              <a:rPr lang="en-US" sz="2000">
+                <a:latin typeface="Calibri" panose="020F0502020204030204" pitchFamily="34" charset="0"/>
+                <a:ea typeface="Calibri" panose="020F0502020204030204" pitchFamily="34" charset="0"/>
+                <a:cs typeface="Calibri" panose="020F0502020204030204" pitchFamily="34" charset="0"/>
+              </a:rPr>
+              <a:t>Thuật toán ALS được sử dụng để giải quyết </a:t>
+            </a:r>
+            <a:r>
+              <a:rPr lang="vi-VN" sz="2000">
+                <a:latin typeface="Calibri" panose="020F0502020204030204" pitchFamily="34" charset="0"/>
+                <a:ea typeface="Calibri" panose="020F0502020204030204" pitchFamily="34" charset="0"/>
+                <a:cs typeface="Calibri" panose="020F0502020204030204" pitchFamily="34" charset="0"/>
+              </a:rPr>
+              <a:t>vấn đề quá khớp (overfitting) trong dữ liệu thưa thớt và tăng độ chính xác của dự đoán trong hệ thống gợi ý</a:t>
+            </a:r>
+            <a:endParaRPr lang="en-US" sz="2000">
+              <a:latin typeface="Calibri" panose="020F0502020204030204" pitchFamily="34" charset="0"/>
+              <a:ea typeface="Calibri" panose="020F0502020204030204" pitchFamily="34" charset="0"/>
+              <a:cs typeface="Calibri" panose="020F0502020204030204" pitchFamily="34" charset="0"/>
+            </a:endParaRPr>
+          </a:p>
+          <a:p>
+            <a:pPr marL="800100" lvl="1" indent="-342900" algn="just">
+              <a:buFont typeface="Wingdings" panose="05000000000000000000" pitchFamily="2" charset="2"/>
+              <a:buChar char="v"/>
+            </a:pPr>
+            <a:r>
+              <a:rPr lang="en-US" sz="2000">
+                <a:latin typeface="Calibri" panose="020F0502020204030204" pitchFamily="34" charset="0"/>
+                <a:ea typeface="Calibri" panose="020F0502020204030204" pitchFamily="34" charset="0"/>
+                <a:cs typeface="Calibri" panose="020F0502020204030204" pitchFamily="34" charset="0"/>
+              </a:rPr>
+              <a:t>Ư</a:t>
+            </a:r>
+            <a:r>
+              <a:rPr lang="vi-VN" sz="2000">
+                <a:latin typeface="Calibri" panose="020F0502020204030204" pitchFamily="34" charset="0"/>
+                <a:ea typeface="Calibri" panose="020F0502020204030204" pitchFamily="34" charset="0"/>
+                <a:cs typeface="Calibri" panose="020F0502020204030204" pitchFamily="34" charset="0"/>
+              </a:rPr>
+              <a:t>u điểm của </a:t>
+            </a:r>
+            <a:r>
+              <a:rPr lang="en-US" sz="2000">
+                <a:latin typeface="Calibri" panose="020F0502020204030204" pitchFamily="34" charset="0"/>
+                <a:ea typeface="Calibri" panose="020F0502020204030204" pitchFamily="34" charset="0"/>
+                <a:cs typeface="Calibri" panose="020F0502020204030204" pitchFamily="34" charset="0"/>
+              </a:rPr>
+              <a:t>thuật toán </a:t>
+            </a:r>
+            <a:r>
+              <a:rPr lang="vi-VN" sz="2000">
+                <a:latin typeface="Calibri" panose="020F0502020204030204" pitchFamily="34" charset="0"/>
+                <a:ea typeface="Calibri" panose="020F0502020204030204" pitchFamily="34" charset="0"/>
+                <a:cs typeface="Calibri" panose="020F0502020204030204" pitchFamily="34" charset="0"/>
+              </a:rPr>
+              <a:t>ALS là nó có thể xử lý dữ liệu bị thiếu và có thể mở rộng để xử lý dữ liệu lớn.</a:t>
+            </a:r>
+            <a:endParaRPr lang="en-US" sz="2000">
+              <a:latin typeface="Calibri" panose="020F0502020204030204" pitchFamily="34" charset="0"/>
+              <a:ea typeface="Calibri" panose="020F0502020204030204" pitchFamily="34" charset="0"/>
+              <a:cs typeface="Calibri" panose="020F0502020204030204" pitchFamily="34" charset="0"/>
+            </a:endParaRPr>
+          </a:p>
+        </p:txBody>
+      </p:sp>
+    </p:spTree>
+    <p:extLst>
+      <p:ext uri="{BB962C8B-B14F-4D97-AF65-F5344CB8AC3E}">
+        <p14:creationId xmlns:p14="http://schemas.microsoft.com/office/powerpoint/2010/main" val="4065440875"/>
+      </p:ext>
+    </p:extLst>
+  </p:cSld>
+  <p:clrMapOvr>
+    <a:masterClrMapping/>
+  </p:clrMapOvr>
+</p:sld>
+</file>
+
+<file path=ppt/slides/slide15.xml><?xml version="1.0" encoding="utf-8"?>
+<p:sld xmlns:a="http://schemas.openxmlformats.org/drawingml/2006/main" xmlns:r="http://schemas.openxmlformats.org/officeDocument/2006/relationships" xmlns:p="http://schemas.openxmlformats.org/presentationml/2006/main">
+  <p:cSld>
+    <p:spTree>
+      <p:nvGrpSpPr>
+        <p:cNvPr id="1" name=""/>
+        <p:cNvGrpSpPr/>
+        <p:nvPr/>
+      </p:nvGrpSpPr>
+      <p:grpSpPr>
+        <a:xfrm>
+          <a:off x="0" y="0"/>
+          <a:ext cx="0" cy="0"/>
+          <a:chOff x="0" y="0"/>
+          <a:chExt cx="0" cy="0"/>
+        </a:xfrm>
+      </p:grpSpPr>
+      <p:sp>
+        <p:nvSpPr>
+          <p:cNvPr id="12" name="Google Shape;257;p26">
+            <a:extLst>
+              <a:ext uri="{FF2B5EF4-FFF2-40B4-BE49-F238E27FC236}">
+                <a16:creationId xmlns:a16="http://schemas.microsoft.com/office/drawing/2014/main" id="{295370E5-090A-446F-B3BE-66ADEAB6EC8C}"/>
+              </a:ext>
+            </a:extLst>
+          </p:cNvPr>
+          <p:cNvSpPr txBox="1">
+            <a:spLocks noGrp="1"/>
+          </p:cNvSpPr>
+          <p:nvPr>
+            <p:ph type="subTitle" idx="1"/>
+          </p:nvPr>
+        </p:nvSpPr>
+        <p:spPr>
+          <a:xfrm>
+            <a:off x="1591205" y="1697567"/>
+            <a:ext cx="7767637" cy="1096963"/>
+          </a:xfrm>
+          <a:prstGeom prst="rect">
+            <a:avLst/>
+          </a:prstGeom>
+          <a:solidFill>
+            <a:schemeClr val="accent1">
+              <a:lumMod val="40000"/>
+              <a:lumOff val="60000"/>
+            </a:schemeClr>
+          </a:solidFill>
+        </p:spPr>
+        <p:txBody>
+          <a:bodyPr spcFirstLastPara="1" wrap="square" lIns="91425" tIns="91425" rIns="91425" bIns="91425" anchor="ctr" anchorCtr="0">
+            <a:noAutofit/>
+          </a:bodyPr>
+          <a:lstStyle/>
+          <a:p>
+            <a:pPr marL="0" lvl="0" indent="0" algn="ctr" rtl="0">
+              <a:spcBef>
+                <a:spcPts val="0"/>
+              </a:spcBef>
+              <a:spcAft>
+                <a:spcPts val="0"/>
+              </a:spcAft>
+              <a:buNone/>
+            </a:pPr>
+            <a:r>
+              <a:rPr lang="en" sz="5900">
+                <a:latin typeface="Calibri" panose="020F0502020204030204" pitchFamily="34" charset="0"/>
+                <a:ea typeface="Calibri" panose="020F0502020204030204" pitchFamily="34" charset="0"/>
+                <a:cs typeface="Calibri" panose="020F0502020204030204" pitchFamily="34" charset="0"/>
+              </a:rPr>
+              <a:t>PHẦN 3</a:t>
+            </a:r>
+            <a:endParaRPr sz="5900">
+              <a:latin typeface="Calibri" panose="020F0502020204030204" pitchFamily="34" charset="0"/>
+              <a:ea typeface="Calibri" panose="020F0502020204030204" pitchFamily="34" charset="0"/>
+              <a:cs typeface="Calibri" panose="020F0502020204030204" pitchFamily="34" charset="0"/>
+            </a:endParaRPr>
+          </a:p>
+        </p:txBody>
+      </p:sp>
+      <p:sp>
+        <p:nvSpPr>
+          <p:cNvPr id="13" name="Google Shape;258;p26">
+            <a:extLst>
+              <a:ext uri="{FF2B5EF4-FFF2-40B4-BE49-F238E27FC236}">
+                <a16:creationId xmlns:a16="http://schemas.microsoft.com/office/drawing/2014/main" id="{977CF09D-0818-41A9-B72A-A7319CC1AD31}"/>
+              </a:ext>
+            </a:extLst>
+          </p:cNvPr>
+          <p:cNvSpPr txBox="1">
+            <a:spLocks/>
+          </p:cNvSpPr>
+          <p:nvPr/>
+        </p:nvSpPr>
+        <p:spPr>
+          <a:xfrm>
+            <a:off x="1591204" y="3135849"/>
+            <a:ext cx="7767637" cy="2672283"/>
+          </a:xfrm>
+          <a:prstGeom prst="rect">
+            <a:avLst/>
+          </a:prstGeom>
+        </p:spPr>
+        <p:txBody>
+          <a:bodyPr spcFirstLastPara="1" vert="horz" wrap="square" lIns="91425" tIns="91425" rIns="91425" bIns="91425" rtlCol="0" anchor="ctr" anchorCtr="0">
+            <a:noAutofit/>
+          </a:bodyPr>
+          <a:lstStyle>
+            <a:lvl1pPr algn="r" defTabSz="457200" rtl="0" eaLnBrk="1" latinLnBrk="0" hangingPunct="1">
+              <a:spcBef>
+                <a:spcPct val="0"/>
+              </a:spcBef>
+              <a:buNone/>
+              <a:defRPr sz="5400" kern="1200">
+                <a:solidFill>
+                  <a:schemeClr val="accent1"/>
+                </a:solidFill>
+                <a:latin typeface="+mj-lt"/>
+                <a:ea typeface="+mj-ea"/>
+                <a:cs typeface="+mj-cs"/>
+              </a:defRPr>
+            </a:lvl1pPr>
+            <a:lvl2pPr eaLnBrk="1" hangingPunct="1">
+              <a:defRPr>
+                <a:solidFill>
+                  <a:schemeClr val="tx2"/>
+                </a:solidFill>
+              </a:defRPr>
+            </a:lvl2pPr>
+            <a:lvl3pPr eaLnBrk="1" hangingPunct="1">
+              <a:defRPr>
+                <a:solidFill>
+                  <a:schemeClr val="tx2"/>
+                </a:solidFill>
+              </a:defRPr>
+            </a:lvl3pPr>
+            <a:lvl4pPr eaLnBrk="1" hangingPunct="1">
+              <a:defRPr>
+                <a:solidFill>
+                  <a:schemeClr val="tx2"/>
+                </a:solidFill>
+              </a:defRPr>
+            </a:lvl4pPr>
+            <a:lvl5pPr eaLnBrk="1" hangingPunct="1">
+              <a:defRPr>
+                <a:solidFill>
+                  <a:schemeClr val="tx2"/>
+                </a:solidFill>
+              </a:defRPr>
+            </a:lvl5pPr>
+            <a:lvl6pPr eaLnBrk="1" hangingPunct="1">
+              <a:defRPr>
+                <a:solidFill>
+                  <a:schemeClr val="tx2"/>
+                </a:solidFill>
+              </a:defRPr>
+            </a:lvl6pPr>
+            <a:lvl7pPr eaLnBrk="1" hangingPunct="1">
+              <a:defRPr>
+                <a:solidFill>
+                  <a:schemeClr val="tx2"/>
+                </a:solidFill>
+              </a:defRPr>
+            </a:lvl7pPr>
+            <a:lvl8pPr eaLnBrk="1" hangingPunct="1">
+              <a:defRPr>
+                <a:solidFill>
+                  <a:schemeClr val="tx2"/>
+                </a:solidFill>
+              </a:defRPr>
+            </a:lvl8pPr>
+            <a:lvl9pPr eaLnBrk="1" hangingPunct="1">
+              <a:defRPr>
+                <a:solidFill>
+                  <a:schemeClr val="tx2"/>
+                </a:solidFill>
+              </a:defRPr>
+            </a:lvl9pPr>
+          </a:lstStyle>
+          <a:p>
+            <a:pPr algn="ctr">
+              <a:spcBef>
+                <a:spcPts val="0"/>
+              </a:spcBef>
+            </a:pPr>
+            <a:r>
+              <a:rPr lang="en-US" sz="5000">
+                <a:latin typeface="Calibri" panose="020F0502020204030204" pitchFamily="34" charset="0"/>
+                <a:ea typeface="Calibri" panose="020F0502020204030204" pitchFamily="34" charset="0"/>
+                <a:cs typeface="Calibri" panose="020F0502020204030204" pitchFamily="34" charset="0"/>
+              </a:rPr>
+              <a:t>Khảo sát hệ thống </a:t>
+            </a:r>
+          </a:p>
+          <a:p>
+            <a:pPr algn="ctr">
+              <a:spcBef>
+                <a:spcPts val="0"/>
+              </a:spcBef>
+            </a:pPr>
+            <a:r>
+              <a:rPr lang="en-US" sz="5000">
+                <a:latin typeface="Calibri" panose="020F0502020204030204" pitchFamily="34" charset="0"/>
+                <a:ea typeface="Calibri" panose="020F0502020204030204" pitchFamily="34" charset="0"/>
+                <a:cs typeface="Calibri" panose="020F0502020204030204" pitchFamily="34" charset="0"/>
+              </a:rPr>
+              <a:t>khuyến nghị trên một số </a:t>
+            </a:r>
+          </a:p>
+          <a:p>
+            <a:pPr algn="ctr">
+              <a:spcBef>
+                <a:spcPts val="0"/>
+              </a:spcBef>
+            </a:pPr>
+            <a:r>
+              <a:rPr lang="en-US" sz="5000">
+                <a:latin typeface="Calibri" panose="020F0502020204030204" pitchFamily="34" charset="0"/>
+                <a:ea typeface="Calibri" panose="020F0502020204030204" pitchFamily="34" charset="0"/>
+                <a:cs typeface="Calibri" panose="020F0502020204030204" pitchFamily="34" charset="0"/>
+              </a:rPr>
+              <a:t>trang web xem phim</a:t>
+            </a:r>
+          </a:p>
+        </p:txBody>
+      </p:sp>
+    </p:spTree>
+    <p:extLst>
+      <p:ext uri="{BB962C8B-B14F-4D97-AF65-F5344CB8AC3E}">
+        <p14:creationId xmlns:p14="http://schemas.microsoft.com/office/powerpoint/2010/main" val="3735051220"/>
+      </p:ext>
+    </p:extLst>
+  </p:cSld>
+  <p:clrMapOvr>
+    <a:masterClrMapping/>
+  </p:clrMapOvr>
+</p:sld>
+</file>
+
+<file path=ppt/slides/slide16.xml><?xml version="1.0" encoding="utf-8"?>
+<p:sld xmlns:a="http://schemas.openxmlformats.org/drawingml/2006/main" xmlns:r="http://schemas.openxmlformats.org/officeDocument/2006/relationships" xmlns:p="http://schemas.openxmlformats.org/presentationml/2006/main">
+  <p:cSld>
+    <p:spTree>
+      <p:nvGrpSpPr>
+        <p:cNvPr id="1" name=""/>
+        <p:cNvGrpSpPr/>
+        <p:nvPr/>
+      </p:nvGrpSpPr>
+      <p:grpSpPr>
+        <a:xfrm>
+          <a:off x="0" y="0"/>
+          <a:ext cx="0" cy="0"/>
+          <a:chOff x="0" y="0"/>
+          <a:chExt cx="0" cy="0"/>
+        </a:xfrm>
+      </p:grpSpPr>
+      <p:sp>
+        <p:nvSpPr>
+          <p:cNvPr id="5" name="Title 4">
+            <a:extLst>
+              <a:ext uri="{FF2B5EF4-FFF2-40B4-BE49-F238E27FC236}">
+                <a16:creationId xmlns:a16="http://schemas.microsoft.com/office/drawing/2014/main" id="{4A39987D-1D3D-497E-BC78-9460D0A07B22}"/>
+              </a:ext>
+            </a:extLst>
+          </p:cNvPr>
+          <p:cNvSpPr>
+            <a:spLocks noGrp="1"/>
+          </p:cNvSpPr>
+          <p:nvPr>
+            <p:ph type="ctrTitle"/>
+          </p:nvPr>
+        </p:nvSpPr>
+        <p:spPr>
+          <a:xfrm>
+            <a:off x="904455" y="1173099"/>
+            <a:ext cx="7763933" cy="825035"/>
+          </a:xfrm>
+        </p:spPr>
+        <p:txBody>
+          <a:bodyPr/>
+          <a:lstStyle/>
+          <a:p>
+            <a:pPr algn="l"/>
+            <a:r>
+              <a:rPr lang="en-US">
+                <a:latin typeface="Calibri" panose="020F0502020204030204" pitchFamily="34" charset="0"/>
+                <a:ea typeface="Calibri" panose="020F0502020204030204" pitchFamily="34" charset="0"/>
+                <a:cs typeface="Calibri" panose="020F0502020204030204" pitchFamily="34" charset="0"/>
+              </a:rPr>
+              <a:t>Netflix</a:t>
+            </a:r>
+          </a:p>
+        </p:txBody>
+      </p:sp>
+      <p:sp>
+        <p:nvSpPr>
+          <p:cNvPr id="7" name="Subtitle 6">
+            <a:extLst>
+              <a:ext uri="{FF2B5EF4-FFF2-40B4-BE49-F238E27FC236}">
+                <a16:creationId xmlns:a16="http://schemas.microsoft.com/office/drawing/2014/main" id="{387756A3-BAFE-45B0-A123-3DCB9F8DBA22}"/>
+              </a:ext>
+            </a:extLst>
+          </p:cNvPr>
+          <p:cNvSpPr>
+            <a:spLocks noGrp="1"/>
+          </p:cNvSpPr>
+          <p:nvPr>
+            <p:ph type="subTitle" idx="1"/>
+          </p:nvPr>
+        </p:nvSpPr>
+        <p:spPr>
+          <a:xfrm>
+            <a:off x="904455" y="1998134"/>
+            <a:ext cx="7763933" cy="2734266"/>
           </a:xfrm>
         </p:spPr>
         <p:txBody>
@@ -6626,9 +7689,336 @@
   <p:clrMapOvr>
     <a:masterClrMapping/>
   </p:clrMapOvr>
-  <p:transition spd="slow">
-    <p:push/>
-  </p:transition>
+</p:sld>
+</file>
+
+<file path=ppt/slides/slide17.xml><?xml version="1.0" encoding="utf-8"?>
+<p:sld xmlns:a="http://schemas.openxmlformats.org/drawingml/2006/main" xmlns:r="http://schemas.openxmlformats.org/officeDocument/2006/relationships" xmlns:p="http://schemas.openxmlformats.org/presentationml/2006/main">
+  <p:cSld>
+    <p:spTree>
+      <p:nvGrpSpPr>
+        <p:cNvPr id="1" name=""/>
+        <p:cNvGrpSpPr/>
+        <p:nvPr/>
+      </p:nvGrpSpPr>
+      <p:grpSpPr>
+        <a:xfrm>
+          <a:off x="0" y="0"/>
+          <a:ext cx="0" cy="0"/>
+          <a:chOff x="0" y="0"/>
+          <a:chExt cx="0" cy="0"/>
+        </a:xfrm>
+      </p:grpSpPr>
+      <p:sp>
+        <p:nvSpPr>
+          <p:cNvPr id="5" name="Title 4">
+            <a:extLst>
+              <a:ext uri="{FF2B5EF4-FFF2-40B4-BE49-F238E27FC236}">
+                <a16:creationId xmlns:a16="http://schemas.microsoft.com/office/drawing/2014/main" id="{4A39987D-1D3D-497E-BC78-9460D0A07B22}"/>
+              </a:ext>
+            </a:extLst>
+          </p:cNvPr>
+          <p:cNvSpPr>
+            <a:spLocks noGrp="1"/>
+          </p:cNvSpPr>
+          <p:nvPr>
+            <p:ph type="ctrTitle"/>
+          </p:nvPr>
+        </p:nvSpPr>
+        <p:spPr>
+          <a:xfrm>
+            <a:off x="904455" y="1173099"/>
+            <a:ext cx="7763933" cy="825035"/>
+          </a:xfrm>
+        </p:spPr>
+        <p:txBody>
+          <a:bodyPr/>
+          <a:lstStyle/>
+          <a:p>
+            <a:pPr algn="l"/>
+            <a:r>
+              <a:rPr lang="en-US">
+                <a:latin typeface="Calibri" panose="020F0502020204030204" pitchFamily="34" charset="0"/>
+                <a:ea typeface="Calibri" panose="020F0502020204030204" pitchFamily="34" charset="0"/>
+                <a:cs typeface="Calibri" panose="020F0502020204030204" pitchFamily="34" charset="0"/>
+              </a:rPr>
+              <a:t>FPT Play</a:t>
+            </a:r>
+          </a:p>
+        </p:txBody>
+      </p:sp>
+      <p:sp>
+        <p:nvSpPr>
+          <p:cNvPr id="7" name="Subtitle 6">
+            <a:extLst>
+              <a:ext uri="{FF2B5EF4-FFF2-40B4-BE49-F238E27FC236}">
+                <a16:creationId xmlns:a16="http://schemas.microsoft.com/office/drawing/2014/main" id="{387756A3-BAFE-45B0-A123-3DCB9F8DBA22}"/>
+              </a:ext>
+            </a:extLst>
+          </p:cNvPr>
+          <p:cNvSpPr>
+            <a:spLocks noGrp="1"/>
+          </p:cNvSpPr>
+          <p:nvPr>
+            <p:ph type="subTitle" idx="1"/>
+          </p:nvPr>
+        </p:nvSpPr>
+        <p:spPr>
+          <a:xfrm>
+            <a:off x="904455" y="1998134"/>
+            <a:ext cx="7763933" cy="2734266"/>
+          </a:xfrm>
+        </p:spPr>
+        <p:txBody>
+          <a:bodyPr>
+            <a:noAutofit/>
+          </a:bodyPr>
+          <a:lstStyle/>
+          <a:p>
+            <a:pPr lvl="1" algn="just"/>
+            <a:endParaRPr lang="en-US" sz="2000">
+              <a:latin typeface="Calibri" panose="020F0502020204030204" pitchFamily="34" charset="0"/>
+              <a:ea typeface="Calibri" panose="020F0502020204030204" pitchFamily="34" charset="0"/>
+              <a:cs typeface="Calibri" panose="020F0502020204030204" pitchFamily="34" charset="0"/>
+            </a:endParaRPr>
+          </a:p>
+        </p:txBody>
+      </p:sp>
+    </p:spTree>
+    <p:extLst>
+      <p:ext uri="{BB962C8B-B14F-4D97-AF65-F5344CB8AC3E}">
+        <p14:creationId xmlns:p14="http://schemas.microsoft.com/office/powerpoint/2010/main" val="1585328655"/>
+      </p:ext>
+    </p:extLst>
+  </p:cSld>
+  <p:clrMapOvr>
+    <a:masterClrMapping/>
+  </p:clrMapOvr>
+</p:sld>
+</file>
+
+<file path=ppt/slides/slide18.xml><?xml version="1.0" encoding="utf-8"?>
+<p:sld xmlns:a="http://schemas.openxmlformats.org/drawingml/2006/main" xmlns:r="http://schemas.openxmlformats.org/officeDocument/2006/relationships" xmlns:p="http://schemas.openxmlformats.org/presentationml/2006/main">
+  <p:cSld>
+    <p:spTree>
+      <p:nvGrpSpPr>
+        <p:cNvPr id="1" name=""/>
+        <p:cNvGrpSpPr/>
+        <p:nvPr/>
+      </p:nvGrpSpPr>
+      <p:grpSpPr>
+        <a:xfrm>
+          <a:off x="0" y="0"/>
+          <a:ext cx="0" cy="0"/>
+          <a:chOff x="0" y="0"/>
+          <a:chExt cx="0" cy="0"/>
+        </a:xfrm>
+      </p:grpSpPr>
+      <p:sp>
+        <p:nvSpPr>
+          <p:cNvPr id="5" name="Title 4">
+            <a:extLst>
+              <a:ext uri="{FF2B5EF4-FFF2-40B4-BE49-F238E27FC236}">
+                <a16:creationId xmlns:a16="http://schemas.microsoft.com/office/drawing/2014/main" id="{4A39987D-1D3D-497E-BC78-9460D0A07B22}"/>
+              </a:ext>
+            </a:extLst>
+          </p:cNvPr>
+          <p:cNvSpPr>
+            <a:spLocks noGrp="1"/>
+          </p:cNvSpPr>
+          <p:nvPr>
+            <p:ph type="ctrTitle"/>
+          </p:nvPr>
+        </p:nvSpPr>
+        <p:spPr>
+          <a:xfrm>
+            <a:off x="904455" y="1173099"/>
+            <a:ext cx="7763933" cy="825035"/>
+          </a:xfrm>
+        </p:spPr>
+        <p:txBody>
+          <a:bodyPr/>
+          <a:lstStyle/>
+          <a:p>
+            <a:pPr algn="l"/>
+            <a:r>
+              <a:rPr lang="en-US">
+                <a:latin typeface="Calibri" panose="020F0502020204030204" pitchFamily="34" charset="0"/>
+                <a:ea typeface="Calibri" panose="020F0502020204030204" pitchFamily="34" charset="0"/>
+                <a:cs typeface="Calibri" panose="020F0502020204030204" pitchFamily="34" charset="0"/>
+              </a:rPr>
+              <a:t>Zing TV</a:t>
+            </a:r>
+          </a:p>
+        </p:txBody>
+      </p:sp>
+      <p:sp>
+        <p:nvSpPr>
+          <p:cNvPr id="7" name="Subtitle 6">
+            <a:extLst>
+              <a:ext uri="{FF2B5EF4-FFF2-40B4-BE49-F238E27FC236}">
+                <a16:creationId xmlns:a16="http://schemas.microsoft.com/office/drawing/2014/main" id="{387756A3-BAFE-45B0-A123-3DCB9F8DBA22}"/>
+              </a:ext>
+            </a:extLst>
+          </p:cNvPr>
+          <p:cNvSpPr>
+            <a:spLocks noGrp="1"/>
+          </p:cNvSpPr>
+          <p:nvPr>
+            <p:ph type="subTitle" idx="1"/>
+          </p:nvPr>
+        </p:nvSpPr>
+        <p:spPr>
+          <a:xfrm>
+            <a:off x="904455" y="1998134"/>
+            <a:ext cx="7763933" cy="2734266"/>
+          </a:xfrm>
+        </p:spPr>
+        <p:txBody>
+          <a:bodyPr>
+            <a:noAutofit/>
+          </a:bodyPr>
+          <a:lstStyle/>
+          <a:p>
+            <a:pPr lvl="1" algn="just"/>
+            <a:endParaRPr lang="en-US" sz="2000">
+              <a:latin typeface="Calibri" panose="020F0502020204030204" pitchFamily="34" charset="0"/>
+              <a:ea typeface="Calibri" panose="020F0502020204030204" pitchFamily="34" charset="0"/>
+              <a:cs typeface="Calibri" panose="020F0502020204030204" pitchFamily="34" charset="0"/>
+            </a:endParaRPr>
+          </a:p>
+        </p:txBody>
+      </p:sp>
+    </p:spTree>
+    <p:extLst>
+      <p:ext uri="{BB962C8B-B14F-4D97-AF65-F5344CB8AC3E}">
+        <p14:creationId xmlns:p14="http://schemas.microsoft.com/office/powerpoint/2010/main" val="1635184914"/>
+      </p:ext>
+    </p:extLst>
+  </p:cSld>
+  <p:clrMapOvr>
+    <a:masterClrMapping/>
+  </p:clrMapOvr>
+</p:sld>
+</file>
+
+<file path=ppt/slides/slide19.xml><?xml version="1.0" encoding="utf-8"?>
+<p:sld xmlns:a="http://schemas.openxmlformats.org/drawingml/2006/main" xmlns:r="http://schemas.openxmlformats.org/officeDocument/2006/relationships" xmlns:p="http://schemas.openxmlformats.org/presentationml/2006/main">
+  <p:cSld>
+    <p:spTree>
+      <p:nvGrpSpPr>
+        <p:cNvPr id="1" name=""/>
+        <p:cNvGrpSpPr/>
+        <p:nvPr/>
+      </p:nvGrpSpPr>
+      <p:grpSpPr>
+        <a:xfrm>
+          <a:off x="0" y="0"/>
+          <a:ext cx="0" cy="0"/>
+          <a:chOff x="0" y="0"/>
+          <a:chExt cx="0" cy="0"/>
+        </a:xfrm>
+      </p:grpSpPr>
+      <p:sp>
+        <p:nvSpPr>
+          <p:cNvPr id="5" name="Title 4">
+            <a:extLst>
+              <a:ext uri="{FF2B5EF4-FFF2-40B4-BE49-F238E27FC236}">
+                <a16:creationId xmlns:a16="http://schemas.microsoft.com/office/drawing/2014/main" id="{4A39987D-1D3D-497E-BC78-9460D0A07B22}"/>
+              </a:ext>
+            </a:extLst>
+          </p:cNvPr>
+          <p:cNvSpPr>
+            <a:spLocks noGrp="1"/>
+          </p:cNvSpPr>
+          <p:nvPr>
+            <p:ph type="ctrTitle"/>
+          </p:nvPr>
+        </p:nvSpPr>
+        <p:spPr>
+          <a:xfrm>
+            <a:off x="904455" y="397933"/>
+            <a:ext cx="7763933" cy="1600201"/>
+          </a:xfrm>
+        </p:spPr>
+        <p:txBody>
+          <a:bodyPr/>
+          <a:lstStyle/>
+          <a:p>
+            <a:pPr algn="l"/>
+            <a:r>
+              <a:rPr lang="en-US">
+                <a:latin typeface="Calibri" panose="020F0502020204030204" pitchFamily="34" charset="0"/>
+                <a:ea typeface="Calibri" panose="020F0502020204030204" pitchFamily="34" charset="0"/>
+                <a:cs typeface="Calibri" panose="020F0502020204030204" pitchFamily="34" charset="0"/>
+              </a:rPr>
+              <a:t>Nhận định chung </a:t>
+            </a:r>
+            <a:br>
+              <a:rPr lang="en-US">
+                <a:latin typeface="Calibri" panose="020F0502020204030204" pitchFamily="34" charset="0"/>
+                <a:ea typeface="Calibri" panose="020F0502020204030204" pitchFamily="34" charset="0"/>
+                <a:cs typeface="Calibri" panose="020F0502020204030204" pitchFamily="34" charset="0"/>
+              </a:rPr>
+            </a:br>
+            <a:r>
+              <a:rPr lang="en-US">
+                <a:latin typeface="Calibri" panose="020F0502020204030204" pitchFamily="34" charset="0"/>
+                <a:ea typeface="Calibri" panose="020F0502020204030204" pitchFamily="34" charset="0"/>
+                <a:cs typeface="Calibri" panose="020F0502020204030204" pitchFamily="34" charset="0"/>
+              </a:rPr>
+              <a:t>sau quá trình khảo sát</a:t>
+            </a:r>
+          </a:p>
+        </p:txBody>
+      </p:sp>
+      <p:sp>
+        <p:nvSpPr>
+          <p:cNvPr id="7" name="Subtitle 6">
+            <a:extLst>
+              <a:ext uri="{FF2B5EF4-FFF2-40B4-BE49-F238E27FC236}">
+                <a16:creationId xmlns:a16="http://schemas.microsoft.com/office/drawing/2014/main" id="{387756A3-BAFE-45B0-A123-3DCB9F8DBA22}"/>
+              </a:ext>
+            </a:extLst>
+          </p:cNvPr>
+          <p:cNvSpPr>
+            <a:spLocks noGrp="1"/>
+          </p:cNvSpPr>
+          <p:nvPr>
+            <p:ph type="subTitle" idx="1"/>
+          </p:nvPr>
+        </p:nvSpPr>
+        <p:spPr>
+          <a:xfrm>
+            <a:off x="904455" y="1998134"/>
+            <a:ext cx="7763933" cy="2734266"/>
+          </a:xfrm>
+        </p:spPr>
+        <p:txBody>
+          <a:bodyPr>
+            <a:noAutofit/>
+          </a:bodyPr>
+          <a:lstStyle/>
+          <a:p>
+            <a:pPr lvl="1" algn="just"/>
+            <a:endParaRPr lang="en-US" sz="2000">
+              <a:latin typeface="Calibri" panose="020F0502020204030204" pitchFamily="34" charset="0"/>
+              <a:ea typeface="Calibri" panose="020F0502020204030204" pitchFamily="34" charset="0"/>
+              <a:cs typeface="Calibri" panose="020F0502020204030204" pitchFamily="34" charset="0"/>
+            </a:endParaRPr>
+          </a:p>
+        </p:txBody>
+      </p:sp>
+    </p:spTree>
+    <p:extLst>
+      <p:ext uri="{BB962C8B-B14F-4D97-AF65-F5344CB8AC3E}">
+        <p14:creationId xmlns:p14="http://schemas.microsoft.com/office/powerpoint/2010/main" val="1775822348"/>
+      </p:ext>
+    </p:extLst>
+  </p:cSld>
+  <p:clrMapOvr>
+    <a:masterClrMapping/>
+  </p:clrMapOvr>
 </p:sld>
 </file>
 
@@ -6651,67 +8041,132 @@
       </p:grpSpPr>
       <p:sp>
         <p:nvSpPr>
-          <p:cNvPr id="5" name="Title 4">
+          <p:cNvPr id="8" name="Google Shape;249;p25">
             <a:extLst>
               <a:ext uri="{FF2B5EF4-FFF2-40B4-BE49-F238E27FC236}">
-                <a16:creationId xmlns:a16="http://schemas.microsoft.com/office/drawing/2014/main" id="{4A39987D-1D3D-497E-BC78-9460D0A07B22}"/>
+                <a16:creationId xmlns:a16="http://schemas.microsoft.com/office/drawing/2014/main" id="{04A24207-CF65-4071-BC9E-D2FC4129B295}"/>
               </a:ext>
             </a:extLst>
           </p:cNvPr>
-          <p:cNvSpPr>
-            <a:spLocks noGrp="1"/>
-          </p:cNvSpPr>
-          <p:nvPr>
-            <p:ph type="ctrTitle"/>
-          </p:nvPr>
+          <p:cNvSpPr txBox="1">
+            <a:spLocks/>
+          </p:cNvSpPr>
+          <p:nvPr/>
         </p:nvSpPr>
         <p:spPr>
           <a:xfrm>
-            <a:off x="924704" y="1714965"/>
-            <a:ext cx="7011566" cy="1646302"/>
+            <a:off x="1428807" y="1557867"/>
+            <a:ext cx="2341014" cy="932480"/>
           </a:xfrm>
+          <a:prstGeom prst="rect">
+            <a:avLst/>
+          </a:prstGeom>
+          <a:solidFill>
+            <a:schemeClr val="accent1">
+              <a:lumMod val="20000"/>
+              <a:lumOff val="80000"/>
+            </a:schemeClr>
+          </a:solidFill>
         </p:spPr>
         <p:txBody>
-          <a:bodyPr/>
-          <a:lstStyle/>
-          <a:p>
-            <a:pPr algn="l"/>
-            <a:r>
-              <a:rPr lang="en-US">
-                <a:latin typeface="Calibri" panose="020F0502020204030204" pitchFamily="34" charset="0"/>
-                <a:ea typeface="Calibri" panose="020F0502020204030204" pitchFamily="34" charset="0"/>
-                <a:cs typeface="Calibri" panose="020F0502020204030204" pitchFamily="34" charset="0"/>
-              </a:rPr>
-              <a:t>Giới thiệu về </a:t>
-            </a:r>
-            <a:br>
-              <a:rPr lang="en-US">
-                <a:latin typeface="Calibri" panose="020F0502020204030204" pitchFamily="34" charset="0"/>
-                <a:ea typeface="Calibri" panose="020F0502020204030204" pitchFamily="34" charset="0"/>
-                <a:cs typeface="Calibri" panose="020F0502020204030204" pitchFamily="34" charset="0"/>
-              </a:rPr>
-            </a:br>
-            <a:r>
-              <a:rPr lang="en-US">
-                <a:latin typeface="Calibri" panose="020F0502020204030204" pitchFamily="34" charset="0"/>
-                <a:ea typeface="Calibri" panose="020F0502020204030204" pitchFamily="34" charset="0"/>
-                <a:cs typeface="Calibri" panose="020F0502020204030204" pitchFamily="34" charset="0"/>
-              </a:rPr>
-              <a:t>hệ thống khuyến nghị</a:t>
-            </a:r>
-          </a:p>
-        </p:txBody>
-      </p:sp>
-      <p:sp>
-        <p:nvSpPr>
-          <p:cNvPr id="7" name="Subtitle 6">
+          <a:bodyPr spcFirstLastPara="1" wrap="square" lIns="91425" tIns="91425" rIns="91425" bIns="91425" anchor="ctr" anchorCtr="0">
+            <a:noAutofit/>
+          </a:bodyPr>
+          <a:lstStyle>
+            <a:lvl1pPr algn="l" defTabSz="457200" rtl="0" eaLnBrk="1" latinLnBrk="0" hangingPunct="1">
+              <a:spcBef>
+                <a:spcPct val="0"/>
+              </a:spcBef>
+              <a:buNone/>
+              <a:defRPr sz="3600" kern="1200">
+                <a:solidFill>
+                  <a:schemeClr val="accent1"/>
+                </a:solidFill>
+                <a:latin typeface="+mj-lt"/>
+                <a:ea typeface="+mj-ea"/>
+                <a:cs typeface="+mj-cs"/>
+              </a:defRPr>
+            </a:lvl1pPr>
+            <a:lvl2pPr eaLnBrk="1" hangingPunct="1">
+              <a:defRPr>
+                <a:solidFill>
+                  <a:schemeClr val="tx2"/>
+                </a:solidFill>
+              </a:defRPr>
+            </a:lvl2pPr>
+            <a:lvl3pPr eaLnBrk="1" hangingPunct="1">
+              <a:defRPr>
+                <a:solidFill>
+                  <a:schemeClr val="tx2"/>
+                </a:solidFill>
+              </a:defRPr>
+            </a:lvl3pPr>
+            <a:lvl4pPr eaLnBrk="1" hangingPunct="1">
+              <a:defRPr>
+                <a:solidFill>
+                  <a:schemeClr val="tx2"/>
+                </a:solidFill>
+              </a:defRPr>
+            </a:lvl4pPr>
+            <a:lvl5pPr eaLnBrk="1" hangingPunct="1">
+              <a:defRPr>
+                <a:solidFill>
+                  <a:schemeClr val="tx2"/>
+                </a:solidFill>
+              </a:defRPr>
+            </a:lvl5pPr>
+            <a:lvl6pPr eaLnBrk="1" hangingPunct="1">
+              <a:defRPr>
+                <a:solidFill>
+                  <a:schemeClr val="tx2"/>
+                </a:solidFill>
+              </a:defRPr>
+            </a:lvl6pPr>
+            <a:lvl7pPr eaLnBrk="1" hangingPunct="1">
+              <a:defRPr>
+                <a:solidFill>
+                  <a:schemeClr val="tx2"/>
+                </a:solidFill>
+              </a:defRPr>
+            </a:lvl7pPr>
+            <a:lvl8pPr eaLnBrk="1" hangingPunct="1">
+              <a:defRPr>
+                <a:solidFill>
+                  <a:schemeClr val="tx2"/>
+                </a:solidFill>
+              </a:defRPr>
+            </a:lvl8pPr>
+            <a:lvl9pPr eaLnBrk="1" hangingPunct="1">
+              <a:defRPr>
+                <a:solidFill>
+                  <a:schemeClr val="tx2"/>
+                </a:solidFill>
+              </a:defRPr>
+            </a:lvl9pPr>
+          </a:lstStyle>
+          <a:p>
+            <a:pPr algn="ctr">
+              <a:spcBef>
+                <a:spcPts val="0"/>
+              </a:spcBef>
+            </a:pPr>
+            <a:r>
+              <a:rPr lang="en"/>
+              <a:t>1</a:t>
+            </a:r>
+          </a:p>
+        </p:txBody>
+      </p:sp>
+      <p:sp>
+        <p:nvSpPr>
+          <p:cNvPr id="9" name="Google Shape;250;p25">
             <a:extLst>
               <a:ext uri="{FF2B5EF4-FFF2-40B4-BE49-F238E27FC236}">
-                <a16:creationId xmlns:a16="http://schemas.microsoft.com/office/drawing/2014/main" id="{387756A3-BAFE-45B0-A123-3DCB9F8DBA22}"/>
+                <a16:creationId xmlns:a16="http://schemas.microsoft.com/office/drawing/2014/main" id="{35D15BCF-E882-4FA0-AE6E-719E78813262}"/>
               </a:ext>
             </a:extLst>
           </p:cNvPr>
-          <p:cNvSpPr>
+          <p:cNvSpPr txBox="1">
             <a:spLocks noGrp="1"/>
           </p:cNvSpPr>
           <p:nvPr>
@@ -6720,90 +8175,509 @@
         </p:nvSpPr>
         <p:spPr>
           <a:xfrm>
-            <a:off x="924704" y="3682069"/>
-            <a:ext cx="7763933" cy="1646302"/>
+            <a:off x="3744367" y="1557866"/>
+            <a:ext cx="6229366" cy="932481"/>
           </a:xfrm>
+          <a:prstGeom prst="rect">
+            <a:avLst/>
+          </a:prstGeom>
         </p:spPr>
         <p:txBody>
-          <a:bodyPr>
+          <a:bodyPr spcFirstLastPara="1" wrap="square" lIns="91425" tIns="91425" rIns="91425" bIns="91425" anchor="ctr" anchorCtr="0">
             <a:noAutofit/>
           </a:bodyPr>
           <a:lstStyle/>
           <a:p>
-            <a:pPr algn="just"/>
-            <a:r>
-              <a:rPr lang="vi-VN" sz="2000">
-                <a:latin typeface="Calibri" panose="020F0502020204030204" pitchFamily="34" charset="0"/>
-                <a:ea typeface="Calibri" panose="020F0502020204030204" pitchFamily="34" charset="0"/>
-                <a:cs typeface="Calibri" panose="020F0502020204030204" pitchFamily="34" charset="0"/>
-              </a:rPr>
-              <a:t>Hệ thống khuyến nghị (Recommender System) hay còn </a:t>
-            </a:r>
-            <a:r>
-              <a:rPr lang="en-US" sz="2000">
-                <a:latin typeface="Calibri" panose="020F0502020204030204" pitchFamily="34" charset="0"/>
-                <a:ea typeface="Calibri" panose="020F0502020204030204" pitchFamily="34" charset="0"/>
-                <a:cs typeface="Calibri" panose="020F0502020204030204" pitchFamily="34" charset="0"/>
-              </a:rPr>
-              <a:t> </a:t>
-            </a:r>
-            <a:r>
-              <a:rPr lang="vi-VN" sz="2000">
-                <a:latin typeface="Calibri" panose="020F0502020204030204" pitchFamily="34" charset="0"/>
-                <a:ea typeface="Calibri" panose="020F0502020204030204" pitchFamily="34" charset="0"/>
-                <a:cs typeface="Calibri" panose="020F0502020204030204" pitchFamily="34" charset="0"/>
-              </a:rPr>
-              <a:t>được gọi là hệ thống tư vấn</a:t>
-            </a:r>
-            <a:r>
-              <a:rPr lang="en-US" sz="2000">
-                <a:latin typeface="Calibri" panose="020F0502020204030204" pitchFamily="34" charset="0"/>
-                <a:ea typeface="Calibri" panose="020F0502020204030204" pitchFamily="34" charset="0"/>
-                <a:cs typeface="Calibri" panose="020F0502020204030204" pitchFamily="34" charset="0"/>
-              </a:rPr>
-              <a:t>, </a:t>
-            </a:r>
-            <a:r>
-              <a:rPr lang="vi-VN" sz="2000">
-                <a:latin typeface="Calibri" panose="020F0502020204030204" pitchFamily="34" charset="0"/>
-                <a:ea typeface="Calibri" panose="020F0502020204030204" pitchFamily="34" charset="0"/>
-                <a:cs typeface="Calibri" panose="020F0502020204030204" pitchFamily="34" charset="0"/>
-              </a:rPr>
-              <a:t>là một hệ thống có nhiệm vụ chọn lọc thông tin nhằm dự đoán sở thích, mức độ phù hợp, mối quan tâm và nhu cầu của người dùng để đưa</a:t>
-            </a:r>
-            <a:r>
-              <a:rPr lang="en-US" sz="2000">
-                <a:latin typeface="Calibri" panose="020F0502020204030204" pitchFamily="34" charset="0"/>
-                <a:ea typeface="Calibri" panose="020F0502020204030204" pitchFamily="34" charset="0"/>
-                <a:cs typeface="Calibri" panose="020F0502020204030204" pitchFamily="34" charset="0"/>
-              </a:rPr>
-              <a:t> </a:t>
-            </a:r>
-            <a:r>
-              <a:rPr lang="vi-VN" sz="2000">
-                <a:latin typeface="Calibri" panose="020F0502020204030204" pitchFamily="34" charset="0"/>
-                <a:ea typeface="Calibri" panose="020F0502020204030204" pitchFamily="34" charset="0"/>
-                <a:cs typeface="Calibri" panose="020F0502020204030204" pitchFamily="34" charset="0"/>
-              </a:rPr>
-              <a:t>ra một hoặc nhiều mục, sản phẩm, dịch vụ mà người dùng sẽ quan tâm với xác suất</a:t>
-            </a:r>
-            <a:r>
-              <a:rPr lang="en-US" sz="2000">
-                <a:latin typeface="Calibri" panose="020F0502020204030204" pitchFamily="34" charset="0"/>
-                <a:ea typeface="Calibri" panose="020F0502020204030204" pitchFamily="34" charset="0"/>
-                <a:cs typeface="Calibri" panose="020F0502020204030204" pitchFamily="34" charset="0"/>
-              </a:rPr>
-              <a:t> là</a:t>
-            </a:r>
-            <a:r>
-              <a:rPr lang="vi-VN" sz="2000">
-                <a:latin typeface="Calibri" panose="020F0502020204030204" pitchFamily="34" charset="0"/>
-                <a:ea typeface="Calibri" panose="020F0502020204030204" pitchFamily="34" charset="0"/>
-                <a:cs typeface="Calibri" panose="020F0502020204030204" pitchFamily="34" charset="0"/>
-              </a:rPr>
-              <a:t> lớn nhất </a:t>
-            </a:r>
-            <a:endParaRPr lang="en-US" sz="2000">
+            <a:pPr marL="0" lvl="0" indent="0" algn="l" rtl="0">
+              <a:spcBef>
+                <a:spcPts val="0"/>
+              </a:spcBef>
+              <a:spcAft>
+                <a:spcPts val="0"/>
+              </a:spcAft>
+              <a:buNone/>
+            </a:pPr>
+            <a:r>
+              <a:rPr lang="en-US" sz="2200" b="1">
+                <a:latin typeface="Calibri" panose="020F0502020204030204" pitchFamily="34" charset="0"/>
+                <a:ea typeface="Calibri" panose="020F0502020204030204" pitchFamily="34" charset="0"/>
+                <a:cs typeface="Calibri" panose="020F0502020204030204" pitchFamily="34" charset="0"/>
+              </a:rPr>
+              <a:t>Giới thiệu về hệ thống khuyến nghị</a:t>
+            </a:r>
+          </a:p>
+          <a:p>
+            <a:pPr marL="285750" lvl="0" indent="-285750" algn="l" rtl="0">
+              <a:spcBef>
+                <a:spcPts val="0"/>
+              </a:spcBef>
+              <a:spcAft>
+                <a:spcPts val="0"/>
+              </a:spcAft>
+              <a:buFont typeface="Wingdings" panose="05000000000000000000" pitchFamily="2" charset="2"/>
+              <a:buChar char="v"/>
+            </a:pPr>
+            <a:r>
+              <a:rPr lang="en-US" sz="2200">
+                <a:latin typeface="Calibri" panose="020F0502020204030204" pitchFamily="34" charset="0"/>
+                <a:ea typeface="Calibri" panose="020F0502020204030204" pitchFamily="34" charset="0"/>
+                <a:cs typeface="Calibri" panose="020F0502020204030204" pitchFamily="34" charset="0"/>
+              </a:rPr>
+              <a:t>Giới thiệu, Lý thuyết bài toán khuyến nghị</a:t>
+            </a:r>
+          </a:p>
+          <a:p>
+            <a:pPr marL="285750" lvl="0" indent="-285750" algn="l" rtl="0">
+              <a:spcBef>
+                <a:spcPts val="0"/>
+              </a:spcBef>
+              <a:spcAft>
+                <a:spcPts val="0"/>
+              </a:spcAft>
+              <a:buFont typeface="Wingdings" panose="05000000000000000000" pitchFamily="2" charset="2"/>
+              <a:buChar char="v"/>
+            </a:pPr>
+            <a:r>
+              <a:rPr lang="en-US" sz="2200">
+                <a:latin typeface="Calibri" panose="020F0502020204030204" pitchFamily="34" charset="0"/>
+                <a:ea typeface="Calibri" panose="020F0502020204030204" pitchFamily="34" charset="0"/>
+                <a:cs typeface="Calibri" panose="020F0502020204030204" pitchFamily="34" charset="0"/>
+              </a:rPr>
+              <a:t>Các hướng tiếp cận</a:t>
+            </a:r>
+          </a:p>
+        </p:txBody>
+      </p:sp>
+      <p:sp>
+        <p:nvSpPr>
+          <p:cNvPr id="10" name="Google Shape;249;p25">
+            <a:extLst>
+              <a:ext uri="{FF2B5EF4-FFF2-40B4-BE49-F238E27FC236}">
+                <a16:creationId xmlns:a16="http://schemas.microsoft.com/office/drawing/2014/main" id="{D87287FA-FF99-4B76-8F05-669DAA33EAB3}"/>
+              </a:ext>
+            </a:extLst>
+          </p:cNvPr>
+          <p:cNvSpPr txBox="1">
+            <a:spLocks/>
+          </p:cNvSpPr>
+          <p:nvPr/>
+        </p:nvSpPr>
+        <p:spPr>
+          <a:xfrm>
+            <a:off x="1428807" y="2893301"/>
+            <a:ext cx="2341014" cy="1610966"/>
+          </a:xfrm>
+          <a:prstGeom prst="rect">
+            <a:avLst/>
+          </a:prstGeom>
+          <a:solidFill>
+            <a:schemeClr val="accent1">
+              <a:lumMod val="20000"/>
+              <a:lumOff val="80000"/>
+            </a:schemeClr>
+          </a:solidFill>
+        </p:spPr>
+        <p:txBody>
+          <a:bodyPr spcFirstLastPara="1" wrap="square" lIns="91425" tIns="91425" rIns="91425" bIns="91425" anchor="ctr" anchorCtr="0">
+            <a:noAutofit/>
+          </a:bodyPr>
+          <a:lstStyle>
+            <a:lvl1pPr algn="l" defTabSz="457200" rtl="0" eaLnBrk="1" latinLnBrk="0" hangingPunct="1">
+              <a:spcBef>
+                <a:spcPct val="0"/>
+              </a:spcBef>
+              <a:buNone/>
+              <a:defRPr sz="3600" kern="1200">
+                <a:solidFill>
+                  <a:schemeClr val="accent1"/>
+                </a:solidFill>
+                <a:latin typeface="+mj-lt"/>
+                <a:ea typeface="+mj-ea"/>
+                <a:cs typeface="+mj-cs"/>
+              </a:defRPr>
+            </a:lvl1pPr>
+            <a:lvl2pPr eaLnBrk="1" hangingPunct="1">
+              <a:defRPr>
+                <a:solidFill>
+                  <a:schemeClr val="tx2"/>
+                </a:solidFill>
+              </a:defRPr>
+            </a:lvl2pPr>
+            <a:lvl3pPr eaLnBrk="1" hangingPunct="1">
+              <a:defRPr>
+                <a:solidFill>
+                  <a:schemeClr val="tx2"/>
+                </a:solidFill>
+              </a:defRPr>
+            </a:lvl3pPr>
+            <a:lvl4pPr eaLnBrk="1" hangingPunct="1">
+              <a:defRPr>
+                <a:solidFill>
+                  <a:schemeClr val="tx2"/>
+                </a:solidFill>
+              </a:defRPr>
+            </a:lvl4pPr>
+            <a:lvl5pPr eaLnBrk="1" hangingPunct="1">
+              <a:defRPr>
+                <a:solidFill>
+                  <a:schemeClr val="tx2"/>
+                </a:solidFill>
+              </a:defRPr>
+            </a:lvl5pPr>
+            <a:lvl6pPr eaLnBrk="1" hangingPunct="1">
+              <a:defRPr>
+                <a:solidFill>
+                  <a:schemeClr val="tx2"/>
+                </a:solidFill>
+              </a:defRPr>
+            </a:lvl6pPr>
+            <a:lvl7pPr eaLnBrk="1" hangingPunct="1">
+              <a:defRPr>
+                <a:solidFill>
+                  <a:schemeClr val="tx2"/>
+                </a:solidFill>
+              </a:defRPr>
+            </a:lvl7pPr>
+            <a:lvl8pPr eaLnBrk="1" hangingPunct="1">
+              <a:defRPr>
+                <a:solidFill>
+                  <a:schemeClr val="tx2"/>
+                </a:solidFill>
+              </a:defRPr>
+            </a:lvl8pPr>
+            <a:lvl9pPr eaLnBrk="1" hangingPunct="1">
+              <a:defRPr>
+                <a:solidFill>
+                  <a:schemeClr val="tx2"/>
+                </a:solidFill>
+              </a:defRPr>
+            </a:lvl9pPr>
+          </a:lstStyle>
+          <a:p>
+            <a:pPr algn="ctr">
+              <a:spcBef>
+                <a:spcPts val="0"/>
+              </a:spcBef>
+            </a:pPr>
+            <a:r>
+              <a:rPr lang="en"/>
+              <a:t>2</a:t>
+            </a:r>
+          </a:p>
+        </p:txBody>
+      </p:sp>
+      <p:sp>
+        <p:nvSpPr>
+          <p:cNvPr id="11" name="Google Shape;250;p25">
+            <a:extLst>
+              <a:ext uri="{FF2B5EF4-FFF2-40B4-BE49-F238E27FC236}">
+                <a16:creationId xmlns:a16="http://schemas.microsoft.com/office/drawing/2014/main" id="{85DFDBB4-891E-48EA-9993-4FD552529F05}"/>
+              </a:ext>
+            </a:extLst>
+          </p:cNvPr>
+          <p:cNvSpPr txBox="1">
+            <a:spLocks/>
+          </p:cNvSpPr>
+          <p:nvPr/>
+        </p:nvSpPr>
+        <p:spPr>
+          <a:xfrm>
+            <a:off x="3744366" y="2893301"/>
+            <a:ext cx="6229367" cy="1610966"/>
+          </a:xfrm>
+          <a:prstGeom prst="rect">
+            <a:avLst/>
+          </a:prstGeom>
+        </p:spPr>
+        <p:txBody>
+          <a:bodyPr spcFirstLastPara="1" vert="horz" wrap="square" lIns="91425" tIns="91425" rIns="91425" bIns="91425" rtlCol="0" anchor="ctr" anchorCtr="0">
+            <a:noAutofit/>
+          </a:bodyPr>
+          <a:lstStyle>
+            <a:lvl1pPr marL="0" indent="0" algn="r" defTabSz="457200" rtl="0" eaLnBrk="1" latinLnBrk="0" hangingPunct="1">
+              <a:spcBef>
+                <a:spcPts val="1000"/>
+              </a:spcBef>
+              <a:spcAft>
+                <a:spcPts val="0"/>
+              </a:spcAft>
+              <a:buClr>
+                <a:schemeClr val="accent1"/>
+              </a:buClr>
+              <a:buSzPct val="80000"/>
+              <a:buFont typeface="Wingdings 3" charset="2"/>
+              <a:buNone/>
+              <a:defRPr sz="1800" kern="1200">
+                <a:solidFill>
+                  <a:schemeClr val="tx1">
+                    <a:lumMod val="50000"/>
+                    <a:lumOff val="50000"/>
+                  </a:schemeClr>
+                </a:solidFill>
+                <a:latin typeface="+mn-lt"/>
+                <a:ea typeface="+mn-ea"/>
+                <a:cs typeface="+mn-cs"/>
+              </a:defRPr>
+            </a:lvl1pPr>
+            <a:lvl2pPr marL="457200" indent="0" algn="ctr" defTabSz="457200" rtl="0" eaLnBrk="1" latinLnBrk="0" hangingPunct="1">
+              <a:spcBef>
+                <a:spcPts val="1000"/>
+              </a:spcBef>
+              <a:spcAft>
+                <a:spcPts val="0"/>
+              </a:spcAft>
+              <a:buClr>
+                <a:schemeClr val="accent1"/>
+              </a:buClr>
+              <a:buSzPct val="80000"/>
+              <a:buFont typeface="Wingdings 3" charset="2"/>
+              <a:buNone/>
+              <a:defRPr sz="1600" kern="1200">
+                <a:solidFill>
+                  <a:schemeClr val="tx1">
+                    <a:tint val="75000"/>
+                  </a:schemeClr>
+                </a:solidFill>
+                <a:latin typeface="+mn-lt"/>
+                <a:ea typeface="+mn-ea"/>
+                <a:cs typeface="+mn-cs"/>
+              </a:defRPr>
+            </a:lvl2pPr>
+            <a:lvl3pPr marL="914400" indent="0" algn="ctr" defTabSz="457200" rtl="0" eaLnBrk="1" latinLnBrk="0" hangingPunct="1">
+              <a:spcBef>
+                <a:spcPts val="1000"/>
+              </a:spcBef>
+              <a:spcAft>
+                <a:spcPts val="0"/>
+              </a:spcAft>
+              <a:buClr>
+                <a:schemeClr val="accent1"/>
+              </a:buClr>
+              <a:buSzPct val="80000"/>
+              <a:buFont typeface="Wingdings 3" charset="2"/>
+              <a:buNone/>
+              <a:defRPr sz="1400" kern="1200">
+                <a:solidFill>
+                  <a:schemeClr val="tx1">
+                    <a:tint val="75000"/>
+                  </a:schemeClr>
+                </a:solidFill>
+                <a:latin typeface="+mn-lt"/>
+                <a:ea typeface="+mn-ea"/>
+                <a:cs typeface="+mn-cs"/>
+              </a:defRPr>
+            </a:lvl3pPr>
+            <a:lvl4pPr marL="1371600" indent="0" algn="ctr" defTabSz="457200" rtl="0" eaLnBrk="1" latinLnBrk="0" hangingPunct="1">
+              <a:spcBef>
+                <a:spcPts val="1000"/>
+              </a:spcBef>
+              <a:spcAft>
+                <a:spcPts val="0"/>
+              </a:spcAft>
+              <a:buClr>
+                <a:schemeClr val="accent1"/>
+              </a:buClr>
+              <a:buSzPct val="80000"/>
+              <a:buFont typeface="Wingdings 3" charset="2"/>
+              <a:buNone/>
+              <a:defRPr sz="1200" kern="1200">
+                <a:solidFill>
+                  <a:schemeClr val="tx1">
+                    <a:tint val="75000"/>
+                  </a:schemeClr>
+                </a:solidFill>
+                <a:latin typeface="+mn-lt"/>
+                <a:ea typeface="+mn-ea"/>
+                <a:cs typeface="+mn-cs"/>
+              </a:defRPr>
+            </a:lvl4pPr>
+            <a:lvl5pPr marL="1828800" indent="0" algn="ctr" defTabSz="457200" rtl="0" eaLnBrk="1" latinLnBrk="0" hangingPunct="1">
+              <a:spcBef>
+                <a:spcPts val="1000"/>
+              </a:spcBef>
+              <a:spcAft>
+                <a:spcPts val="0"/>
+              </a:spcAft>
+              <a:buClr>
+                <a:schemeClr val="accent1"/>
+              </a:buClr>
+              <a:buSzPct val="80000"/>
+              <a:buFont typeface="Wingdings 3" charset="2"/>
+              <a:buNone/>
+              <a:defRPr sz="1200" kern="1200">
+                <a:solidFill>
+                  <a:schemeClr val="tx1">
+                    <a:tint val="75000"/>
+                  </a:schemeClr>
+                </a:solidFill>
+                <a:latin typeface="+mn-lt"/>
+                <a:ea typeface="+mn-ea"/>
+                <a:cs typeface="+mn-cs"/>
+              </a:defRPr>
+            </a:lvl5pPr>
+            <a:lvl6pPr marL="2286000" indent="0" algn="ctr" defTabSz="457200" rtl="0" eaLnBrk="1" latinLnBrk="0" hangingPunct="1">
+              <a:spcBef>
+                <a:spcPts val="1000"/>
+              </a:spcBef>
+              <a:spcAft>
+                <a:spcPts val="0"/>
+              </a:spcAft>
+              <a:buClr>
+                <a:schemeClr val="accent1"/>
+              </a:buClr>
+              <a:buSzPct val="80000"/>
+              <a:buFont typeface="Wingdings 3" charset="2"/>
+              <a:buNone/>
+              <a:defRPr sz="1200" kern="1200">
+                <a:solidFill>
+                  <a:schemeClr val="tx1">
+                    <a:tint val="75000"/>
+                  </a:schemeClr>
+                </a:solidFill>
+                <a:latin typeface="+mn-lt"/>
+                <a:ea typeface="+mn-ea"/>
+                <a:cs typeface="+mn-cs"/>
+              </a:defRPr>
+            </a:lvl6pPr>
+            <a:lvl7pPr marL="2743200" indent="0" algn="ctr" defTabSz="457200" rtl="0" eaLnBrk="1" latinLnBrk="0" hangingPunct="1">
+              <a:spcBef>
+                <a:spcPts val="1000"/>
+              </a:spcBef>
+              <a:spcAft>
+                <a:spcPts val="0"/>
+              </a:spcAft>
+              <a:buClr>
+                <a:schemeClr val="accent1"/>
+              </a:buClr>
+              <a:buSzPct val="80000"/>
+              <a:buFont typeface="Wingdings 3" charset="2"/>
+              <a:buNone/>
+              <a:defRPr sz="1200" kern="1200">
+                <a:solidFill>
+                  <a:schemeClr val="tx1">
+                    <a:tint val="75000"/>
+                  </a:schemeClr>
+                </a:solidFill>
+                <a:latin typeface="+mn-lt"/>
+                <a:ea typeface="+mn-ea"/>
+                <a:cs typeface="+mn-cs"/>
+              </a:defRPr>
+            </a:lvl7pPr>
+            <a:lvl8pPr marL="3200400" indent="0" algn="ctr" defTabSz="457200" rtl="0" eaLnBrk="1" latinLnBrk="0" hangingPunct="1">
+              <a:spcBef>
+                <a:spcPts val="1000"/>
+              </a:spcBef>
+              <a:spcAft>
+                <a:spcPts val="0"/>
+              </a:spcAft>
+              <a:buClr>
+                <a:schemeClr val="accent1"/>
+              </a:buClr>
+              <a:buSzPct val="80000"/>
+              <a:buFont typeface="Wingdings 3" charset="2"/>
+              <a:buNone/>
+              <a:defRPr sz="1200" kern="1200">
+                <a:solidFill>
+                  <a:schemeClr val="tx1">
+                    <a:tint val="75000"/>
+                  </a:schemeClr>
+                </a:solidFill>
+                <a:latin typeface="+mn-lt"/>
+                <a:ea typeface="+mn-ea"/>
+                <a:cs typeface="+mn-cs"/>
+              </a:defRPr>
+            </a:lvl8pPr>
+            <a:lvl9pPr marL="3657600" indent="0" algn="ctr" defTabSz="457200" rtl="0" eaLnBrk="1" latinLnBrk="0" hangingPunct="1">
+              <a:spcBef>
+                <a:spcPts val="1000"/>
+              </a:spcBef>
+              <a:spcAft>
+                <a:spcPts val="0"/>
+              </a:spcAft>
+              <a:buClr>
+                <a:schemeClr val="accent1"/>
+              </a:buClr>
+              <a:buSzPct val="80000"/>
+              <a:buFont typeface="Wingdings 3" charset="2"/>
+              <a:buNone/>
+              <a:defRPr sz="1200" kern="1200">
+                <a:solidFill>
+                  <a:schemeClr val="tx1">
+                    <a:tint val="75000"/>
+                  </a:schemeClr>
+                </a:solidFill>
+                <a:latin typeface="+mn-lt"/>
+                <a:ea typeface="+mn-ea"/>
+                <a:cs typeface="+mn-cs"/>
+              </a:defRPr>
+            </a:lvl9pPr>
+          </a:lstStyle>
+          <a:p>
+            <a:pPr algn="l">
+              <a:spcBef>
+                <a:spcPts val="0"/>
+              </a:spcBef>
+            </a:pPr>
+            <a:r>
+              <a:rPr lang="en-US" sz="2200" b="1">
+                <a:latin typeface="Calibri" panose="020F0502020204030204" pitchFamily="34" charset="0"/>
+                <a:ea typeface="Calibri" panose="020F0502020204030204" pitchFamily="34" charset="0"/>
+                <a:cs typeface="Calibri" panose="020F0502020204030204" pitchFamily="34" charset="0"/>
+              </a:rPr>
+              <a:t>Một số phương pháp trong việc giải quyết bài toán khuyến nghị phim</a:t>
+            </a:r>
+          </a:p>
+          <a:p>
+            <a:pPr marL="285750" indent="-285750" algn="l">
+              <a:spcBef>
+                <a:spcPts val="0"/>
+              </a:spcBef>
+              <a:buFont typeface="Wingdings" panose="05000000000000000000" pitchFamily="2" charset="2"/>
+              <a:buChar char="v"/>
+            </a:pPr>
+            <a:r>
+              <a:rPr lang="en-US" sz="2200">
+                <a:latin typeface="Calibri" panose="020F0502020204030204" pitchFamily="34" charset="0"/>
+                <a:ea typeface="Calibri" panose="020F0502020204030204" pitchFamily="34" charset="0"/>
+                <a:cs typeface="Calibri" panose="020F0502020204030204" pitchFamily="34" charset="0"/>
+              </a:rPr>
+              <a:t>PMF (Probabilistic Matrix Factorization)</a:t>
+            </a:r>
+          </a:p>
+          <a:p>
+            <a:pPr marL="285750" indent="-285750" algn="l">
+              <a:spcBef>
+                <a:spcPts val="0"/>
+              </a:spcBef>
+              <a:buFont typeface="Wingdings" panose="05000000000000000000" pitchFamily="2" charset="2"/>
+              <a:buChar char="v"/>
+            </a:pPr>
+            <a:r>
+              <a:rPr lang="en-US" sz="2200">
+                <a:latin typeface="Calibri" panose="020F0502020204030204" pitchFamily="34" charset="0"/>
+                <a:ea typeface="Calibri" panose="020F0502020204030204" pitchFamily="34" charset="0"/>
+                <a:cs typeface="Calibri" panose="020F0502020204030204" pitchFamily="34" charset="0"/>
+              </a:rPr>
+              <a:t>BPMF (Bayesian Probabilistic Matrix Factorization)</a:t>
+            </a:r>
+          </a:p>
+          <a:p>
+            <a:pPr marL="285750" indent="-285750" algn="l">
+              <a:spcBef>
+                <a:spcPts val="0"/>
+              </a:spcBef>
+              <a:buFont typeface="Wingdings" panose="05000000000000000000" pitchFamily="2" charset="2"/>
+              <a:buChar char="v"/>
+            </a:pPr>
+            <a:r>
+              <a:rPr lang="en-US" sz="2400">
+                <a:latin typeface="Calibri" panose="020F0502020204030204" pitchFamily="34" charset="0"/>
+                <a:ea typeface="Calibri" panose="020F0502020204030204" pitchFamily="34" charset="0"/>
+                <a:cs typeface="Calibri" panose="020F0502020204030204" pitchFamily="34" charset="0"/>
+              </a:rPr>
+              <a:t>ALS (Alternating Least Squares)</a:t>
+            </a:r>
+            <a:endParaRPr lang="en-US" sz="2200">
               <a:latin typeface="Calibri" panose="020F0502020204030204" pitchFamily="34" charset="0"/>
               <a:ea typeface="Calibri" panose="020F0502020204030204" pitchFamily="34" charset="0"/>
               <a:cs typeface="Calibri" panose="020F0502020204030204" pitchFamily="34" charset="0"/>
@@ -6811,19 +8685,560 @@
           </a:p>
         </p:txBody>
       </p:sp>
+      <p:sp>
+        <p:nvSpPr>
+          <p:cNvPr id="14" name="Google Shape;249;p25">
+            <a:extLst>
+              <a:ext uri="{FF2B5EF4-FFF2-40B4-BE49-F238E27FC236}">
+                <a16:creationId xmlns:a16="http://schemas.microsoft.com/office/drawing/2014/main" id="{522636C8-3F7C-443B-AFA4-FFB33E493CB8}"/>
+              </a:ext>
+            </a:extLst>
+          </p:cNvPr>
+          <p:cNvSpPr txBox="1">
+            <a:spLocks/>
+          </p:cNvSpPr>
+          <p:nvPr/>
+        </p:nvSpPr>
+        <p:spPr>
+          <a:xfrm>
+            <a:off x="1428807" y="4786175"/>
+            <a:ext cx="2341014" cy="1610966"/>
+          </a:xfrm>
+          <a:prstGeom prst="rect">
+            <a:avLst/>
+          </a:prstGeom>
+          <a:solidFill>
+            <a:schemeClr val="accent1">
+              <a:lumMod val="20000"/>
+              <a:lumOff val="80000"/>
+            </a:schemeClr>
+          </a:solidFill>
+        </p:spPr>
+        <p:txBody>
+          <a:bodyPr spcFirstLastPara="1" wrap="square" lIns="91425" tIns="91425" rIns="91425" bIns="91425" anchor="ctr" anchorCtr="0">
+            <a:noAutofit/>
+          </a:bodyPr>
+          <a:lstStyle>
+            <a:lvl1pPr algn="l" defTabSz="457200" rtl="0" eaLnBrk="1" latinLnBrk="0" hangingPunct="1">
+              <a:spcBef>
+                <a:spcPct val="0"/>
+              </a:spcBef>
+              <a:buNone/>
+              <a:defRPr sz="3600" kern="1200">
+                <a:solidFill>
+                  <a:schemeClr val="accent1"/>
+                </a:solidFill>
+                <a:latin typeface="+mj-lt"/>
+                <a:ea typeface="+mj-ea"/>
+                <a:cs typeface="+mj-cs"/>
+              </a:defRPr>
+            </a:lvl1pPr>
+            <a:lvl2pPr eaLnBrk="1" hangingPunct="1">
+              <a:defRPr>
+                <a:solidFill>
+                  <a:schemeClr val="tx2"/>
+                </a:solidFill>
+              </a:defRPr>
+            </a:lvl2pPr>
+            <a:lvl3pPr eaLnBrk="1" hangingPunct="1">
+              <a:defRPr>
+                <a:solidFill>
+                  <a:schemeClr val="tx2"/>
+                </a:solidFill>
+              </a:defRPr>
+            </a:lvl3pPr>
+            <a:lvl4pPr eaLnBrk="1" hangingPunct="1">
+              <a:defRPr>
+                <a:solidFill>
+                  <a:schemeClr val="tx2"/>
+                </a:solidFill>
+              </a:defRPr>
+            </a:lvl4pPr>
+            <a:lvl5pPr eaLnBrk="1" hangingPunct="1">
+              <a:defRPr>
+                <a:solidFill>
+                  <a:schemeClr val="tx2"/>
+                </a:solidFill>
+              </a:defRPr>
+            </a:lvl5pPr>
+            <a:lvl6pPr eaLnBrk="1" hangingPunct="1">
+              <a:defRPr>
+                <a:solidFill>
+                  <a:schemeClr val="tx2"/>
+                </a:solidFill>
+              </a:defRPr>
+            </a:lvl6pPr>
+            <a:lvl7pPr eaLnBrk="1" hangingPunct="1">
+              <a:defRPr>
+                <a:solidFill>
+                  <a:schemeClr val="tx2"/>
+                </a:solidFill>
+              </a:defRPr>
+            </a:lvl7pPr>
+            <a:lvl8pPr eaLnBrk="1" hangingPunct="1">
+              <a:defRPr>
+                <a:solidFill>
+                  <a:schemeClr val="tx2"/>
+                </a:solidFill>
+              </a:defRPr>
+            </a:lvl8pPr>
+            <a:lvl9pPr eaLnBrk="1" hangingPunct="1">
+              <a:defRPr>
+                <a:solidFill>
+                  <a:schemeClr val="tx2"/>
+                </a:solidFill>
+              </a:defRPr>
+            </a:lvl9pPr>
+          </a:lstStyle>
+          <a:p>
+            <a:pPr algn="ctr">
+              <a:spcBef>
+                <a:spcPts val="0"/>
+              </a:spcBef>
+            </a:pPr>
+            <a:r>
+              <a:rPr lang="en"/>
+              <a:t>3</a:t>
+            </a:r>
+          </a:p>
+        </p:txBody>
+      </p:sp>
+      <p:sp>
+        <p:nvSpPr>
+          <p:cNvPr id="15" name="Google Shape;250;p25">
+            <a:extLst>
+              <a:ext uri="{FF2B5EF4-FFF2-40B4-BE49-F238E27FC236}">
+                <a16:creationId xmlns:a16="http://schemas.microsoft.com/office/drawing/2014/main" id="{A4C5792D-AABE-4A6E-B75D-70AD4CDCD37B}"/>
+              </a:ext>
+            </a:extLst>
+          </p:cNvPr>
+          <p:cNvSpPr txBox="1">
+            <a:spLocks/>
+          </p:cNvSpPr>
+          <p:nvPr/>
+        </p:nvSpPr>
+        <p:spPr>
+          <a:xfrm>
+            <a:off x="3744367" y="4786176"/>
+            <a:ext cx="6229366" cy="1610966"/>
+          </a:xfrm>
+          <a:prstGeom prst="rect">
+            <a:avLst/>
+          </a:prstGeom>
+        </p:spPr>
+        <p:txBody>
+          <a:bodyPr spcFirstLastPara="1" vert="horz" wrap="square" lIns="91425" tIns="91425" rIns="91425" bIns="91425" rtlCol="0" anchor="ctr" anchorCtr="0">
+            <a:noAutofit/>
+          </a:bodyPr>
+          <a:lstStyle>
+            <a:lvl1pPr marL="0" indent="0" algn="r" defTabSz="457200" rtl="0" eaLnBrk="1" latinLnBrk="0" hangingPunct="1">
+              <a:spcBef>
+                <a:spcPts val="1000"/>
+              </a:spcBef>
+              <a:spcAft>
+                <a:spcPts val="0"/>
+              </a:spcAft>
+              <a:buClr>
+                <a:schemeClr val="accent1"/>
+              </a:buClr>
+              <a:buSzPct val="80000"/>
+              <a:buFont typeface="Wingdings 3" charset="2"/>
+              <a:buNone/>
+              <a:defRPr sz="1800" kern="1200">
+                <a:solidFill>
+                  <a:schemeClr val="tx1">
+                    <a:lumMod val="50000"/>
+                    <a:lumOff val="50000"/>
+                  </a:schemeClr>
+                </a:solidFill>
+                <a:latin typeface="+mn-lt"/>
+                <a:ea typeface="+mn-ea"/>
+                <a:cs typeface="+mn-cs"/>
+              </a:defRPr>
+            </a:lvl1pPr>
+            <a:lvl2pPr marL="457200" indent="0" algn="ctr" defTabSz="457200" rtl="0" eaLnBrk="1" latinLnBrk="0" hangingPunct="1">
+              <a:spcBef>
+                <a:spcPts val="1000"/>
+              </a:spcBef>
+              <a:spcAft>
+                <a:spcPts val="0"/>
+              </a:spcAft>
+              <a:buClr>
+                <a:schemeClr val="accent1"/>
+              </a:buClr>
+              <a:buSzPct val="80000"/>
+              <a:buFont typeface="Wingdings 3" charset="2"/>
+              <a:buNone/>
+              <a:defRPr sz="1600" kern="1200">
+                <a:solidFill>
+                  <a:schemeClr val="tx1">
+                    <a:tint val="75000"/>
+                  </a:schemeClr>
+                </a:solidFill>
+                <a:latin typeface="+mn-lt"/>
+                <a:ea typeface="+mn-ea"/>
+                <a:cs typeface="+mn-cs"/>
+              </a:defRPr>
+            </a:lvl2pPr>
+            <a:lvl3pPr marL="914400" indent="0" algn="ctr" defTabSz="457200" rtl="0" eaLnBrk="1" latinLnBrk="0" hangingPunct="1">
+              <a:spcBef>
+                <a:spcPts val="1000"/>
+              </a:spcBef>
+              <a:spcAft>
+                <a:spcPts val="0"/>
+              </a:spcAft>
+              <a:buClr>
+                <a:schemeClr val="accent1"/>
+              </a:buClr>
+              <a:buSzPct val="80000"/>
+              <a:buFont typeface="Wingdings 3" charset="2"/>
+              <a:buNone/>
+              <a:defRPr sz="1400" kern="1200">
+                <a:solidFill>
+                  <a:schemeClr val="tx1">
+                    <a:tint val="75000"/>
+                  </a:schemeClr>
+                </a:solidFill>
+                <a:latin typeface="+mn-lt"/>
+                <a:ea typeface="+mn-ea"/>
+                <a:cs typeface="+mn-cs"/>
+              </a:defRPr>
+            </a:lvl3pPr>
+            <a:lvl4pPr marL="1371600" indent="0" algn="ctr" defTabSz="457200" rtl="0" eaLnBrk="1" latinLnBrk="0" hangingPunct="1">
+              <a:spcBef>
+                <a:spcPts val="1000"/>
+              </a:spcBef>
+              <a:spcAft>
+                <a:spcPts val="0"/>
+              </a:spcAft>
+              <a:buClr>
+                <a:schemeClr val="accent1"/>
+              </a:buClr>
+              <a:buSzPct val="80000"/>
+              <a:buFont typeface="Wingdings 3" charset="2"/>
+              <a:buNone/>
+              <a:defRPr sz="1200" kern="1200">
+                <a:solidFill>
+                  <a:schemeClr val="tx1">
+                    <a:tint val="75000"/>
+                  </a:schemeClr>
+                </a:solidFill>
+                <a:latin typeface="+mn-lt"/>
+                <a:ea typeface="+mn-ea"/>
+                <a:cs typeface="+mn-cs"/>
+              </a:defRPr>
+            </a:lvl4pPr>
+            <a:lvl5pPr marL="1828800" indent="0" algn="ctr" defTabSz="457200" rtl="0" eaLnBrk="1" latinLnBrk="0" hangingPunct="1">
+              <a:spcBef>
+                <a:spcPts val="1000"/>
+              </a:spcBef>
+              <a:spcAft>
+                <a:spcPts val="0"/>
+              </a:spcAft>
+              <a:buClr>
+                <a:schemeClr val="accent1"/>
+              </a:buClr>
+              <a:buSzPct val="80000"/>
+              <a:buFont typeface="Wingdings 3" charset="2"/>
+              <a:buNone/>
+              <a:defRPr sz="1200" kern="1200">
+                <a:solidFill>
+                  <a:schemeClr val="tx1">
+                    <a:tint val="75000"/>
+                  </a:schemeClr>
+                </a:solidFill>
+                <a:latin typeface="+mn-lt"/>
+                <a:ea typeface="+mn-ea"/>
+                <a:cs typeface="+mn-cs"/>
+              </a:defRPr>
+            </a:lvl5pPr>
+            <a:lvl6pPr marL="2286000" indent="0" algn="ctr" defTabSz="457200" rtl="0" eaLnBrk="1" latinLnBrk="0" hangingPunct="1">
+              <a:spcBef>
+                <a:spcPts val="1000"/>
+              </a:spcBef>
+              <a:spcAft>
+                <a:spcPts val="0"/>
+              </a:spcAft>
+              <a:buClr>
+                <a:schemeClr val="accent1"/>
+              </a:buClr>
+              <a:buSzPct val="80000"/>
+              <a:buFont typeface="Wingdings 3" charset="2"/>
+              <a:buNone/>
+              <a:defRPr sz="1200" kern="1200">
+                <a:solidFill>
+                  <a:schemeClr val="tx1">
+                    <a:tint val="75000"/>
+                  </a:schemeClr>
+                </a:solidFill>
+                <a:latin typeface="+mn-lt"/>
+                <a:ea typeface="+mn-ea"/>
+                <a:cs typeface="+mn-cs"/>
+              </a:defRPr>
+            </a:lvl6pPr>
+            <a:lvl7pPr marL="2743200" indent="0" algn="ctr" defTabSz="457200" rtl="0" eaLnBrk="1" latinLnBrk="0" hangingPunct="1">
+              <a:spcBef>
+                <a:spcPts val="1000"/>
+              </a:spcBef>
+              <a:spcAft>
+                <a:spcPts val="0"/>
+              </a:spcAft>
+              <a:buClr>
+                <a:schemeClr val="accent1"/>
+              </a:buClr>
+              <a:buSzPct val="80000"/>
+              <a:buFont typeface="Wingdings 3" charset="2"/>
+              <a:buNone/>
+              <a:defRPr sz="1200" kern="1200">
+                <a:solidFill>
+                  <a:schemeClr val="tx1">
+                    <a:tint val="75000"/>
+                  </a:schemeClr>
+                </a:solidFill>
+                <a:latin typeface="+mn-lt"/>
+                <a:ea typeface="+mn-ea"/>
+                <a:cs typeface="+mn-cs"/>
+              </a:defRPr>
+            </a:lvl7pPr>
+            <a:lvl8pPr marL="3200400" indent="0" algn="ctr" defTabSz="457200" rtl="0" eaLnBrk="1" latinLnBrk="0" hangingPunct="1">
+              <a:spcBef>
+                <a:spcPts val="1000"/>
+              </a:spcBef>
+              <a:spcAft>
+                <a:spcPts val="0"/>
+              </a:spcAft>
+              <a:buClr>
+                <a:schemeClr val="accent1"/>
+              </a:buClr>
+              <a:buSzPct val="80000"/>
+              <a:buFont typeface="Wingdings 3" charset="2"/>
+              <a:buNone/>
+              <a:defRPr sz="1200" kern="1200">
+                <a:solidFill>
+                  <a:schemeClr val="tx1">
+                    <a:tint val="75000"/>
+                  </a:schemeClr>
+                </a:solidFill>
+                <a:latin typeface="+mn-lt"/>
+                <a:ea typeface="+mn-ea"/>
+                <a:cs typeface="+mn-cs"/>
+              </a:defRPr>
+            </a:lvl8pPr>
+            <a:lvl9pPr marL="3657600" indent="0" algn="ctr" defTabSz="457200" rtl="0" eaLnBrk="1" latinLnBrk="0" hangingPunct="1">
+              <a:spcBef>
+                <a:spcPts val="1000"/>
+              </a:spcBef>
+              <a:spcAft>
+                <a:spcPts val="0"/>
+              </a:spcAft>
+              <a:buClr>
+                <a:schemeClr val="accent1"/>
+              </a:buClr>
+              <a:buSzPct val="80000"/>
+              <a:buFont typeface="Wingdings 3" charset="2"/>
+              <a:buNone/>
+              <a:defRPr sz="1200" kern="1200">
+                <a:solidFill>
+                  <a:schemeClr val="tx1">
+                    <a:tint val="75000"/>
+                  </a:schemeClr>
+                </a:solidFill>
+                <a:latin typeface="+mn-lt"/>
+                <a:ea typeface="+mn-ea"/>
+                <a:cs typeface="+mn-cs"/>
+              </a:defRPr>
+            </a:lvl9pPr>
+          </a:lstStyle>
+          <a:p>
+            <a:pPr algn="l">
+              <a:spcBef>
+                <a:spcPts val="0"/>
+              </a:spcBef>
+            </a:pPr>
+            <a:r>
+              <a:rPr lang="en-US" sz="2200" b="1">
+                <a:latin typeface="Calibri" panose="020F0502020204030204" pitchFamily="34" charset="0"/>
+                <a:ea typeface="Calibri" panose="020F0502020204030204" pitchFamily="34" charset="0"/>
+                <a:cs typeface="Calibri" panose="020F0502020204030204" pitchFamily="34" charset="0"/>
+              </a:rPr>
+              <a:t>Khảo sát hệ thống khuyến nghị trên một số trang web xem phim</a:t>
+            </a:r>
+          </a:p>
+          <a:p>
+            <a:pPr marL="285750" indent="-285750" algn="l">
+              <a:spcBef>
+                <a:spcPts val="0"/>
+              </a:spcBef>
+              <a:buFont typeface="Wingdings" panose="05000000000000000000" pitchFamily="2" charset="2"/>
+              <a:buChar char="v"/>
+            </a:pPr>
+            <a:r>
+              <a:rPr lang="en-US" sz="2200">
+                <a:latin typeface="Calibri" panose="020F0502020204030204" pitchFamily="34" charset="0"/>
+                <a:ea typeface="Calibri" panose="020F0502020204030204" pitchFamily="34" charset="0"/>
+                <a:cs typeface="Calibri" panose="020F0502020204030204" pitchFamily="34" charset="0"/>
+              </a:rPr>
+              <a:t>Netflix</a:t>
+            </a:r>
+          </a:p>
+          <a:p>
+            <a:pPr marL="285750" indent="-285750" algn="l">
+              <a:spcBef>
+                <a:spcPts val="0"/>
+              </a:spcBef>
+              <a:buFont typeface="Wingdings" panose="05000000000000000000" pitchFamily="2" charset="2"/>
+              <a:buChar char="v"/>
+            </a:pPr>
+            <a:r>
+              <a:rPr lang="en-US" sz="2200">
+                <a:latin typeface="Calibri" panose="020F0502020204030204" pitchFamily="34" charset="0"/>
+                <a:ea typeface="Calibri" panose="020F0502020204030204" pitchFamily="34" charset="0"/>
+                <a:cs typeface="Calibri" panose="020F0502020204030204" pitchFamily="34" charset="0"/>
+              </a:rPr>
+              <a:t>FPT Play</a:t>
+            </a:r>
+          </a:p>
+          <a:p>
+            <a:pPr marL="285750" indent="-285750" algn="l">
+              <a:spcBef>
+                <a:spcPts val="0"/>
+              </a:spcBef>
+              <a:buFont typeface="Wingdings" panose="05000000000000000000" pitchFamily="2" charset="2"/>
+              <a:buChar char="v"/>
+            </a:pPr>
+            <a:r>
+              <a:rPr lang="en-US" sz="2200">
+                <a:latin typeface="Calibri" panose="020F0502020204030204" pitchFamily="34" charset="0"/>
+                <a:ea typeface="Calibri" panose="020F0502020204030204" pitchFamily="34" charset="0"/>
+                <a:cs typeface="Calibri" panose="020F0502020204030204" pitchFamily="34" charset="0"/>
+              </a:rPr>
+              <a:t>Zing TV</a:t>
+            </a:r>
+          </a:p>
+        </p:txBody>
+      </p:sp>
+      <p:sp>
+        <p:nvSpPr>
+          <p:cNvPr id="16" name="Google Shape;248;p25">
+            <a:extLst>
+              <a:ext uri="{FF2B5EF4-FFF2-40B4-BE49-F238E27FC236}">
+                <a16:creationId xmlns:a16="http://schemas.microsoft.com/office/drawing/2014/main" id="{C899B69B-52B5-4A6C-91E5-D6E8724EED2D}"/>
+              </a:ext>
+            </a:extLst>
+          </p:cNvPr>
+          <p:cNvSpPr txBox="1">
+            <a:spLocks/>
+          </p:cNvSpPr>
+          <p:nvPr/>
+        </p:nvSpPr>
+        <p:spPr>
+          <a:xfrm>
+            <a:off x="1428807" y="313268"/>
+            <a:ext cx="7340560" cy="932482"/>
+          </a:xfrm>
+          <a:prstGeom prst="rect">
+            <a:avLst/>
+          </a:prstGeom>
+        </p:spPr>
+        <p:txBody>
+          <a:bodyPr spcFirstLastPara="1" vert="horz" wrap="square" lIns="91425" tIns="91425" rIns="91425" bIns="91425" rtlCol="0" anchor="t" anchorCtr="0">
+            <a:noAutofit/>
+          </a:bodyPr>
+          <a:lstStyle>
+            <a:lvl1pPr algn="r" defTabSz="457200" rtl="0" eaLnBrk="1" latinLnBrk="0" hangingPunct="1">
+              <a:spcBef>
+                <a:spcPct val="0"/>
+              </a:spcBef>
+              <a:buNone/>
+              <a:defRPr sz="5400" kern="1200">
+                <a:solidFill>
+                  <a:schemeClr val="accent1"/>
+                </a:solidFill>
+                <a:latin typeface="+mj-lt"/>
+                <a:ea typeface="+mj-ea"/>
+                <a:cs typeface="+mj-cs"/>
+              </a:defRPr>
+            </a:lvl1pPr>
+            <a:lvl2pPr eaLnBrk="1" hangingPunct="1">
+              <a:defRPr>
+                <a:solidFill>
+                  <a:schemeClr val="tx2"/>
+                </a:solidFill>
+              </a:defRPr>
+            </a:lvl2pPr>
+            <a:lvl3pPr eaLnBrk="1" hangingPunct="1">
+              <a:defRPr>
+                <a:solidFill>
+                  <a:schemeClr val="tx2"/>
+                </a:solidFill>
+              </a:defRPr>
+            </a:lvl3pPr>
+            <a:lvl4pPr eaLnBrk="1" hangingPunct="1">
+              <a:defRPr>
+                <a:solidFill>
+                  <a:schemeClr val="tx2"/>
+                </a:solidFill>
+              </a:defRPr>
+            </a:lvl4pPr>
+            <a:lvl5pPr eaLnBrk="1" hangingPunct="1">
+              <a:defRPr>
+                <a:solidFill>
+                  <a:schemeClr val="tx2"/>
+                </a:solidFill>
+              </a:defRPr>
+            </a:lvl5pPr>
+            <a:lvl6pPr eaLnBrk="1" hangingPunct="1">
+              <a:defRPr>
+                <a:solidFill>
+                  <a:schemeClr val="tx2"/>
+                </a:solidFill>
+              </a:defRPr>
+            </a:lvl6pPr>
+            <a:lvl7pPr eaLnBrk="1" hangingPunct="1">
+              <a:defRPr>
+                <a:solidFill>
+                  <a:schemeClr val="tx2"/>
+                </a:solidFill>
+              </a:defRPr>
+            </a:lvl7pPr>
+            <a:lvl8pPr eaLnBrk="1" hangingPunct="1">
+              <a:defRPr>
+                <a:solidFill>
+                  <a:schemeClr val="tx2"/>
+                </a:solidFill>
+              </a:defRPr>
+            </a:lvl8pPr>
+            <a:lvl9pPr eaLnBrk="1" hangingPunct="1">
+              <a:defRPr>
+                <a:solidFill>
+                  <a:schemeClr val="tx2"/>
+                </a:solidFill>
+              </a:defRPr>
+            </a:lvl9pPr>
+          </a:lstStyle>
+          <a:p>
+            <a:pPr algn="ctr">
+              <a:spcBef>
+                <a:spcPts val="0"/>
+              </a:spcBef>
+            </a:pPr>
+            <a:r>
+              <a:rPr lang="en-US"/>
+              <a:t>Nội dung chính</a:t>
+            </a:r>
+          </a:p>
+        </p:txBody>
+      </p:sp>
     </p:spTree>
     <p:extLst>
       <p:ext uri="{BB962C8B-B14F-4D97-AF65-F5344CB8AC3E}">
-        <p14:creationId xmlns:p14="http://schemas.microsoft.com/office/powerpoint/2010/main" val="1302962903"/>
+        <p14:creationId xmlns:p14="http://schemas.microsoft.com/office/powerpoint/2010/main" val="1727801669"/>
       </p:ext>
     </p:extLst>
   </p:cSld>
   <p:clrMapOvr>
     <a:masterClrMapping/>
   </p:clrMapOvr>
-  <p:transition spd="slow">
-    <p:push/>
-  </p:transition>
 </p:sld>
 </file>
 
@@ -6846,120 +9261,193 @@
       </p:grpSpPr>
       <p:sp>
         <p:nvSpPr>
-          <p:cNvPr id="5" name="Title 4">
+          <p:cNvPr id="12" name="Google Shape;257;p26">
             <a:extLst>
               <a:ext uri="{FF2B5EF4-FFF2-40B4-BE49-F238E27FC236}">
-                <a16:creationId xmlns:a16="http://schemas.microsoft.com/office/drawing/2014/main" id="{4A39987D-1D3D-497E-BC78-9460D0A07B22}"/>
+                <a16:creationId xmlns:a16="http://schemas.microsoft.com/office/drawing/2014/main" id="{295370E5-090A-446F-B3BE-66ADEAB6EC8C}"/>
               </a:ext>
             </a:extLst>
           </p:cNvPr>
-          <p:cNvSpPr>
-            <a:spLocks noGrp="1"/>
-          </p:cNvSpPr>
-          <p:nvPr>
-            <p:ph type="ctrTitle"/>
+          <p:cNvSpPr txBox="1">
+            <a:spLocks noGrp="1"/>
+          </p:cNvSpPr>
+          <p:nvPr>
+            <p:ph type="subTitle" idx="1"/>
           </p:nvPr>
         </p:nvSpPr>
         <p:spPr>
           <a:xfrm>
-            <a:off x="1119437" y="639699"/>
-            <a:ext cx="7011566" cy="1646302"/>
+            <a:off x="1591205" y="1697567"/>
+            <a:ext cx="7767637" cy="1096963"/>
           </a:xfrm>
+          <a:prstGeom prst="rect">
+            <a:avLst/>
+          </a:prstGeom>
+          <a:solidFill>
+            <a:schemeClr val="accent1">
+              <a:lumMod val="40000"/>
+              <a:lumOff val="60000"/>
+            </a:schemeClr>
+          </a:solidFill>
         </p:spPr>
         <p:txBody>
-          <a:bodyPr/>
+          <a:bodyPr spcFirstLastPara="1" wrap="square" lIns="91425" tIns="91425" rIns="91425" bIns="91425" anchor="ctr" anchorCtr="0">
+            <a:noAutofit/>
+          </a:bodyPr>
           <a:lstStyle/>
           <a:p>
-            <a:pPr algn="l"/>
-            <a:r>
-              <a:rPr lang="en-US">
-                <a:latin typeface="Calibri" panose="020F0502020204030204" pitchFamily="34" charset="0"/>
-                <a:ea typeface="Calibri" panose="020F0502020204030204" pitchFamily="34" charset="0"/>
-                <a:cs typeface="Calibri" panose="020F0502020204030204" pitchFamily="34" charset="0"/>
-              </a:rPr>
-              <a:t>Lý thuyết bài toán khuyến nghị</a:t>
-            </a:r>
-          </a:p>
-        </p:txBody>
-      </p:sp>
-      <p:sp>
-        <p:nvSpPr>
-          <p:cNvPr id="7" name="Subtitle 6">
+            <a:pPr marL="0" lvl="0" indent="0" algn="ctr" rtl="0">
+              <a:spcBef>
+                <a:spcPts val="0"/>
+              </a:spcBef>
+              <a:spcAft>
+                <a:spcPts val="0"/>
+              </a:spcAft>
+              <a:buNone/>
+            </a:pPr>
+            <a:r>
+              <a:rPr lang="en" sz="5900">
+                <a:latin typeface="Calibri" panose="020F0502020204030204" pitchFamily="34" charset="0"/>
+                <a:ea typeface="Calibri" panose="020F0502020204030204" pitchFamily="34" charset="0"/>
+                <a:cs typeface="Calibri" panose="020F0502020204030204" pitchFamily="34" charset="0"/>
+              </a:rPr>
+              <a:t>PHẦN 1</a:t>
+            </a:r>
+            <a:endParaRPr sz="5900">
+              <a:latin typeface="Calibri" panose="020F0502020204030204" pitchFamily="34" charset="0"/>
+              <a:ea typeface="Calibri" panose="020F0502020204030204" pitchFamily="34" charset="0"/>
+              <a:cs typeface="Calibri" panose="020F0502020204030204" pitchFamily="34" charset="0"/>
+            </a:endParaRPr>
+          </a:p>
+        </p:txBody>
+      </p:sp>
+      <p:sp>
+        <p:nvSpPr>
+          <p:cNvPr id="13" name="Google Shape;258;p26">
             <a:extLst>
               <a:ext uri="{FF2B5EF4-FFF2-40B4-BE49-F238E27FC236}">
-                <a16:creationId xmlns:a16="http://schemas.microsoft.com/office/drawing/2014/main" id="{387756A3-BAFE-45B0-A123-3DCB9F8DBA22}"/>
+                <a16:creationId xmlns:a16="http://schemas.microsoft.com/office/drawing/2014/main" id="{977CF09D-0818-41A9-B72A-A7319CC1AD31}"/>
               </a:ext>
             </a:extLst>
           </p:cNvPr>
-          <p:cNvSpPr>
-            <a:spLocks noGrp="1"/>
-          </p:cNvSpPr>
-          <p:nvPr>
-            <p:ph type="subTitle" idx="1"/>
-          </p:nvPr>
+          <p:cNvSpPr txBox="1">
+            <a:spLocks/>
+          </p:cNvSpPr>
+          <p:nvPr/>
         </p:nvSpPr>
         <p:spPr>
           <a:xfrm>
-            <a:off x="1119437" y="2852335"/>
-            <a:ext cx="7763933" cy="1719665"/>
+            <a:off x="1591204" y="3135850"/>
+            <a:ext cx="7767637" cy="1482900"/>
           </a:xfrm>
+          <a:prstGeom prst="rect">
+            <a:avLst/>
+          </a:prstGeom>
         </p:spPr>
         <p:txBody>
-          <a:bodyPr>
+          <a:bodyPr spcFirstLastPara="1" vert="horz" wrap="square" lIns="91425" tIns="91425" rIns="91425" bIns="91425" rtlCol="0" anchor="ctr" anchorCtr="0">
             <a:noAutofit/>
           </a:bodyPr>
-          <a:lstStyle/>
-          <a:p>
-            <a:pPr algn="just"/>
-            <a:r>
-              <a:rPr lang="en-US" sz="2000">
-                <a:latin typeface="Calibri" panose="020F0502020204030204" pitchFamily="34" charset="0"/>
-                <a:ea typeface="Calibri" panose="020F0502020204030204" pitchFamily="34" charset="0"/>
-                <a:cs typeface="Calibri" panose="020F0502020204030204" pitchFamily="34" charset="0"/>
-              </a:rPr>
-              <a:t>Lý thuyết bài toán khuyến nghị bao gồm các định nghĩa như:</a:t>
-            </a:r>
-          </a:p>
-          <a:p>
-            <a:pPr marL="285750" indent="-285750" algn="just">
-              <a:buFont typeface="Wingdings" panose="05000000000000000000" pitchFamily="2" charset="2"/>
-              <a:buChar char="v"/>
+          <a:lstStyle>
+            <a:lvl1pPr algn="r" defTabSz="457200" rtl="0" eaLnBrk="1" latinLnBrk="0" hangingPunct="1">
+              <a:spcBef>
+                <a:spcPct val="0"/>
+              </a:spcBef>
+              <a:buNone/>
+              <a:defRPr sz="5400" kern="1200">
+                <a:solidFill>
+                  <a:schemeClr val="accent1"/>
+                </a:solidFill>
+                <a:latin typeface="+mj-lt"/>
+                <a:ea typeface="+mj-ea"/>
+                <a:cs typeface="+mj-cs"/>
+              </a:defRPr>
+            </a:lvl1pPr>
+            <a:lvl2pPr eaLnBrk="1" hangingPunct="1">
+              <a:defRPr>
+                <a:solidFill>
+                  <a:schemeClr val="tx2"/>
+                </a:solidFill>
+              </a:defRPr>
+            </a:lvl2pPr>
+            <a:lvl3pPr eaLnBrk="1" hangingPunct="1">
+              <a:defRPr>
+                <a:solidFill>
+                  <a:schemeClr val="tx2"/>
+                </a:solidFill>
+              </a:defRPr>
+            </a:lvl3pPr>
+            <a:lvl4pPr eaLnBrk="1" hangingPunct="1">
+              <a:defRPr>
+                <a:solidFill>
+                  <a:schemeClr val="tx2"/>
+                </a:solidFill>
+              </a:defRPr>
+            </a:lvl4pPr>
+            <a:lvl5pPr eaLnBrk="1" hangingPunct="1">
+              <a:defRPr>
+                <a:solidFill>
+                  <a:schemeClr val="tx2"/>
+                </a:solidFill>
+              </a:defRPr>
+            </a:lvl5pPr>
+            <a:lvl6pPr eaLnBrk="1" hangingPunct="1">
+              <a:defRPr>
+                <a:solidFill>
+                  <a:schemeClr val="tx2"/>
+                </a:solidFill>
+              </a:defRPr>
+            </a:lvl6pPr>
+            <a:lvl7pPr eaLnBrk="1" hangingPunct="1">
+              <a:defRPr>
+                <a:solidFill>
+                  <a:schemeClr val="tx2"/>
+                </a:solidFill>
+              </a:defRPr>
+            </a:lvl7pPr>
+            <a:lvl8pPr eaLnBrk="1" hangingPunct="1">
+              <a:defRPr>
+                <a:solidFill>
+                  <a:schemeClr val="tx2"/>
+                </a:solidFill>
+              </a:defRPr>
+            </a:lvl8pPr>
+            <a:lvl9pPr eaLnBrk="1" hangingPunct="1">
+              <a:defRPr>
+                <a:solidFill>
+                  <a:schemeClr val="tx2"/>
+                </a:solidFill>
+              </a:defRPr>
+            </a:lvl9pPr>
+          </a:lstStyle>
+          <a:p>
+            <a:pPr algn="ctr">
+              <a:spcBef>
+                <a:spcPts val="0"/>
+              </a:spcBef>
             </a:pPr>
             <a:r>
-              <a:rPr lang="en-US" sz="2000">
-                <a:latin typeface="Calibri" panose="020F0502020204030204" pitchFamily="34" charset="0"/>
-                <a:ea typeface="Calibri" panose="020F0502020204030204" pitchFamily="34" charset="0"/>
-                <a:cs typeface="Calibri" panose="020F0502020204030204" pitchFamily="34" charset="0"/>
-              </a:rPr>
-              <a:t>Không gian người dùng</a:t>
-            </a:r>
-          </a:p>
-          <a:p>
-            <a:pPr marL="285750" indent="-285750" algn="just">
-              <a:buFont typeface="Wingdings" panose="05000000000000000000" pitchFamily="2" charset="2"/>
-              <a:buChar char="v"/>
+              <a:rPr lang="en-US" sz="5000">
+                <a:latin typeface="Calibri" panose="020F0502020204030204" pitchFamily="34" charset="0"/>
+                <a:ea typeface="Calibri" panose="020F0502020204030204" pitchFamily="34" charset="0"/>
+                <a:cs typeface="Calibri" panose="020F0502020204030204" pitchFamily="34" charset="0"/>
+              </a:rPr>
+              <a:t>Giới thiệu về </a:t>
+            </a:r>
+          </a:p>
+          <a:p>
+            <a:pPr algn="ctr">
+              <a:spcBef>
+                <a:spcPts val="0"/>
+              </a:spcBef>
             </a:pPr>
             <a:r>
-              <a:rPr lang="en-US" sz="2000">
-                <a:latin typeface="Calibri" panose="020F0502020204030204" pitchFamily="34" charset="0"/>
-                <a:ea typeface="Calibri" panose="020F0502020204030204" pitchFamily="34" charset="0"/>
-                <a:cs typeface="Calibri" panose="020F0502020204030204" pitchFamily="34" charset="0"/>
-              </a:rPr>
-              <a:t>Không gian đối đối tượng khuyến nghị</a:t>
-            </a:r>
-          </a:p>
-          <a:p>
-            <a:pPr marL="285750" indent="-285750" algn="just">
-              <a:buFont typeface="Wingdings" panose="05000000000000000000" pitchFamily="2" charset="2"/>
-              <a:buChar char="v"/>
-            </a:pPr>
-            <a:r>
-              <a:rPr lang="en-US" sz="2000">
-                <a:latin typeface="Calibri" panose="020F0502020204030204" pitchFamily="34" charset="0"/>
-                <a:ea typeface="Calibri" panose="020F0502020204030204" pitchFamily="34" charset="0"/>
-                <a:cs typeface="Calibri" panose="020F0502020204030204" pitchFamily="34" charset="0"/>
-              </a:rPr>
-              <a:t>Hàm phù hợp</a:t>
+              <a:rPr lang="en-US" sz="5000">
+                <a:latin typeface="Calibri" panose="020F0502020204030204" pitchFamily="34" charset="0"/>
+                <a:ea typeface="Calibri" panose="020F0502020204030204" pitchFamily="34" charset="0"/>
+                <a:cs typeface="Calibri" panose="020F0502020204030204" pitchFamily="34" charset="0"/>
+              </a:rPr>
+              <a:t>hệ thống khuyến nghị</a:t>
             </a:r>
           </a:p>
         </p:txBody>
@@ -6967,7 +9455,7 @@
     </p:spTree>
     <p:extLst>
       <p:ext uri="{BB962C8B-B14F-4D97-AF65-F5344CB8AC3E}">
-        <p14:creationId xmlns:p14="http://schemas.microsoft.com/office/powerpoint/2010/main" val="3306127841"/>
+        <p14:creationId xmlns:p14="http://schemas.microsoft.com/office/powerpoint/2010/main" val="1264604584"/>
       </p:ext>
     </p:extLst>
   </p:cSld>
@@ -7012,7 +9500,7 @@
         </p:nvSpPr>
         <p:spPr>
           <a:xfrm>
-            <a:off x="1119437" y="639699"/>
+            <a:off x="924704" y="1714965"/>
             <a:ext cx="7011566" cy="1646302"/>
           </a:xfrm>
         </p:spPr>
@@ -7027,7 +9515,22 @@
                 <a:ea typeface="Calibri" panose="020F0502020204030204" pitchFamily="34" charset="0"/>
                 <a:cs typeface="Calibri" panose="020F0502020204030204" pitchFamily="34" charset="0"/>
               </a:rPr>
-              <a:t>Lý thuyết bài toán khuyến nghị</a:t>
+              <a:t>Giới thiệu về </a:t>
+            </a:r>
+            <a:br>
+              <a:rPr lang="en-US">
+                <a:latin typeface="Calibri" panose="020F0502020204030204" pitchFamily="34" charset="0"/>
+                <a:ea typeface="Calibri" panose="020F0502020204030204" pitchFamily="34" charset="0"/>
+                <a:cs typeface="Calibri" panose="020F0502020204030204" pitchFamily="34" charset="0"/>
+              </a:rPr>
+            </a:br>
+            <a:r>
+              <a:rPr lang="en-US">
+                <a:latin typeface="Calibri" panose="020F0502020204030204" pitchFamily="34" charset="0"/>
+                <a:ea typeface="Calibri" panose="020F0502020204030204" pitchFamily="34" charset="0"/>
+                <a:cs typeface="Calibri" panose="020F0502020204030204" pitchFamily="34" charset="0"/>
+              </a:rPr>
+              <a:t>hệ thống khuyến nghị</a:t>
             </a:r>
           </a:p>
         </p:txBody>
@@ -7050,8 +9553,8 @@
         </p:nvSpPr>
         <p:spPr>
           <a:xfrm>
-            <a:off x="1119437" y="2852335"/>
-            <a:ext cx="7763933" cy="3158998"/>
+            <a:off x="924704" y="3682069"/>
+            <a:ext cx="7763933" cy="1646302"/>
           </a:xfrm>
         </p:spPr>
         <p:txBody>
@@ -7062,26 +9565,28 @@
           <a:p>
             <a:pPr algn="just"/>
             <a:r>
+              <a:rPr lang="vi-VN" sz="2000">
+                <a:latin typeface="Calibri" panose="020F0502020204030204" pitchFamily="34" charset="0"/>
+                <a:ea typeface="Calibri" panose="020F0502020204030204" pitchFamily="34" charset="0"/>
+                <a:cs typeface="Calibri" panose="020F0502020204030204" pitchFamily="34" charset="0"/>
+              </a:rPr>
+              <a:t>Hệ thống khuyến nghị (Recommender System) hay còn </a:t>
+            </a:r>
+            <a:r>
               <a:rPr lang="en-US" sz="2000">
                 <a:latin typeface="Calibri" panose="020F0502020204030204" pitchFamily="34" charset="0"/>
                 <a:ea typeface="Calibri" panose="020F0502020204030204" pitchFamily="34" charset="0"/>
                 <a:cs typeface="Calibri" panose="020F0502020204030204" pitchFamily="34" charset="0"/>
               </a:rPr>
-              <a:t>Trong đó:</a:t>
-            </a:r>
-          </a:p>
-          <a:p>
-            <a:pPr marL="285750" indent="-285750" algn="just">
-              <a:buFont typeface="Wingdings" panose="05000000000000000000" pitchFamily="2" charset="2"/>
-              <a:buChar char="v"/>
-            </a:pPr>
-            <a:r>
-              <a:rPr lang="en-US" sz="2000" b="1">
-                <a:latin typeface="Calibri" panose="020F0502020204030204" pitchFamily="34" charset="0"/>
-                <a:ea typeface="Calibri" panose="020F0502020204030204" pitchFamily="34" charset="0"/>
-                <a:cs typeface="Calibri" panose="020F0502020204030204" pitchFamily="34" charset="0"/>
-              </a:rPr>
-              <a:t>Không gian người dùng </a:t>
+              <a:t> </a:t>
+            </a:r>
+            <a:r>
+              <a:rPr lang="vi-VN" sz="2000">
+                <a:latin typeface="Calibri" panose="020F0502020204030204" pitchFamily="34" charset="0"/>
+                <a:ea typeface="Calibri" panose="020F0502020204030204" pitchFamily="34" charset="0"/>
+                <a:cs typeface="Calibri" panose="020F0502020204030204" pitchFamily="34" charset="0"/>
+              </a:rPr>
+              <a:t>được gọi là hệ thống tư vấn</a:t>
             </a:r>
             <a:r>
               <a:rPr lang="en-US" sz="2000">
@@ -7089,7 +9594,7 @@
                 <a:ea typeface="Calibri" panose="020F0502020204030204" pitchFamily="34" charset="0"/>
                 <a:cs typeface="Calibri" panose="020F0502020204030204" pitchFamily="34" charset="0"/>
               </a:rPr>
-              <a:t>là </a:t>
+              <a:t>, </a:t>
             </a:r>
             <a:r>
               <a:rPr lang="vi-VN" sz="2000">
@@ -7097,7 +9602,7 @@
                 <a:ea typeface="Calibri" panose="020F0502020204030204" pitchFamily="34" charset="0"/>
                 <a:cs typeface="Calibri" panose="020F0502020204030204" pitchFamily="34" charset="0"/>
               </a:rPr>
-              <a:t>tập tất cả nhữ</a:t>
+              <a:t>là một hệ thống có nhiệm vụ chọn lọc thông tin nhằm dự đoán sở thích, mức độ phù hợp, mối quan tâm và nhu cầu của người dùng để đưa</a:t>
             </a:r>
             <a:r>
               <a:rPr lang="en-US" sz="2000">
@@ -7105,7 +9610,7 @@
                 <a:ea typeface="Calibri" panose="020F0502020204030204" pitchFamily="34" charset="0"/>
                 <a:cs typeface="Calibri" panose="020F0502020204030204" pitchFamily="34" charset="0"/>
               </a:rPr>
-              <a:t>n</a:t>
+              <a:t> </a:t>
             </a:r>
             <a:r>
               <a:rPr lang="vi-VN" sz="2000">
@@ -7113,7 +9618,7 @@
                 <a:ea typeface="Calibri" panose="020F0502020204030204" pitchFamily="34" charset="0"/>
                 <a:cs typeface="Calibri" panose="020F0502020204030204" pitchFamily="34" charset="0"/>
               </a:rPr>
-              <a:t>g người dùng mà hệ thống quan sát được</a:t>
+              <a:t>ra một hoặc nhiều mục, sản phẩm, dịch vụ mà người dùng sẽ quan tâm với xác suất</a:t>
             </a:r>
             <a:r>
               <a:rPr lang="en-US" sz="2000">
@@ -7121,29 +9626,7 @@
                 <a:ea typeface="Calibri" panose="020F0502020204030204" pitchFamily="34" charset="0"/>
                 <a:cs typeface="Calibri" panose="020F0502020204030204" pitchFamily="34" charset="0"/>
               </a:rPr>
-              <a:t>. </a:t>
-            </a:r>
-          </a:p>
-          <a:p>
-            <a:pPr marL="285750" indent="-285750" algn="just">
-              <a:buFont typeface="Wingdings" panose="05000000000000000000" pitchFamily="2" charset="2"/>
-              <a:buChar char="v"/>
-            </a:pPr>
-            <a:r>
-              <a:rPr lang="en-US" sz="2000" b="1">
-                <a:latin typeface="Calibri" panose="020F0502020204030204" pitchFamily="34" charset="0"/>
-                <a:ea typeface="Calibri" panose="020F0502020204030204" pitchFamily="34" charset="0"/>
-                <a:cs typeface="Calibri" panose="020F0502020204030204" pitchFamily="34" charset="0"/>
-              </a:rPr>
-              <a:t>Không gian đối đối tượng khuyến nghị </a:t>
-            </a:r>
-            <a:r>
-              <a:rPr lang="en-US" sz="2000">
-                <a:latin typeface="Calibri" panose="020F0502020204030204" pitchFamily="34" charset="0"/>
-                <a:ea typeface="Calibri" panose="020F0502020204030204" pitchFamily="34" charset="0"/>
-                <a:cs typeface="Calibri" panose="020F0502020204030204" pitchFamily="34" charset="0"/>
-              </a:rPr>
-              <a:t>là t</a:t>
+              <a:t> là</a:t>
             </a:r>
             <a:r>
               <a:rPr lang="vi-VN" sz="2000">
@@ -7151,55 +9634,20 @@
                 <a:ea typeface="Calibri" panose="020F0502020204030204" pitchFamily="34" charset="0"/>
                 <a:cs typeface="Calibri" panose="020F0502020204030204" pitchFamily="34" charset="0"/>
               </a:rPr>
-              <a:t>ập tất cả những đối tượng sẽ được khuyến nghị cho người </a:t>
-            </a:r>
-            <a:r>
-              <a:rPr lang="en-US" sz="2000">
-                <a:latin typeface="Calibri" panose="020F0502020204030204" pitchFamily="34" charset="0"/>
-                <a:ea typeface="Calibri" panose="020F0502020204030204" pitchFamily="34" charset="0"/>
-                <a:cs typeface="Calibri" panose="020F0502020204030204" pitchFamily="34" charset="0"/>
-              </a:rPr>
-              <a:t>dùng. Ví dụ: Mặt hàng, phim ảnh, sách vở…</a:t>
-            </a:r>
-            <a:endParaRPr lang="en-US" sz="2000" b="1">
+              <a:t> lớn nhất </a:t>
+            </a:r>
+            <a:endParaRPr lang="en-US" sz="2000">
               <a:latin typeface="Calibri" panose="020F0502020204030204" pitchFamily="34" charset="0"/>
               <a:ea typeface="Calibri" panose="020F0502020204030204" pitchFamily="34" charset="0"/>
               <a:cs typeface="Calibri" panose="020F0502020204030204" pitchFamily="34" charset="0"/>
             </a:endParaRPr>
           </a:p>
-          <a:p>
-            <a:pPr marL="285750" indent="-285750" algn="just">
-              <a:buFont typeface="Wingdings" panose="05000000000000000000" pitchFamily="2" charset="2"/>
-              <a:buChar char="v"/>
-            </a:pPr>
-            <a:r>
-              <a:rPr lang="en-US" sz="2000" b="1">
-                <a:latin typeface="Calibri" panose="020F0502020204030204" pitchFamily="34" charset="0"/>
-                <a:ea typeface="Calibri" panose="020F0502020204030204" pitchFamily="34" charset="0"/>
-                <a:cs typeface="Calibri" panose="020F0502020204030204" pitchFamily="34" charset="0"/>
-              </a:rPr>
-              <a:t>Hàm phù hợp </a:t>
-            </a:r>
-            <a:r>
-              <a:rPr lang="en-US" sz="2000">
-                <a:latin typeface="Calibri" panose="020F0502020204030204" pitchFamily="34" charset="0"/>
-                <a:ea typeface="Calibri" panose="020F0502020204030204" pitchFamily="34" charset="0"/>
-                <a:cs typeface="Calibri" panose="020F0502020204030204" pitchFamily="34" charset="0"/>
-              </a:rPr>
-              <a:t>là một ma trận ánh xạ mức độ phù hợp của người dùng đối với đối tượng khuyến nghị</a:t>
-            </a:r>
-            <a:endParaRPr lang="en-US" sz="2000" b="1">
-              <a:latin typeface="Calibri" panose="020F0502020204030204" pitchFamily="34" charset="0"/>
-              <a:ea typeface="Calibri" panose="020F0502020204030204" pitchFamily="34" charset="0"/>
-              <a:cs typeface="Calibri" panose="020F0502020204030204" pitchFamily="34" charset="0"/>
-            </a:endParaRPr>
-          </a:p>
         </p:txBody>
       </p:sp>
     </p:spTree>
     <p:extLst>
       <p:ext uri="{BB962C8B-B14F-4D97-AF65-F5344CB8AC3E}">
-        <p14:creationId xmlns:p14="http://schemas.microsoft.com/office/powerpoint/2010/main" val="3765108916"/>
+        <p14:creationId xmlns:p14="http://schemas.microsoft.com/office/powerpoint/2010/main" val="1302962903"/>
       </p:ext>
     </p:extLst>
   </p:cSld>
@@ -7259,22 +9707,7 @@
                 <a:ea typeface="Calibri" panose="020F0502020204030204" pitchFamily="34" charset="0"/>
                 <a:cs typeface="Calibri" panose="020F0502020204030204" pitchFamily="34" charset="0"/>
               </a:rPr>
-              <a:t>Các hướng tiếp cận của</a:t>
-            </a:r>
-            <a:br>
-              <a:rPr lang="en-US">
-                <a:latin typeface="Calibri" panose="020F0502020204030204" pitchFamily="34" charset="0"/>
-                <a:ea typeface="Calibri" panose="020F0502020204030204" pitchFamily="34" charset="0"/>
-                <a:cs typeface="Calibri" panose="020F0502020204030204" pitchFamily="34" charset="0"/>
-              </a:rPr>
-            </a:br>
-            <a:r>
-              <a:rPr lang="en-US">
-                <a:latin typeface="Calibri" panose="020F0502020204030204" pitchFamily="34" charset="0"/>
-                <a:ea typeface="Calibri" panose="020F0502020204030204" pitchFamily="34" charset="0"/>
-                <a:cs typeface="Calibri" panose="020F0502020204030204" pitchFamily="34" charset="0"/>
-              </a:rPr>
-              <a:t>bài toán khuyến nghị</a:t>
+              <a:t>Lý thuyết bài toán khuyến nghị</a:t>
             </a:r>
           </a:p>
         </p:txBody>
@@ -7314,11 +9747,11 @@
                 <a:ea typeface="Calibri" panose="020F0502020204030204" pitchFamily="34" charset="0"/>
                 <a:cs typeface="Calibri" panose="020F0502020204030204" pitchFamily="34" charset="0"/>
               </a:rPr>
-              <a:t>Các hướng tiếp cận bao gồm</a:t>
-            </a:r>
-          </a:p>
-          <a:p>
-            <a:pPr marL="342900" indent="-342900" algn="just">
+              <a:t>Lý thuyết bài toán khuyến nghị bao gồm các định nghĩa như:</a:t>
+            </a:r>
+          </a:p>
+          <a:p>
+            <a:pPr marL="285750" indent="-285750" algn="just">
               <a:buFont typeface="Wingdings" panose="05000000000000000000" pitchFamily="2" charset="2"/>
               <a:buChar char="v"/>
             </a:pPr>
@@ -7328,11 +9761,11 @@
                 <a:ea typeface="Calibri" panose="020F0502020204030204" pitchFamily="34" charset="0"/>
                 <a:cs typeface="Calibri" panose="020F0502020204030204" pitchFamily="34" charset="0"/>
               </a:rPr>
-              <a:t>Phương pháp lọc dựa trên nội dung (Content-base Filtering)</a:t>
-            </a:r>
-          </a:p>
-          <a:p>
-            <a:pPr marL="342900" indent="-342900" algn="just">
+              <a:t>Không gian người dùng</a:t>
+            </a:r>
+          </a:p>
+          <a:p>
+            <a:pPr marL="285750" indent="-285750" algn="just">
               <a:buFont typeface="Wingdings" panose="05000000000000000000" pitchFamily="2" charset="2"/>
               <a:buChar char="v"/>
             </a:pPr>
@@ -7342,11 +9775,11 @@
                 <a:ea typeface="Calibri" panose="020F0502020204030204" pitchFamily="34" charset="0"/>
                 <a:cs typeface="Calibri" panose="020F0502020204030204" pitchFamily="34" charset="0"/>
               </a:rPr>
-              <a:t>Phương pháp lọc cộng tác (Collaborative Filtering)</a:t>
-            </a:r>
-          </a:p>
-          <a:p>
-            <a:pPr marL="342900" indent="-342900" algn="just">
+              <a:t>Không gian đối đối tượng khuyến nghị</a:t>
+            </a:r>
+          </a:p>
+          <a:p>
+            <a:pPr marL="285750" indent="-285750" algn="just">
               <a:buFont typeface="Wingdings" panose="05000000000000000000" pitchFamily="2" charset="2"/>
               <a:buChar char="v"/>
             </a:pPr>
@@ -7356,23 +9789,15 @@
                 <a:ea typeface="Calibri" panose="020F0502020204030204" pitchFamily="34" charset="0"/>
                 <a:cs typeface="Calibri" panose="020F0502020204030204" pitchFamily="34" charset="0"/>
               </a:rPr>
-              <a:t>Phương pháp tiếp cận lai (Hybird Filtering)</a:t>
-            </a:r>
-          </a:p>
-          <a:p>
-            <a:pPr algn="just"/>
-            <a:endParaRPr lang="en-US" sz="2000">
-              <a:latin typeface="Calibri" panose="020F0502020204030204" pitchFamily="34" charset="0"/>
-              <a:ea typeface="Calibri" panose="020F0502020204030204" pitchFamily="34" charset="0"/>
-              <a:cs typeface="Calibri" panose="020F0502020204030204" pitchFamily="34" charset="0"/>
-            </a:endParaRPr>
+              <a:t>Hàm phù hợp</a:t>
+            </a:r>
           </a:p>
         </p:txBody>
       </p:sp>
     </p:spTree>
     <p:extLst>
       <p:ext uri="{BB962C8B-B14F-4D97-AF65-F5344CB8AC3E}">
-        <p14:creationId xmlns:p14="http://schemas.microsoft.com/office/powerpoint/2010/main" val="3605900645"/>
+        <p14:creationId xmlns:p14="http://schemas.microsoft.com/office/powerpoint/2010/main" val="3306127841"/>
       </p:ext>
     </p:extLst>
   </p:cSld>
@@ -7432,22 +9857,7 @@
                 <a:ea typeface="Calibri" panose="020F0502020204030204" pitchFamily="34" charset="0"/>
                 <a:cs typeface="Calibri" panose="020F0502020204030204" pitchFamily="34" charset="0"/>
               </a:rPr>
-              <a:t>Các hướng tiếp cận của</a:t>
-            </a:r>
-            <a:br>
-              <a:rPr lang="en-US">
-                <a:latin typeface="Calibri" panose="020F0502020204030204" pitchFamily="34" charset="0"/>
-                <a:ea typeface="Calibri" panose="020F0502020204030204" pitchFamily="34" charset="0"/>
-                <a:cs typeface="Calibri" panose="020F0502020204030204" pitchFamily="34" charset="0"/>
-              </a:rPr>
-            </a:br>
-            <a:r>
-              <a:rPr lang="en-US">
-                <a:latin typeface="Calibri" panose="020F0502020204030204" pitchFamily="34" charset="0"/>
-                <a:ea typeface="Calibri" panose="020F0502020204030204" pitchFamily="34" charset="0"/>
-                <a:cs typeface="Calibri" panose="020F0502020204030204" pitchFamily="34" charset="0"/>
-              </a:rPr>
-              <a:t>bài toán khuyến nghị</a:t>
+              <a:t>Lý thuyết bài toán khuyến nghị</a:t>
             </a:r>
           </a:p>
         </p:txBody>
@@ -7470,8 +9880,8 @@
         </p:nvSpPr>
         <p:spPr>
           <a:xfrm>
-            <a:off x="1119437" y="2569167"/>
-            <a:ext cx="7763933" cy="3391366"/>
+            <a:off x="1119437" y="2852335"/>
+            <a:ext cx="7763933" cy="3158998"/>
           </a:xfrm>
         </p:spPr>
         <p:txBody>
@@ -7482,150 +9892,144 @@
           <a:p>
             <a:pPr algn="just"/>
             <a:r>
-              <a:rPr lang="en-US" sz="2000" b="1">
-                <a:latin typeface="Calibri" panose="020F0502020204030204" pitchFamily="34" charset="0"/>
-                <a:ea typeface="Calibri" panose="020F0502020204030204" pitchFamily="34" charset="0"/>
-                <a:cs typeface="Calibri" panose="020F0502020204030204" pitchFamily="34" charset="0"/>
-              </a:rPr>
-              <a:t>	Phương pháp lọc dựa trên nội dung (Content-base Filtering</a:t>
-            </a:r>
-            <a:r>
               <a:rPr lang="en-US" sz="2000">
                 <a:latin typeface="Calibri" panose="020F0502020204030204" pitchFamily="34" charset="0"/>
                 <a:ea typeface="Calibri" panose="020F0502020204030204" pitchFamily="34" charset="0"/>
                 <a:cs typeface="Calibri" panose="020F0502020204030204" pitchFamily="34" charset="0"/>
               </a:rPr>
-              <a:t>) là </a:t>
-            </a:r>
-            <a:r>
-              <a:rPr lang="vi-VN" sz="2000">
-                <a:latin typeface="Calibri" panose="020F0502020204030204" pitchFamily="34" charset="0"/>
-                <a:ea typeface="Calibri" panose="020F0502020204030204" pitchFamily="34" charset="0"/>
-                <a:cs typeface="Calibri" panose="020F0502020204030204" pitchFamily="34" charset="0"/>
-              </a:rPr>
-              <a:t>phương </a:t>
-            </a:r>
-            <a:r>
-              <a:rPr lang="en-US" sz="2000">
-                <a:latin typeface="Calibri" panose="020F0502020204030204" pitchFamily="34" charset="0"/>
-                <a:ea typeface="Calibri" panose="020F0502020204030204" pitchFamily="34" charset="0"/>
-                <a:cs typeface="Calibri" panose="020F0502020204030204" pitchFamily="34" charset="0"/>
-              </a:rPr>
-              <a:t> </a:t>
-            </a:r>
-            <a:r>
-              <a:rPr lang="vi-VN" sz="2000">
-                <a:latin typeface="Calibri" panose="020F0502020204030204" pitchFamily="34" charset="0"/>
-                <a:ea typeface="Calibri" panose="020F0502020204030204" pitchFamily="34" charset="0"/>
-                <a:cs typeface="Calibri" panose="020F0502020204030204" pitchFamily="34" charset="0"/>
-              </a:rPr>
-              <a:t>pháp thực hiện dựa trên việc so sánh nội dung thông tin hay mô tả hàng hóa</a:t>
-            </a:r>
-            <a:r>
-              <a:rPr lang="en-US" sz="2000">
-                <a:latin typeface="Calibri" panose="020F0502020204030204" pitchFamily="34" charset="0"/>
-                <a:ea typeface="Calibri" panose="020F0502020204030204" pitchFamily="34" charset="0"/>
-                <a:cs typeface="Calibri" panose="020F0502020204030204" pitchFamily="34" charset="0"/>
-              </a:rPr>
-              <a:t> </a:t>
-            </a:r>
-            <a:r>
-              <a:rPr lang="vi-VN" sz="2000">
-                <a:latin typeface="Calibri" panose="020F0502020204030204" pitchFamily="34" charset="0"/>
-                <a:ea typeface="Calibri" panose="020F0502020204030204" pitchFamily="34" charset="0"/>
-                <a:cs typeface="Calibri" panose="020F0502020204030204" pitchFamily="34" charset="0"/>
-              </a:rPr>
-              <a:t>để tìm ra những sản</a:t>
-            </a:r>
-            <a:r>
-              <a:rPr lang="en-US" sz="2000">
-                <a:latin typeface="Calibri" panose="020F0502020204030204" pitchFamily="34" charset="0"/>
-                <a:ea typeface="Calibri" panose="020F0502020204030204" pitchFamily="34" charset="0"/>
-                <a:cs typeface="Calibri" panose="020F0502020204030204" pitchFamily="34" charset="0"/>
-              </a:rPr>
-              <a:t> </a:t>
-            </a:r>
-            <a:r>
-              <a:rPr lang="vi-VN" sz="2000">
-                <a:latin typeface="Calibri" panose="020F0502020204030204" pitchFamily="34" charset="0"/>
-                <a:ea typeface="Calibri" panose="020F0502020204030204" pitchFamily="34" charset="0"/>
-                <a:cs typeface="Calibri" panose="020F0502020204030204" pitchFamily="34" charset="0"/>
-              </a:rPr>
-              <a:t>phẩm tương tự với những gì mà người dùng đã từng quan tâm </a:t>
-            </a:r>
-            <a:r>
-              <a:rPr lang="en-US" sz="2000">
-                <a:latin typeface="Calibri" panose="020F0502020204030204" pitchFamily="34" charset="0"/>
-                <a:ea typeface="Calibri" panose="020F0502020204030204" pitchFamily="34" charset="0"/>
-                <a:cs typeface="Calibri" panose="020F0502020204030204" pitchFamily="34" charset="0"/>
-              </a:rPr>
-              <a:t>và khuyến nghị</a:t>
-            </a:r>
-            <a:r>
-              <a:rPr lang="vi-VN" sz="2000">
-                <a:latin typeface="Calibri" panose="020F0502020204030204" pitchFamily="34" charset="0"/>
-                <a:ea typeface="Calibri" panose="020F0502020204030204" pitchFamily="34" charset="0"/>
-                <a:cs typeface="Calibri" panose="020F0502020204030204" pitchFamily="34" charset="0"/>
-              </a:rPr>
-              <a:t> cho họ những sản phẩm này</a:t>
-            </a:r>
-            <a:r>
-              <a:rPr lang="en-US" sz="2000">
-                <a:latin typeface="Calibri" panose="020F0502020204030204" pitchFamily="34" charset="0"/>
-                <a:ea typeface="Calibri" panose="020F0502020204030204" pitchFamily="34" charset="0"/>
-                <a:cs typeface="Calibri" panose="020F0502020204030204" pitchFamily="34" charset="0"/>
-              </a:rPr>
-              <a:t>.</a:t>
-            </a:r>
-          </a:p>
-          <a:p>
-            <a:pPr marL="342900" indent="-342900" algn="just">
+              <a:t>Trong đó:</a:t>
+            </a:r>
+          </a:p>
+          <a:p>
+            <a:pPr marL="285750" indent="-285750" algn="just">
               <a:buFont typeface="Wingdings" panose="05000000000000000000" pitchFamily="2" charset="2"/>
               <a:buChar char="v"/>
             </a:pPr>
             <a:r>
+              <a:rPr lang="en-US" sz="2000" b="1">
+                <a:latin typeface="Calibri" panose="020F0502020204030204" pitchFamily="34" charset="0"/>
+                <a:ea typeface="Calibri" panose="020F0502020204030204" pitchFamily="34" charset="0"/>
+                <a:cs typeface="Calibri" panose="020F0502020204030204" pitchFamily="34" charset="0"/>
+              </a:rPr>
+              <a:t>Không gian người dùng </a:t>
+            </a:r>
+            <a:r>
               <a:rPr lang="en-US" sz="2000">
                 <a:latin typeface="Calibri" panose="020F0502020204030204" pitchFamily="34" charset="0"/>
                 <a:ea typeface="Calibri" panose="020F0502020204030204" pitchFamily="34" charset="0"/>
                 <a:cs typeface="Calibri" panose="020F0502020204030204" pitchFamily="34" charset="0"/>
               </a:rPr>
-              <a:t>Các cách tiếp cận lọc dựa trên nội dung:</a:t>
-            </a:r>
-          </a:p>
-          <a:p>
-            <a:pPr marL="800100" lvl="1" indent="-342900" algn="just">
-              <a:buFont typeface="Courier New" panose="02070309020205020404" pitchFamily="49" charset="0"/>
-              <a:buChar char="o"/>
+              <a:t>là </a:t>
+            </a:r>
+            <a:r>
+              <a:rPr lang="vi-VN" sz="2000">
+                <a:latin typeface="Calibri" panose="020F0502020204030204" pitchFamily="34" charset="0"/>
+                <a:ea typeface="Calibri" panose="020F0502020204030204" pitchFamily="34" charset="0"/>
+                <a:cs typeface="Calibri" panose="020F0502020204030204" pitchFamily="34" charset="0"/>
+              </a:rPr>
+              <a:t>tập tất cả nhữ</a:t>
+            </a:r>
+            <a:r>
+              <a:rPr lang="en-US" sz="2000">
+                <a:latin typeface="Calibri" panose="020F0502020204030204" pitchFamily="34" charset="0"/>
+                <a:ea typeface="Calibri" panose="020F0502020204030204" pitchFamily="34" charset="0"/>
+                <a:cs typeface="Calibri" panose="020F0502020204030204" pitchFamily="34" charset="0"/>
+              </a:rPr>
+              <a:t>n</a:t>
+            </a:r>
+            <a:r>
+              <a:rPr lang="vi-VN" sz="2000">
+                <a:latin typeface="Calibri" panose="020F0502020204030204" pitchFamily="34" charset="0"/>
+                <a:ea typeface="Calibri" panose="020F0502020204030204" pitchFamily="34" charset="0"/>
+                <a:cs typeface="Calibri" panose="020F0502020204030204" pitchFamily="34" charset="0"/>
+              </a:rPr>
+              <a:t>g người dùng mà hệ thống quan sát được</a:t>
+            </a:r>
+            <a:r>
+              <a:rPr lang="en-US" sz="2000">
+                <a:latin typeface="Calibri" panose="020F0502020204030204" pitchFamily="34" charset="0"/>
+                <a:ea typeface="Calibri" panose="020F0502020204030204" pitchFamily="34" charset="0"/>
+                <a:cs typeface="Calibri" panose="020F0502020204030204" pitchFamily="34" charset="0"/>
+              </a:rPr>
+              <a:t>. </a:t>
+            </a:r>
+          </a:p>
+          <a:p>
+            <a:pPr marL="285750" indent="-285750" algn="just">
+              <a:buFont typeface="Wingdings" panose="05000000000000000000" pitchFamily="2" charset="2"/>
+              <a:buChar char="v"/>
             </a:pPr>
             <a:r>
+              <a:rPr lang="en-US" sz="2000" b="1">
+                <a:latin typeface="Calibri" panose="020F0502020204030204" pitchFamily="34" charset="0"/>
+                <a:ea typeface="Calibri" panose="020F0502020204030204" pitchFamily="34" charset="0"/>
+                <a:cs typeface="Calibri" panose="020F0502020204030204" pitchFamily="34" charset="0"/>
+              </a:rPr>
+              <a:t>Không gian đối đối tượng khuyến nghị </a:t>
+            </a:r>
+            <a:r>
               <a:rPr lang="en-US" sz="2000">
                 <a:latin typeface="Calibri" panose="020F0502020204030204" pitchFamily="34" charset="0"/>
                 <a:ea typeface="Calibri" panose="020F0502020204030204" pitchFamily="34" charset="0"/>
                 <a:cs typeface="Calibri" panose="020F0502020204030204" pitchFamily="34" charset="0"/>
               </a:rPr>
-              <a:t>Tiếp cận dựa trên bộ nhớ</a:t>
-            </a:r>
-          </a:p>
-          <a:p>
-            <a:pPr marL="800100" lvl="1" indent="-342900" algn="just">
-              <a:buFont typeface="Courier New" panose="02070309020205020404" pitchFamily="49" charset="0"/>
-              <a:buChar char="o"/>
+              <a:t>là t</a:t>
+            </a:r>
+            <a:r>
+              <a:rPr lang="vi-VN" sz="2000">
+                <a:latin typeface="Calibri" panose="020F0502020204030204" pitchFamily="34" charset="0"/>
+                <a:ea typeface="Calibri" panose="020F0502020204030204" pitchFamily="34" charset="0"/>
+                <a:cs typeface="Calibri" panose="020F0502020204030204" pitchFamily="34" charset="0"/>
+              </a:rPr>
+              <a:t>ập tất cả những đối tượng sẽ được khuyến nghị cho người </a:t>
+            </a:r>
+            <a:r>
+              <a:rPr lang="en-US" sz="2000">
+                <a:latin typeface="Calibri" panose="020F0502020204030204" pitchFamily="34" charset="0"/>
+                <a:ea typeface="Calibri" panose="020F0502020204030204" pitchFamily="34" charset="0"/>
+                <a:cs typeface="Calibri" panose="020F0502020204030204" pitchFamily="34" charset="0"/>
+              </a:rPr>
+              <a:t>dùng. Ví dụ: Mặt hàng, phim ảnh, sách vở…</a:t>
+            </a:r>
+            <a:endParaRPr lang="en-US" sz="2000" b="1">
+              <a:latin typeface="Calibri" panose="020F0502020204030204" pitchFamily="34" charset="0"/>
+              <a:ea typeface="Calibri" panose="020F0502020204030204" pitchFamily="34" charset="0"/>
+              <a:cs typeface="Calibri" panose="020F0502020204030204" pitchFamily="34" charset="0"/>
+            </a:endParaRPr>
+          </a:p>
+          <a:p>
+            <a:pPr marL="285750" indent="-285750" algn="just">
+              <a:buFont typeface="Wingdings" panose="05000000000000000000" pitchFamily="2" charset="2"/>
+              <a:buChar char="v"/>
             </a:pPr>
             <a:r>
+              <a:rPr lang="en-US" sz="2000" b="1">
+                <a:latin typeface="Calibri" panose="020F0502020204030204" pitchFamily="34" charset="0"/>
+                <a:ea typeface="Calibri" panose="020F0502020204030204" pitchFamily="34" charset="0"/>
+                <a:cs typeface="Calibri" panose="020F0502020204030204" pitchFamily="34" charset="0"/>
+              </a:rPr>
+              <a:t>Hàm phù hợp </a:t>
+            </a:r>
+            <a:r>
               <a:rPr lang="en-US" sz="2000">
                 <a:latin typeface="Calibri" panose="020F0502020204030204" pitchFamily="34" charset="0"/>
                 <a:ea typeface="Calibri" panose="020F0502020204030204" pitchFamily="34" charset="0"/>
                 <a:cs typeface="Calibri" panose="020F0502020204030204" pitchFamily="34" charset="0"/>
               </a:rPr>
-              <a:t>Tiếp cận dựa trên mô hình</a:t>
-            </a:r>
+              <a:t>là một ma trận ánh xạ mức độ phù hợp của người dùng đối với đối tượng khuyến nghị</a:t>
+            </a:r>
+            <a:endParaRPr lang="en-US" sz="2000" b="1">
+              <a:latin typeface="Calibri" panose="020F0502020204030204" pitchFamily="34" charset="0"/>
+              <a:ea typeface="Calibri" panose="020F0502020204030204" pitchFamily="34" charset="0"/>
+              <a:cs typeface="Calibri" panose="020F0502020204030204" pitchFamily="34" charset="0"/>
+            </a:endParaRPr>
           </a:p>
         </p:txBody>
       </p:sp>
     </p:spTree>
     <p:extLst>
       <p:ext uri="{BB962C8B-B14F-4D97-AF65-F5344CB8AC3E}">
-        <p14:creationId xmlns:p14="http://schemas.microsoft.com/office/powerpoint/2010/main" val="3903604447"/>
+        <p14:creationId xmlns:p14="http://schemas.microsoft.com/office/powerpoint/2010/main" val="3765108916"/>
       </p:ext>
     </p:extLst>
   </p:cSld>
@@ -7723,8 +10127,8 @@
         </p:nvSpPr>
         <p:spPr>
           <a:xfrm>
-            <a:off x="1119437" y="2569167"/>
-            <a:ext cx="7763933" cy="3391366"/>
+            <a:off x="1119437" y="2852335"/>
+            <a:ext cx="7763933" cy="1719665"/>
           </a:xfrm>
         </p:spPr>
         <p:txBody>
@@ -7735,36 +10139,12 @@
           <a:p>
             <a:pPr algn="just"/>
             <a:r>
-              <a:rPr lang="en-US" sz="2000" b="1">
-                <a:latin typeface="Calibri" panose="020F0502020204030204" pitchFamily="34" charset="0"/>
-                <a:ea typeface="Calibri" panose="020F0502020204030204" pitchFamily="34" charset="0"/>
-                <a:cs typeface="Calibri" panose="020F0502020204030204" pitchFamily="34" charset="0"/>
-              </a:rPr>
-              <a:t>	Phương pháp lọc cộng tác (Collaborative Filtering)</a:t>
-            </a:r>
-            <a:r>
               <a:rPr lang="en-US" sz="2000">
                 <a:latin typeface="Calibri" panose="020F0502020204030204" pitchFamily="34" charset="0"/>
                 <a:ea typeface="Calibri" panose="020F0502020204030204" pitchFamily="34" charset="0"/>
                 <a:cs typeface="Calibri" panose="020F0502020204030204" pitchFamily="34" charset="0"/>
               </a:rPr>
-              <a:t> </a:t>
-            </a:r>
-            <a:r>
-              <a:rPr lang="vi-VN" sz="2000">
-                <a:latin typeface="Calibri" panose="020F0502020204030204" pitchFamily="34" charset="0"/>
-                <a:ea typeface="Calibri" panose="020F0502020204030204" pitchFamily="34" charset="0"/>
-                <a:cs typeface="Calibri" panose="020F0502020204030204" pitchFamily="34" charset="0"/>
-              </a:rPr>
-              <a:t>là phương pháp khai thác những khía cạnh liên quan đến thói quen sử dụng sản phẩm của một nhóm người dùng có cùng sở thích trong quá khứ để đưa ra dự đoán các sản phẩm mới phù hợp với người dùng hiện tại</a:t>
-            </a:r>
-            <a:r>
-              <a:rPr lang="en-US" sz="2000">
-                <a:latin typeface="Calibri" panose="020F0502020204030204" pitchFamily="34" charset="0"/>
-                <a:ea typeface="Calibri" panose="020F0502020204030204" pitchFamily="34" charset="0"/>
-                <a:cs typeface="Calibri" panose="020F0502020204030204" pitchFamily="34" charset="0"/>
-              </a:rPr>
-              <a:t>.</a:t>
+              <a:t>Các hướng tiếp cận bao gồm</a:t>
             </a:r>
           </a:p>
           <a:p>
@@ -7778,13 +10158,13 @@
                 <a:ea typeface="Calibri" panose="020F0502020204030204" pitchFamily="34" charset="0"/>
                 <a:cs typeface="Calibri" panose="020F0502020204030204" pitchFamily="34" charset="0"/>
               </a:rPr>
-              <a:t>Các cách tiếp cận lọc cộng tác:</a:t>
-            </a:r>
-          </a:p>
-          <a:p>
-            <a:pPr marL="800100" lvl="1" indent="-342900" algn="just">
-              <a:buFont typeface="Courier New" panose="02070309020205020404" pitchFamily="49" charset="0"/>
-              <a:buChar char="o"/>
+              <a:t>Phương pháp lọc dựa trên nội dung (Content-base Filtering)</a:t>
+            </a:r>
+          </a:p>
+          <a:p>
+            <a:pPr marL="342900" indent="-342900" algn="just">
+              <a:buFont typeface="Wingdings" panose="05000000000000000000" pitchFamily="2" charset="2"/>
+              <a:buChar char="v"/>
             </a:pPr>
             <a:r>
               <a:rPr lang="en-US" sz="2000">
@@ -7792,13 +10172,13 @@
                 <a:ea typeface="Calibri" panose="020F0502020204030204" pitchFamily="34" charset="0"/>
                 <a:cs typeface="Calibri" panose="020F0502020204030204" pitchFamily="34" charset="0"/>
               </a:rPr>
-              <a:t>Tiếp cận dựa trên bộ nhớ</a:t>
-            </a:r>
-          </a:p>
-          <a:p>
-            <a:pPr marL="800100" lvl="1" indent="-342900" algn="just">
-              <a:buFont typeface="Courier New" panose="02070309020205020404" pitchFamily="49" charset="0"/>
-              <a:buChar char="o"/>
+              <a:t>Phương pháp lọc cộng tác (Collaborative Filtering)</a:t>
+            </a:r>
+          </a:p>
+          <a:p>
+            <a:pPr marL="342900" indent="-342900" algn="just">
+              <a:buFont typeface="Wingdings" panose="05000000000000000000" pitchFamily="2" charset="2"/>
+              <a:buChar char="v"/>
             </a:pPr>
             <a:r>
               <a:rPr lang="en-US" sz="2000">
@@ -7806,7 +10186,7 @@
                 <a:ea typeface="Calibri" panose="020F0502020204030204" pitchFamily="34" charset="0"/>
                 <a:cs typeface="Calibri" panose="020F0502020204030204" pitchFamily="34" charset="0"/>
               </a:rPr>
-              <a:t>Tiếp cận dựa trên mô hình</a:t>
+              <a:t>Phương pháp tiếp cận lai (Hybird Filtering)</a:t>
             </a:r>
           </a:p>
           <a:p>
@@ -7822,7 +10202,7 @@
     </p:spTree>
     <p:extLst>
       <p:ext uri="{BB962C8B-B14F-4D97-AF65-F5344CB8AC3E}">
-        <p14:creationId xmlns:p14="http://schemas.microsoft.com/office/powerpoint/2010/main" val="4292712997"/>
+        <p14:creationId xmlns:p14="http://schemas.microsoft.com/office/powerpoint/2010/main" val="3605900645"/>
       </p:ext>
     </p:extLst>
   </p:cSld>
@@ -7920,8 +10300,8 @@
         </p:nvSpPr>
         <p:spPr>
           <a:xfrm>
-            <a:off x="1119437" y="2569166"/>
-            <a:ext cx="7763933" cy="4410754"/>
+            <a:off x="1119437" y="2569167"/>
+            <a:ext cx="7763933" cy="3391366"/>
           </a:xfrm>
         </p:spPr>
         <p:txBody>
@@ -7932,20 +10312,28 @@
           <a:p>
             <a:pPr algn="just"/>
             <a:r>
+              <a:rPr lang="en-US" sz="2000" b="1">
+                <a:latin typeface="Calibri" panose="020F0502020204030204" pitchFamily="34" charset="0"/>
+                <a:ea typeface="Calibri" panose="020F0502020204030204" pitchFamily="34" charset="0"/>
+                <a:cs typeface="Calibri" panose="020F0502020204030204" pitchFamily="34" charset="0"/>
+              </a:rPr>
+              <a:t>	Phương pháp lọc dựa trên nội dung (Content-base Filtering</a:t>
+            </a:r>
+            <a:r>
               <a:rPr lang="en-US" sz="2000">
                 <a:latin typeface="Calibri" panose="020F0502020204030204" pitchFamily="34" charset="0"/>
                 <a:ea typeface="Calibri" panose="020F0502020204030204" pitchFamily="34" charset="0"/>
                 <a:cs typeface="Calibri" panose="020F0502020204030204" pitchFamily="34" charset="0"/>
               </a:rPr>
-              <a:t>	</a:t>
-            </a:r>
-            <a:r>
-              <a:rPr lang="en-US" sz="2000" b="1">
-                <a:latin typeface="Calibri" panose="020F0502020204030204" pitchFamily="34" charset="0"/>
-                <a:ea typeface="Calibri" panose="020F0502020204030204" pitchFamily="34" charset="0"/>
-                <a:cs typeface="Calibri" panose="020F0502020204030204" pitchFamily="34" charset="0"/>
-              </a:rPr>
-              <a:t>Phương pháp tiếp cận lai (Hybird Filtering) </a:t>
+              <a:t>) là </a:t>
+            </a:r>
+            <a:r>
+              <a:rPr lang="vi-VN" sz="2000">
+                <a:latin typeface="Calibri" panose="020F0502020204030204" pitchFamily="34" charset="0"/>
+                <a:ea typeface="Calibri" panose="020F0502020204030204" pitchFamily="34" charset="0"/>
+                <a:cs typeface="Calibri" panose="020F0502020204030204" pitchFamily="34" charset="0"/>
+              </a:rPr>
+              <a:t>phương </a:t>
             </a:r>
             <a:r>
               <a:rPr lang="en-US" sz="2000">
@@ -7953,7 +10341,7 @@
                 <a:ea typeface="Calibri" panose="020F0502020204030204" pitchFamily="34" charset="0"/>
                 <a:cs typeface="Calibri" panose="020F0502020204030204" pitchFamily="34" charset="0"/>
               </a:rPr>
-              <a:t>là</a:t>
+              <a:t> </a:t>
             </a:r>
             <a:r>
               <a:rPr lang="vi-VN" sz="2000">
@@ -7961,7 +10349,7 @@
                 <a:ea typeface="Calibri" panose="020F0502020204030204" pitchFamily="34" charset="0"/>
                 <a:cs typeface="Calibri" panose="020F0502020204030204" pitchFamily="34" charset="0"/>
               </a:rPr>
-              <a:t> phương pháp kết hợp các kỹ thuật khuyến nghị khác nhau</a:t>
+              <a:t>pháp thực hiện dựa trên việc so sánh nội dung thông tin hay mô tả hàng hóa</a:t>
             </a:r>
             <a:r>
               <a:rPr lang="en-US" sz="2000">
@@ -7969,13 +10357,56 @@
                 <a:ea typeface="Calibri" panose="020F0502020204030204" pitchFamily="34" charset="0"/>
                 <a:cs typeface="Calibri" panose="020F0502020204030204" pitchFamily="34" charset="0"/>
               </a:rPr>
-              <a:t>. Ví dụ như lọc cộng tác kết hợp với lọc dựa trên nội dung và ngược lại.</a:t>
-            </a:r>
-            <a:endParaRPr lang="en-US" sz="2000" b="1">
-              <a:latin typeface="Calibri" panose="020F0502020204030204" pitchFamily="34" charset="0"/>
-              <a:ea typeface="Calibri" panose="020F0502020204030204" pitchFamily="34" charset="0"/>
-              <a:cs typeface="Calibri" panose="020F0502020204030204" pitchFamily="34" charset="0"/>
-            </a:endParaRPr>
+              <a:t> </a:t>
+            </a:r>
+            <a:r>
+              <a:rPr lang="vi-VN" sz="2000">
+                <a:latin typeface="Calibri" panose="020F0502020204030204" pitchFamily="34" charset="0"/>
+                <a:ea typeface="Calibri" panose="020F0502020204030204" pitchFamily="34" charset="0"/>
+                <a:cs typeface="Calibri" panose="020F0502020204030204" pitchFamily="34" charset="0"/>
+              </a:rPr>
+              <a:t>để tìm ra những sản</a:t>
+            </a:r>
+            <a:r>
+              <a:rPr lang="en-US" sz="2000">
+                <a:latin typeface="Calibri" panose="020F0502020204030204" pitchFamily="34" charset="0"/>
+                <a:ea typeface="Calibri" panose="020F0502020204030204" pitchFamily="34" charset="0"/>
+                <a:cs typeface="Calibri" panose="020F0502020204030204" pitchFamily="34" charset="0"/>
+              </a:rPr>
+              <a:t> </a:t>
+            </a:r>
+            <a:r>
+              <a:rPr lang="vi-VN" sz="2000">
+                <a:latin typeface="Calibri" panose="020F0502020204030204" pitchFamily="34" charset="0"/>
+                <a:ea typeface="Calibri" panose="020F0502020204030204" pitchFamily="34" charset="0"/>
+                <a:cs typeface="Calibri" panose="020F0502020204030204" pitchFamily="34" charset="0"/>
+              </a:rPr>
+              <a:t>phẩm tương tự với những gì mà người dùng đã từng quan tâm </a:t>
+            </a:r>
+            <a:r>
+              <a:rPr lang="en-US" sz="2000">
+                <a:latin typeface="Calibri" panose="020F0502020204030204" pitchFamily="34" charset="0"/>
+                <a:ea typeface="Calibri" panose="020F0502020204030204" pitchFamily="34" charset="0"/>
+                <a:cs typeface="Calibri" panose="020F0502020204030204" pitchFamily="34" charset="0"/>
+              </a:rPr>
+              <a:t>và khuyến nghị</a:t>
+            </a:r>
+            <a:r>
+              <a:rPr lang="vi-VN" sz="2000">
+                <a:latin typeface="Calibri" panose="020F0502020204030204" pitchFamily="34" charset="0"/>
+                <a:ea typeface="Calibri" panose="020F0502020204030204" pitchFamily="34" charset="0"/>
+                <a:cs typeface="Calibri" panose="020F0502020204030204" pitchFamily="34" charset="0"/>
+              </a:rPr>
+              <a:t> cho họ những sản phẩm này</a:t>
+            </a:r>
+            <a:r>
+              <a:rPr lang="en-US" sz="2000">
+                <a:latin typeface="Calibri" panose="020F0502020204030204" pitchFamily="34" charset="0"/>
+                <a:ea typeface="Calibri" panose="020F0502020204030204" pitchFamily="34" charset="0"/>
+                <a:cs typeface="Calibri" panose="020F0502020204030204" pitchFamily="34" charset="0"/>
+              </a:rPr>
+              <a:t>.</a:t>
+            </a:r>
           </a:p>
           <a:p>
             <a:pPr marL="342900" indent="-342900" algn="just">
@@ -7988,70 +10419,43 @@
                 <a:ea typeface="Calibri" panose="020F0502020204030204" pitchFamily="34" charset="0"/>
                 <a:cs typeface="Calibri" panose="020F0502020204030204" pitchFamily="34" charset="0"/>
               </a:rPr>
-              <a:t>Một số phương pháp tiếp cận lai:</a:t>
-            </a:r>
-          </a:p>
-          <a:p>
-            <a:pPr lvl="1" algn="just"/>
-            <a:r>
-              <a:rPr lang="en-US" sz="1800">
-                <a:latin typeface="Calibri" panose="020F0502020204030204" pitchFamily="34" charset="0"/>
-                <a:ea typeface="Calibri" panose="020F0502020204030204" pitchFamily="34" charset="0"/>
-                <a:cs typeface="Calibri" panose="020F0502020204030204" pitchFamily="34" charset="0"/>
-              </a:rPr>
-              <a:t>Lai có trọng số 				 Lai kết hợp đặc trưng</a:t>
-            </a:r>
-          </a:p>
-          <a:p>
-            <a:pPr lvl="1" algn="just"/>
-            <a:r>
-              <a:rPr lang="en-US" sz="1800">
-                <a:latin typeface="Calibri" panose="020F0502020204030204" pitchFamily="34" charset="0"/>
-                <a:ea typeface="Calibri" panose="020F0502020204030204" pitchFamily="34" charset="0"/>
-                <a:cs typeface="Calibri" panose="020F0502020204030204" pitchFamily="34" charset="0"/>
-              </a:rPr>
-              <a:t>Lai chuyển đổi					 Lai theo đợt</a:t>
-            </a:r>
-          </a:p>
-          <a:p>
-            <a:pPr lvl="1" algn="just"/>
-            <a:r>
-              <a:rPr lang="en-US" sz="1800">
-                <a:latin typeface="Calibri" panose="020F0502020204030204" pitchFamily="34" charset="0"/>
-                <a:ea typeface="Calibri" panose="020F0502020204030204" pitchFamily="34" charset="0"/>
-                <a:cs typeface="Calibri" panose="020F0502020204030204" pitchFamily="34" charset="0"/>
-              </a:rPr>
-              <a:t>Lai trộn						 Lai tăng cường đặc trưng</a:t>
-            </a:r>
-          </a:p>
-          <a:p>
-            <a:pPr lvl="1" algn="just"/>
-            <a:r>
-              <a:rPr lang="en-US" sz="1800">
-                <a:latin typeface="Calibri" panose="020F0502020204030204" pitchFamily="34" charset="0"/>
-                <a:ea typeface="Calibri" panose="020F0502020204030204" pitchFamily="34" charset="0"/>
-                <a:cs typeface="Calibri" panose="020F0502020204030204" pitchFamily="34" charset="0"/>
-              </a:rPr>
-              <a:t>Lai meta</a:t>
+              <a:t>Các cách tiếp cận lọc dựa trên nội dung:</a:t>
             </a:r>
           </a:p>
           <a:p>
             <a:pPr marL="800100" lvl="1" indent="-342900" algn="just">
-              <a:buFont typeface="Wingdings" panose="05000000000000000000" pitchFamily="2" charset="2"/>
-              <a:buChar char="v"/>
+              <a:buFont typeface="Courier New" panose="02070309020205020404" pitchFamily="49" charset="0"/>
+              <a:buChar char="o"/>
             </a:pPr>
-            <a:endParaRPr lang="en-US" sz="2000">
-              <a:latin typeface="Calibri" panose="020F0502020204030204" pitchFamily="34" charset="0"/>
-              <a:ea typeface="Calibri" panose="020F0502020204030204" pitchFamily="34" charset="0"/>
-              <a:cs typeface="Calibri" panose="020F0502020204030204" pitchFamily="34" charset="0"/>
-            </a:endParaRPr>
+            <a:r>
+              <a:rPr lang="en-US" sz="2000">
+                <a:latin typeface="Calibri" panose="020F0502020204030204" pitchFamily="34" charset="0"/>
+                <a:ea typeface="Calibri" panose="020F0502020204030204" pitchFamily="34" charset="0"/>
+                <a:cs typeface="Calibri" panose="020F0502020204030204" pitchFamily="34" charset="0"/>
+              </a:rPr>
+              <a:t>Tiếp cận dựa trên bộ nhớ</a:t>
+            </a:r>
+          </a:p>
+          <a:p>
+            <a:pPr marL="800100" lvl="1" indent="-342900" algn="just">
+              <a:buFont typeface="Courier New" panose="02070309020205020404" pitchFamily="49" charset="0"/>
+              <a:buChar char="o"/>
+            </a:pPr>
+            <a:r>
+              <a:rPr lang="en-US" sz="2000">
+                <a:latin typeface="Calibri" panose="020F0502020204030204" pitchFamily="34" charset="0"/>
+                <a:ea typeface="Calibri" panose="020F0502020204030204" pitchFamily="34" charset="0"/>
+                <a:cs typeface="Calibri" panose="020F0502020204030204" pitchFamily="34" charset="0"/>
+              </a:rPr>
+              <a:t>Tiếp cận dựa trên mô hình</a:t>
+            </a:r>
           </a:p>
         </p:txBody>
       </p:sp>
     </p:spTree>
     <p:extLst>
       <p:ext uri="{BB962C8B-B14F-4D97-AF65-F5344CB8AC3E}">
-        <p14:creationId xmlns:p14="http://schemas.microsoft.com/office/powerpoint/2010/main" val="2752702966"/>
+        <p14:creationId xmlns:p14="http://schemas.microsoft.com/office/powerpoint/2010/main" val="3903604447"/>
       </p:ext>
     </p:extLst>
   </p:cSld>
@@ -8096,8 +10500,8 @@
         </p:nvSpPr>
         <p:spPr>
           <a:xfrm>
-            <a:off x="904455" y="834432"/>
-            <a:ext cx="8346296" cy="2594568"/>
+            <a:off x="1119437" y="639699"/>
+            <a:ext cx="7011566" cy="1646302"/>
           </a:xfrm>
         </p:spPr>
         <p:txBody>
@@ -8111,7 +10515,22 @@
                 <a:ea typeface="Calibri" panose="020F0502020204030204" pitchFamily="34" charset="0"/>
                 <a:cs typeface="Calibri" panose="020F0502020204030204" pitchFamily="34" charset="0"/>
               </a:rPr>
-              <a:t>Một số phương pháp trong việc giải quyết bài toán khuyến nghị phim</a:t>
+              <a:t>Các hướng tiếp cận của</a:t>
+            </a:r>
+            <a:br>
+              <a:rPr lang="en-US">
+                <a:latin typeface="Calibri" panose="020F0502020204030204" pitchFamily="34" charset="0"/>
+                <a:ea typeface="Calibri" panose="020F0502020204030204" pitchFamily="34" charset="0"/>
+                <a:cs typeface="Calibri" panose="020F0502020204030204" pitchFamily="34" charset="0"/>
+              </a:rPr>
+            </a:br>
+            <a:r>
+              <a:rPr lang="en-US">
+                <a:latin typeface="Calibri" panose="020F0502020204030204" pitchFamily="34" charset="0"/>
+                <a:ea typeface="Calibri" panose="020F0502020204030204" pitchFamily="34" charset="0"/>
+                <a:cs typeface="Calibri" panose="020F0502020204030204" pitchFamily="34" charset="0"/>
+              </a:rPr>
+              <a:t>bài toán khuyến nghị</a:t>
             </a:r>
           </a:p>
         </p:txBody>
@@ -8134,8 +10553,8 @@
         </p:nvSpPr>
         <p:spPr>
           <a:xfrm>
-            <a:off x="904455" y="3834467"/>
-            <a:ext cx="7763933" cy="1795866"/>
+            <a:off x="1119437" y="2569167"/>
+            <a:ext cx="7763933" cy="3391366"/>
           </a:xfrm>
         </p:spPr>
         <p:txBody>
@@ -8144,18 +10563,42 @@
           </a:bodyPr>
           <a:lstStyle/>
           <a:p>
-            <a:pPr lvl="1" algn="just"/>
+            <a:pPr algn="just"/>
+            <a:r>
+              <a:rPr lang="en-US" sz="2000" b="1">
+                <a:latin typeface="Calibri" panose="020F0502020204030204" pitchFamily="34" charset="0"/>
+                <a:ea typeface="Calibri" panose="020F0502020204030204" pitchFamily="34" charset="0"/>
+                <a:cs typeface="Calibri" panose="020F0502020204030204" pitchFamily="34" charset="0"/>
+              </a:rPr>
+              <a:t>	Phương pháp lọc cộng tác (Collaborative Filtering)</a:t>
+            </a:r>
             <a:r>
               <a:rPr lang="en-US" sz="2000">
                 <a:latin typeface="Calibri" panose="020F0502020204030204" pitchFamily="34" charset="0"/>
                 <a:ea typeface="Calibri" panose="020F0502020204030204" pitchFamily="34" charset="0"/>
                 <a:cs typeface="Calibri" panose="020F0502020204030204" pitchFamily="34" charset="0"/>
               </a:rPr>
-              <a:t>Thuật toán giải quyết cho bài toán khuyến nghị phim:</a:t>
-            </a:r>
-          </a:p>
-          <a:p>
-            <a:pPr marL="800100" lvl="1" indent="-342900" algn="just">
+              <a:t> </a:t>
+            </a:r>
+            <a:r>
+              <a:rPr lang="vi-VN" sz="2000">
+                <a:latin typeface="Calibri" panose="020F0502020204030204" pitchFamily="34" charset="0"/>
+                <a:ea typeface="Calibri" panose="020F0502020204030204" pitchFamily="34" charset="0"/>
+                <a:cs typeface="Calibri" panose="020F0502020204030204" pitchFamily="34" charset="0"/>
+              </a:rPr>
+              <a:t>là phương pháp khai thác những khía cạnh liên quan đến thói quen sử dụng sản phẩm của một nhóm người dùng có cùng sở thích trong quá khứ để đưa ra dự đoán các sản phẩm mới phù hợp với người dùng hiện tại</a:t>
+            </a:r>
+            <a:r>
+              <a:rPr lang="en-US" sz="2000">
+                <a:latin typeface="Calibri" panose="020F0502020204030204" pitchFamily="34" charset="0"/>
+                <a:ea typeface="Calibri" panose="020F0502020204030204" pitchFamily="34" charset="0"/>
+                <a:cs typeface="Calibri" panose="020F0502020204030204" pitchFamily="34" charset="0"/>
+              </a:rPr>
+              <a:t>.</a:t>
+            </a:r>
+          </a:p>
+          <a:p>
+            <a:pPr marL="342900" indent="-342900" algn="just">
               <a:buFont typeface="Wingdings" panose="05000000000000000000" pitchFamily="2" charset="2"/>
               <a:buChar char="v"/>
             </a:pPr>
@@ -8165,13 +10608,13 @@
                 <a:ea typeface="Calibri" panose="020F0502020204030204" pitchFamily="34" charset="0"/>
                 <a:cs typeface="Calibri" panose="020F0502020204030204" pitchFamily="34" charset="0"/>
               </a:rPr>
-              <a:t>PMF (Probabilistic Matrix Factorization)</a:t>
+              <a:t>Các cách tiếp cận lọc cộng tác:</a:t>
             </a:r>
           </a:p>
           <a:p>
             <a:pPr marL="800100" lvl="1" indent="-342900" algn="just">
-              <a:buFont typeface="Wingdings" panose="05000000000000000000" pitchFamily="2" charset="2"/>
-              <a:buChar char="v"/>
+              <a:buFont typeface="Courier New" panose="02070309020205020404" pitchFamily="49" charset="0"/>
+              <a:buChar char="o"/>
             </a:pPr>
             <a:r>
               <a:rPr lang="en-US" sz="2000">
@@ -8179,13 +10622,13 @@
                 <a:ea typeface="Calibri" panose="020F0502020204030204" pitchFamily="34" charset="0"/>
                 <a:cs typeface="Calibri" panose="020F0502020204030204" pitchFamily="34" charset="0"/>
               </a:rPr>
-              <a:t>BPMF (Bayesian Probabilistic Matrix Factorization)</a:t>
+              <a:t>Tiếp cận dựa trên bộ nhớ</a:t>
             </a:r>
           </a:p>
           <a:p>
             <a:pPr marL="800100" lvl="1" indent="-342900" algn="just">
-              <a:buFont typeface="Wingdings" panose="05000000000000000000" pitchFamily="2" charset="2"/>
-              <a:buChar char="v"/>
+              <a:buFont typeface="Courier New" panose="02070309020205020404" pitchFamily="49" charset="0"/>
+              <a:buChar char="o"/>
             </a:pPr>
             <a:r>
               <a:rPr lang="en-US" sz="2000">
@@ -8193,24 +10636,29 @@
                 <a:ea typeface="Calibri" panose="020F0502020204030204" pitchFamily="34" charset="0"/>
                 <a:cs typeface="Calibri" panose="020F0502020204030204" pitchFamily="34" charset="0"/>
               </a:rPr>
-              <a:t>ALS (Alternating Least Squares)</a:t>
-            </a:r>
+              <a:t>Tiếp cận dựa trên mô hình</a:t>
+            </a:r>
+          </a:p>
+          <a:p>
+            <a:pPr algn="just"/>
+            <a:endParaRPr lang="en-US" sz="2000">
+              <a:latin typeface="Calibri" panose="020F0502020204030204" pitchFamily="34" charset="0"/>
+              <a:ea typeface="Calibri" panose="020F0502020204030204" pitchFamily="34" charset="0"/>
+              <a:cs typeface="Calibri" panose="020F0502020204030204" pitchFamily="34" charset="0"/>
+            </a:endParaRPr>
           </a:p>
         </p:txBody>
       </p:sp>
     </p:spTree>
     <p:extLst>
       <p:ext uri="{BB962C8B-B14F-4D97-AF65-F5344CB8AC3E}">
-        <p14:creationId xmlns:p14="http://schemas.microsoft.com/office/powerpoint/2010/main" val="144592373"/>
+        <p14:creationId xmlns:p14="http://schemas.microsoft.com/office/powerpoint/2010/main" val="4292712997"/>
       </p:ext>
     </p:extLst>
   </p:cSld>
   <p:clrMapOvr>
     <a:masterClrMapping/>
   </p:clrMapOvr>
-  <p:transition spd="slow">
-    <p:push/>
-  </p:transition>
 </p:sld>
 </file>
 
@@ -8469,4 +10917,299 @@
     </a:ext>
   </a:extLst>
 </a:theme>
+</file>
+
+<file path=ppt/theme/theme2.xml><?xml version="1.0" encoding="utf-8"?>
+<a:theme xmlns:a="http://schemas.openxmlformats.org/drawingml/2006/main" name="Office Theme">
+  <a:themeElements>
+    <a:clrScheme name="Office">
+      <a:dk1>
+        <a:sysClr val="windowText" lastClr="000000"/>
+      </a:dk1>
+      <a:lt1>
+        <a:sysClr val="window" lastClr="FFFFFF"/>
+      </a:lt1>
+      <a:dk2>
+        <a:srgbClr val="44546A"/>
+      </a:dk2>
+      <a:lt2>
+        <a:srgbClr val="E7E6E6"/>
+      </a:lt2>
+      <a:accent1>
+        <a:srgbClr val="4472C4"/>
+      </a:accent1>
+      <a:accent2>
+        <a:srgbClr val="ED7D31"/>
+      </a:accent2>
+      <a:accent3>
+        <a:srgbClr val="A5A5A5"/>
+      </a:accent3>
+      <a:accent4>
+        <a:srgbClr val="FFC000"/>
+      </a:accent4>
+      <a:accent5>
+        <a:srgbClr val="5B9BD5"/>
+      </a:accent5>
+      <a:accent6>
+        <a:srgbClr val="70AD47"/>
+      </a:accent6>
+      <a:hlink>
+        <a:srgbClr val="0563C1"/>
+      </a:hlink>
+      <a:folHlink>
+        <a:srgbClr val="954F72"/>
+      </a:folHlink>
+    </a:clrScheme>
+    <a:fontScheme name="Office">
+      <a:majorFont>
+        <a:latin typeface="Calibri Light" panose="020F0302020204030204"/>
+        <a:ea typeface=""/>
+        <a:cs typeface=""/>
+        <a:font script="Jpan" typeface="游ゴシック Light"/>
+        <a:font script="Hang" typeface="맑은 고딕"/>
+        <a:font script="Hans" typeface="等线 Light"/>
+        <a:font script="Hant" typeface="新細明體"/>
+        <a:font script="Arab" typeface="Times New Roman"/>
+        <a:font script="Hebr" typeface="Times New Roman"/>
+        <a:font script="Thai" typeface="Angsana New"/>
+        <a:font script="Ethi" typeface="Nyala"/>
+        <a:font script="Beng" typeface="Vrinda"/>
+        <a:font script="Gujr" typeface="Shruti"/>
+        <a:font script="Khmr" typeface="MoolBoran"/>
+        <a:font script="Knda" typeface="Tunga"/>
+        <a:font script="Guru" typeface="Raavi"/>
+        <a:font script="Cans" typeface="Euphemia"/>
+        <a:font script="Cher" typeface="Plantagenet Cherokee"/>
+        <a:font script="Yiii" typeface="Microsoft Yi Baiti"/>
+        <a:font script="Tibt" typeface="Microsoft Himalaya"/>
+        <a:font script="Thaa" typeface="MV Boli"/>
+        <a:font script="Deva" typeface="Mangal"/>
+        <a:font script="Telu" typeface="Gautami"/>
+        <a:font script="Taml" typeface="Latha"/>
+        <a:font script="Syrc" typeface="Estrangelo Edessa"/>
+        <a:font script="Orya" typeface="Kalinga"/>
+        <a:font script="Mlym" typeface="Kartika"/>
+        <a:font script="Laoo" typeface="DokChampa"/>
+        <a:font script="Sinh" typeface="Iskoola Pota"/>
+        <a:font script="Mong" typeface="Mongolian Baiti"/>
+        <a:font script="Viet" typeface="Times New Roman"/>
+        <a:font script="Uigh" typeface="Microsoft Uighur"/>
+        <a:font script="Geor" typeface="Sylfaen"/>
+        <a:font script="Armn" typeface="Arial"/>
+        <a:font script="Bugi" typeface="Leelawadee UI"/>
+        <a:font script="Bopo" typeface="Microsoft JhengHei"/>
+        <a:font script="Java" typeface="Javanese Text"/>
+        <a:font script="Lisu" typeface="Segoe UI"/>
+        <a:font script="Mymr" typeface="Myanmar Text"/>
+        <a:font script="Nkoo" typeface="Ebrima"/>
+        <a:font script="Olck" typeface="Nirmala UI"/>
+        <a:font script="Osma" typeface="Ebrima"/>
+        <a:font script="Phag" typeface="Phagspa"/>
+        <a:font script="Syrn" typeface="Estrangelo Edessa"/>
+        <a:font script="Syrj" typeface="Estrangelo Edessa"/>
+        <a:font script="Syre" typeface="Estrangelo Edessa"/>
+        <a:font script="Sora" typeface="Nirmala UI"/>
+        <a:font script="Tale" typeface="Microsoft Tai Le"/>
+        <a:font script="Talu" typeface="Microsoft New Tai Lue"/>
+        <a:font script="Tfng" typeface="Ebrima"/>
+      </a:majorFont>
+      <a:minorFont>
+        <a:latin typeface="Calibri" panose="020F0502020204030204"/>
+        <a:ea typeface=""/>
+        <a:cs typeface=""/>
+        <a:font script="Jpan" typeface="游ゴシック"/>
+        <a:font script="Hang" typeface="맑은 고딕"/>
+        <a:font script="Hans" typeface="等线"/>
+        <a:font script="Hant" typeface="新細明體"/>
+        <a:font script="Arab" typeface="Arial"/>
+        <a:font script="Hebr" typeface="Arial"/>
+        <a:font script="Thai" typeface="Cordia New"/>
+        <a:font script="Ethi" typeface="Nyala"/>
+        <a:font script="Beng" typeface="Vrinda"/>
+        <a:font script="Gujr" typeface="Shruti"/>
+        <a:font script="Khmr" typeface="DaunPenh"/>
+        <a:font script="Knda" typeface="Tunga"/>
+        <a:font script="Guru" typeface="Raavi"/>
+        <a:font script="Cans" typeface="Euphemia"/>
+        <a:font script="Cher" typeface="Plantagenet Cherokee"/>
+        <a:font script="Yiii" typeface="Microsoft Yi Baiti"/>
+        <a:font script="Tibt" typeface="Microsoft Himalaya"/>
+        <a:font script="Thaa" typeface="MV Boli"/>
+        <a:font script="Deva" typeface="Mangal"/>
+        <a:font script="Telu" typeface="Gautami"/>
+        <a:font script="Taml" typeface="Latha"/>
+        <a:font script="Syrc" typeface="Estrangelo Edessa"/>
+        <a:font script="Orya" typeface="Kalinga"/>
+        <a:font script="Mlym" typeface="Kartika"/>
+        <a:font script="Laoo" typeface="DokChampa"/>
+        <a:font script="Sinh" typeface="Iskoola Pota"/>
+        <a:font script="Mong" typeface="Mongolian Baiti"/>
+        <a:font script="Viet" typeface="Arial"/>
+        <a:font script="Uigh" typeface="Microsoft Uighur"/>
+        <a:font script="Geor" typeface="Sylfaen"/>
+        <a:font script="Armn" typeface="Arial"/>
+        <a:font script="Bugi" typeface="Leelawadee UI"/>
+        <a:font script="Bopo" typeface="Microsoft JhengHei"/>
+        <a:font script="Java" typeface="Javanese Text"/>
+        <a:font script="Lisu" typeface="Segoe UI"/>
+        <a:font script="Mymr" typeface="Myanmar Text"/>
+        <a:font script="Nkoo" typeface="Ebrima"/>
+        <a:font script="Olck" typeface="Nirmala UI"/>
+        <a:font script="Osma" typeface="Ebrima"/>
+        <a:font script="Phag" typeface="Phagspa"/>
+        <a:font script="Syrn" typeface="Estrangelo Edessa"/>
+        <a:font script="Syrj" typeface="Estrangelo Edessa"/>
+        <a:font script="Syre" typeface="Estrangelo Edessa"/>
+        <a:font script="Sora" typeface="Nirmala UI"/>
+        <a:font script="Tale" typeface="Microsoft Tai Le"/>
+        <a:font script="Talu" typeface="Microsoft New Tai Lue"/>
+        <a:font script="Tfng" typeface="Ebrima"/>
+      </a:minorFont>
+    </a:fontScheme>
+    <a:fmtScheme name="Office">
+      <a:fillStyleLst>
+        <a:solidFill>
+          <a:schemeClr val="phClr"/>
+        </a:solidFill>
+        <a:gradFill rotWithShape="1">
+          <a:gsLst>
+            <a:gs pos="0">
+              <a:schemeClr val="phClr">
+                <a:lumMod val="110000"/>
+                <a:satMod val="105000"/>
+                <a:tint val="67000"/>
+              </a:schemeClr>
+            </a:gs>
+            <a:gs pos="50000">
+              <a:schemeClr val="phClr">
+                <a:lumMod val="105000"/>
+                <a:satMod val="103000"/>
+                <a:tint val="73000"/>
+              </a:schemeClr>
+            </a:gs>
+            <a:gs pos="100000">
+              <a:schemeClr val="phClr">
+                <a:lumMod val="105000"/>
+                <a:satMod val="109000"/>
+                <a:tint val="81000"/>
+              </a:schemeClr>
+            </a:gs>
+          </a:gsLst>
+          <a:lin ang="5400000" scaled="0"/>
+        </a:gradFill>
+        <a:gradFill rotWithShape="1">
+          <a:gsLst>
+            <a:gs pos="0">
+              <a:schemeClr val="phClr">
+                <a:satMod val="103000"/>
+                <a:lumMod val="102000"/>
+                <a:tint val="94000"/>
+              </a:schemeClr>
+            </a:gs>
+            <a:gs pos="50000">
+              <a:schemeClr val="phClr">
+                <a:satMod val="110000"/>
+                <a:lumMod val="100000"/>
+                <a:shade val="100000"/>
+              </a:schemeClr>
+            </a:gs>
+            <a:gs pos="100000">
+              <a:schemeClr val="phClr">
+                <a:lumMod val="99000"/>
+                <a:satMod val="120000"/>
+                <a:shade val="78000"/>
+              </a:schemeClr>
+            </a:gs>
+          </a:gsLst>
+          <a:lin ang="5400000" scaled="0"/>
+        </a:gradFill>
+      </a:fillStyleLst>
+      <a:lnStyleLst>
+        <a:ln w="6350" cap="flat" cmpd="sng" algn="ctr">
+          <a:solidFill>
+            <a:schemeClr val="phClr"/>
+          </a:solidFill>
+          <a:prstDash val="solid"/>
+          <a:miter lim="800000"/>
+        </a:ln>
+        <a:ln w="12700" cap="flat" cmpd="sng" algn="ctr">
+          <a:solidFill>
+            <a:schemeClr val="phClr"/>
+          </a:solidFill>
+          <a:prstDash val="solid"/>
+          <a:miter lim="800000"/>
+        </a:ln>
+        <a:ln w="19050" cap="flat" cmpd="sng" algn="ctr">
+          <a:solidFill>
+            <a:schemeClr val="phClr"/>
+          </a:solidFill>
+          <a:prstDash val="solid"/>
+          <a:miter lim="800000"/>
+        </a:ln>
+      </a:lnStyleLst>
+      <a:effectStyleLst>
+        <a:effectStyle>
+          <a:effectLst/>
+        </a:effectStyle>
+        <a:effectStyle>
+          <a:effectLst/>
+        </a:effectStyle>
+        <a:effectStyle>
+          <a:effectLst>
+            <a:outerShdw blurRad="57150" dist="19050" dir="5400000" algn="ctr" rotWithShape="0">
+              <a:srgbClr val="000000">
+                <a:alpha val="63000"/>
+              </a:srgbClr>
+            </a:outerShdw>
+          </a:effectLst>
+        </a:effectStyle>
+      </a:effectStyleLst>
+      <a:bgFillStyleLst>
+        <a:solidFill>
+          <a:schemeClr val="phClr"/>
+        </a:solidFill>
+        <a:solidFill>
+          <a:schemeClr val="phClr">
+            <a:tint val="95000"/>
+            <a:satMod val="170000"/>
+          </a:schemeClr>
+        </a:solidFill>
+        <a:gradFill rotWithShape="1">
+          <a:gsLst>
+            <a:gs pos="0">
+              <a:schemeClr val="phClr">
+                <a:tint val="93000"/>
+                <a:satMod val="150000"/>
+                <a:shade val="98000"/>
+                <a:lumMod val="102000"/>
+              </a:schemeClr>
+            </a:gs>
+            <a:gs pos="50000">
+              <a:schemeClr val="phClr">
+                <a:tint val="98000"/>
+                <a:satMod val="130000"/>
+                <a:shade val="90000"/>
+                <a:lumMod val="103000"/>
+              </a:schemeClr>
+            </a:gs>
+            <a:gs pos="100000">
+              <a:schemeClr val="phClr">
+                <a:shade val="63000"/>
+                <a:satMod val="120000"/>
+              </a:schemeClr>
+            </a:gs>
+          </a:gsLst>
+          <a:lin ang="5400000" scaled="0"/>
+        </a:gradFill>
+      </a:bgFillStyleLst>
+    </a:fmtScheme>
+  </a:themeElements>
+  <a:objectDefaults/>
+  <a:extraClrSchemeLst/>
+  <a:extLst>
+    <a:ext uri="{05A4C25C-085E-4340-85A3-A5531E510DB2}">
+      <thm15:themeFamily xmlns:thm15="http://schemas.microsoft.com/office/thememl/2012/main" name="Office Theme" id="{62F939B6-93AF-4DB8-9C6B-D6C7DFDC589F}" vid="{4A3C46E8-61CC-4603-A589-7422A47A8E4A}"/>
+    </a:ext>
+  </a:extLst>
+</a:theme>
 </file>